--- a/Presentation-Files/MathBlitz-Presentation.pptx
+++ b/Presentation-Files/MathBlitz-Presentation.pptx
@@ -1,48 +1,55 @@
 
 <file path=ppt/presentation.xml><?xml version="1.0" encoding="utf-8"?>
-<p:presentation xmlns:a="http://schemas.openxmlformats.org/drawingml/2006/main" xmlns:r="http://schemas.openxmlformats.org/officeDocument/2006/relationships" xmlns:mc="http://schemas.openxmlformats.org/markup-compatibility/2006" xmlns:mv="urn:schemas-microsoft-com:mac:vml" xmlns:p="http://schemas.openxmlformats.org/presentationml/2006/main" xmlns:c="http://schemas.openxmlformats.org/drawingml/2006/chart" xmlns:dgm="http://schemas.openxmlformats.org/drawingml/2006/diagram" xmlns:o="urn:schemas-microsoft-com:office:office" xmlns:v="urn:schemas-microsoft-com:vml" xmlns:pvml="urn:schemas-microsoft-com:office:powerpoint" xmlns:com="http://schemas.openxmlformats.org/drawingml/2006/compatibility" xmlns:p14="http://schemas.microsoft.com/office/powerpoint/2010/main" xmlns:p15="http://schemas.microsoft.com/office/powerpoint/2012/main" xmlns:ahyp="http://schemas.microsoft.com/office/drawing/2018/hyperlinkcolor" autoCompressPictures="0" embedTrueTypeFonts="1" strictFirstAndLastChars="0" saveSubsetFonts="1">
+<p:presentation xmlns:a="http://schemas.openxmlformats.org/drawingml/2006/main" xmlns:r="http://schemas.openxmlformats.org/officeDocument/2006/relationships" xmlns:p="http://schemas.openxmlformats.org/presentationml/2006/main" strictFirstAndLastChars="0" embedTrueTypeFonts="1" saveSubsetFonts="1" autoCompressPictures="0">
   <p:sldMasterIdLst>
-    <p:sldMasterId id="2147483659" r:id="rId4"/>
+    <p:sldMasterId id="2147483659" r:id="rId1"/>
   </p:sldMasterIdLst>
   <p:notesMasterIdLst>
-    <p:notesMasterId r:id="rId5"/>
+    <p:notesMasterId r:id="rId16"/>
   </p:notesMasterIdLst>
   <p:sldIdLst>
-    <p:sldId id="256" r:id="rId6"/>
-    <p:sldId id="257" r:id="rId7"/>
-    <p:sldId id="258" r:id="rId8"/>
-    <p:sldId id="259" r:id="rId9"/>
-    <p:sldId id="260" r:id="rId10"/>
-    <p:sldId id="261" r:id="rId11"/>
-    <p:sldId id="262" r:id="rId12"/>
-    <p:sldId id="263" r:id="rId13"/>
-    <p:sldId id="264" r:id="rId14"/>
-    <p:sldId id="265" r:id="rId15"/>
-    <p:sldId id="266" r:id="rId16"/>
-    <p:sldId id="267" r:id="rId17"/>
-    <p:sldId id="268" r:id="rId18"/>
-    <p:sldId id="269" r:id="rId19"/>
+    <p:sldId id="256" r:id="rId2"/>
+    <p:sldId id="257" r:id="rId3"/>
+    <p:sldId id="258" r:id="rId4"/>
+    <p:sldId id="259" r:id="rId5"/>
+    <p:sldId id="260" r:id="rId6"/>
+    <p:sldId id="261" r:id="rId7"/>
+    <p:sldId id="262" r:id="rId8"/>
+    <p:sldId id="263" r:id="rId9"/>
+    <p:sldId id="264" r:id="rId10"/>
+    <p:sldId id="265" r:id="rId11"/>
+    <p:sldId id="266" r:id="rId12"/>
+    <p:sldId id="267" r:id="rId13"/>
+    <p:sldId id="268" r:id="rId14"/>
+    <p:sldId id="269" r:id="rId15"/>
   </p:sldIdLst>
-  <p:sldSz cy="5143500" cx="9144000"/>
+  <p:sldSz cx="9144000" cy="5143500" type="screen16x9"/>
   <p:notesSz cx="6858000" cy="9144000"/>
   <p:embeddedFontLst>
     <p:embeddedFont>
-      <p:font typeface="Roboto"/>
-      <p:regular r:id="rId20"/>
-      <p:bold r:id="rId21"/>
-      <p:italic r:id="rId22"/>
-      <p:boldItalic r:id="rId23"/>
+      <p:font typeface="Calibri" panose="020F0502020204030204" pitchFamily="34" charset="0"/>
+      <p:regular r:id="rId17"/>
+      <p:bold r:id="rId18"/>
+      <p:italic r:id="rId19"/>
+      <p:boldItalic r:id="rId20"/>
     </p:embeddedFont>
     <p:embeddedFont>
-      <p:font typeface="Nunito"/>
-      <p:regular r:id="rId24"/>
-      <p:bold r:id="rId25"/>
-      <p:italic r:id="rId26"/>
-      <p:boldItalic r:id="rId27"/>
+      <p:font typeface="Nunito" pitchFamily="2" charset="0"/>
+      <p:regular r:id="rId21"/>
+      <p:bold r:id="rId22"/>
+      <p:italic r:id="rId23"/>
+      <p:boldItalic r:id="rId24"/>
+    </p:embeddedFont>
+    <p:embeddedFont>
+      <p:font typeface="Roboto" panose="02000000000000000000" pitchFamily="2" charset="0"/>
+      <p:regular r:id="rId25"/>
+      <p:bold r:id="rId26"/>
+      <p:italic r:id="rId27"/>
+      <p:boldItalic r:id="rId28"/>
     </p:embeddedFont>
   </p:embeddedFontLst>
   <p:defaultTextStyle>
-    <a:defPPr lvl="0" marR="0" rtl="0" algn="l">
+    <a:defPPr marR="0" lvl="0" algn="l" rtl="0">
       <a:lnSpc>
         <a:spcPct val="100000"/>
       </a:lnSpc>
@@ -53,7 +60,7 @@
         <a:spcPts val="0"/>
       </a:spcAft>
     </a:defPPr>
-    <a:lvl1pPr lvl="0" marR="0" rtl="0" algn="l">
+    <a:lvl1pPr marR="0" lvl="0" algn="l" rtl="0">
       <a:lnSpc>
         <a:spcPct val="100000"/>
       </a:lnSpc>
@@ -67,7 +74,7 @@
         <a:srgbClr val="000000"/>
       </a:buClr>
       <a:buFont typeface="Arial"/>
-      <a:defRPr b="0" i="0" sz="1400" u="none" cap="none" strike="noStrike">
+      <a:defRPr sz="1400" b="0" i="0" u="none" strike="noStrike" cap="none">
         <a:solidFill>
           <a:srgbClr val="000000"/>
         </a:solidFill>
@@ -77,7 +84,7 @@
         <a:sym typeface="Arial"/>
       </a:defRPr>
     </a:lvl1pPr>
-    <a:lvl2pPr lvl="1" marR="0" rtl="0" algn="l">
+    <a:lvl2pPr marR="0" lvl="1" algn="l" rtl="0">
       <a:lnSpc>
         <a:spcPct val="100000"/>
       </a:lnSpc>
@@ -91,7 +98,7 @@
         <a:srgbClr val="000000"/>
       </a:buClr>
       <a:buFont typeface="Arial"/>
-      <a:defRPr b="0" i="0" sz="1400" u="none" cap="none" strike="noStrike">
+      <a:defRPr sz="1400" b="0" i="0" u="none" strike="noStrike" cap="none">
         <a:solidFill>
           <a:srgbClr val="000000"/>
         </a:solidFill>
@@ -101,7 +108,7 @@
         <a:sym typeface="Arial"/>
       </a:defRPr>
     </a:lvl2pPr>
-    <a:lvl3pPr lvl="2" marR="0" rtl="0" algn="l">
+    <a:lvl3pPr marR="0" lvl="2" algn="l" rtl="0">
       <a:lnSpc>
         <a:spcPct val="100000"/>
       </a:lnSpc>
@@ -115,7 +122,7 @@
         <a:srgbClr val="000000"/>
       </a:buClr>
       <a:buFont typeface="Arial"/>
-      <a:defRPr b="0" i="0" sz="1400" u="none" cap="none" strike="noStrike">
+      <a:defRPr sz="1400" b="0" i="0" u="none" strike="noStrike" cap="none">
         <a:solidFill>
           <a:srgbClr val="000000"/>
         </a:solidFill>
@@ -125,7 +132,7 @@
         <a:sym typeface="Arial"/>
       </a:defRPr>
     </a:lvl3pPr>
-    <a:lvl4pPr lvl="3" marR="0" rtl="0" algn="l">
+    <a:lvl4pPr marR="0" lvl="3" algn="l" rtl="0">
       <a:lnSpc>
         <a:spcPct val="100000"/>
       </a:lnSpc>
@@ -139,7 +146,7 @@
         <a:srgbClr val="000000"/>
       </a:buClr>
       <a:buFont typeface="Arial"/>
-      <a:defRPr b="0" i="0" sz="1400" u="none" cap="none" strike="noStrike">
+      <a:defRPr sz="1400" b="0" i="0" u="none" strike="noStrike" cap="none">
         <a:solidFill>
           <a:srgbClr val="000000"/>
         </a:solidFill>
@@ -149,7 +156,7 @@
         <a:sym typeface="Arial"/>
       </a:defRPr>
     </a:lvl4pPr>
-    <a:lvl5pPr lvl="4" marR="0" rtl="0" algn="l">
+    <a:lvl5pPr marR="0" lvl="4" algn="l" rtl="0">
       <a:lnSpc>
         <a:spcPct val="100000"/>
       </a:lnSpc>
@@ -163,7 +170,7 @@
         <a:srgbClr val="000000"/>
       </a:buClr>
       <a:buFont typeface="Arial"/>
-      <a:defRPr b="0" i="0" sz="1400" u="none" cap="none" strike="noStrike">
+      <a:defRPr sz="1400" b="0" i="0" u="none" strike="noStrike" cap="none">
         <a:solidFill>
           <a:srgbClr val="000000"/>
         </a:solidFill>
@@ -173,7 +180,7 @@
         <a:sym typeface="Arial"/>
       </a:defRPr>
     </a:lvl5pPr>
-    <a:lvl6pPr lvl="5" marR="0" rtl="0" algn="l">
+    <a:lvl6pPr marR="0" lvl="5" algn="l" rtl="0">
       <a:lnSpc>
         <a:spcPct val="100000"/>
       </a:lnSpc>
@@ -187,7 +194,7 @@
         <a:srgbClr val="000000"/>
       </a:buClr>
       <a:buFont typeface="Arial"/>
-      <a:defRPr b="0" i="0" sz="1400" u="none" cap="none" strike="noStrike">
+      <a:defRPr sz="1400" b="0" i="0" u="none" strike="noStrike" cap="none">
         <a:solidFill>
           <a:srgbClr val="000000"/>
         </a:solidFill>
@@ -197,7 +204,7 @@
         <a:sym typeface="Arial"/>
       </a:defRPr>
     </a:lvl6pPr>
-    <a:lvl7pPr lvl="6" marR="0" rtl="0" algn="l">
+    <a:lvl7pPr marR="0" lvl="6" algn="l" rtl="0">
       <a:lnSpc>
         <a:spcPct val="100000"/>
       </a:lnSpc>
@@ -211,7 +218,7 @@
         <a:srgbClr val="000000"/>
       </a:buClr>
       <a:buFont typeface="Arial"/>
-      <a:defRPr b="0" i="0" sz="1400" u="none" cap="none" strike="noStrike">
+      <a:defRPr sz="1400" b="0" i="0" u="none" strike="noStrike" cap="none">
         <a:solidFill>
           <a:srgbClr val="000000"/>
         </a:solidFill>
@@ -221,7 +228,7 @@
         <a:sym typeface="Arial"/>
       </a:defRPr>
     </a:lvl7pPr>
-    <a:lvl8pPr lvl="7" marR="0" rtl="0" algn="l">
+    <a:lvl8pPr marR="0" lvl="7" algn="l" rtl="0">
       <a:lnSpc>
         <a:spcPct val="100000"/>
       </a:lnSpc>
@@ -235,7 +242,7 @@
         <a:srgbClr val="000000"/>
       </a:buClr>
       <a:buFont typeface="Arial"/>
-      <a:defRPr b="0" i="0" sz="1400" u="none" cap="none" strike="noStrike">
+      <a:defRPr sz="1400" b="0" i="0" u="none" strike="noStrike" cap="none">
         <a:solidFill>
           <a:srgbClr val="000000"/>
         </a:solidFill>
@@ -245,7 +252,7 @@
         <a:sym typeface="Arial"/>
       </a:defRPr>
     </a:lvl8pPr>
-    <a:lvl9pPr lvl="8" marR="0" rtl="0" algn="l">
+    <a:lvl9pPr marR="0" lvl="8" algn="l" rtl="0">
       <a:lnSpc>
         <a:spcPct val="100000"/>
       </a:lnSpc>
@@ -259,7 +266,7 @@
         <a:srgbClr val="000000"/>
       </a:buClr>
       <a:buFont typeface="Arial"/>
-      <a:defRPr b="0" i="0" sz="1400" u="none" cap="none" strike="noStrike">
+      <a:defRPr sz="1400" b="0" i="0" u="none" strike="noStrike" cap="none">
         <a:solidFill>
           <a:srgbClr val="000000"/>
         </a:solidFill>
@@ -272,7 +279,7 @@
   </p:defaultTextStyle>
   <p:extLst>
     <p:ext uri="{EFAFB233-063F-42B5-8137-9DF3F51BA10A}">
-      <p15:sldGuideLst>
+      <p15:sldGuideLst xmlns:p15="http://schemas.microsoft.com/office/powerpoint/2012/main">
         <p15:guide id="1" orient="horz" pos="1620">
           <p15:clr>
             <a:srgbClr val="A4A3A4"/>
@@ -289,12 +296,25 @@
 </p:presentation>
 </file>
 
+<file path=ppt/revisionInfo.xml><?xml version="1.0" encoding="utf-8"?>
+<p1510:revInfo xmlns:a="http://schemas.openxmlformats.org/drawingml/2006/main" xmlns:r="http://schemas.openxmlformats.org/officeDocument/2006/relationships" xmlns:p1510="http://schemas.microsoft.com/office/powerpoint/2015/10/main">
+  <p1510:revLst>
+    <p1510:client id="{B4003BFA-55A3-45D4-88A7-4B93E7056050}" v="150" dt="2021-11-28T23:57:42.741"/>
+  </p1510:revLst>
+</p1510:revInfo>
+</file>
+
 <file path=ppt/notesMasters/notesMaster1.xml><?xml version="1.0" encoding="utf-8"?>
-<p:notesMaster xmlns:a="http://schemas.openxmlformats.org/drawingml/2006/main" xmlns:r="http://schemas.openxmlformats.org/officeDocument/2006/relationships" xmlns:mc="http://schemas.openxmlformats.org/markup-compatibility/2006" xmlns:mv="urn:schemas-microsoft-com:mac:vml" xmlns:p="http://schemas.openxmlformats.org/presentationml/2006/main" xmlns:c="http://schemas.openxmlformats.org/drawingml/2006/chart" xmlns:dgm="http://schemas.openxmlformats.org/drawingml/2006/diagram" xmlns:o="urn:schemas-microsoft-com:office:office" xmlns:v="urn:schemas-microsoft-com:vml" xmlns:pvml="urn:schemas-microsoft-com:office:powerpoint" xmlns:com="http://schemas.openxmlformats.org/drawingml/2006/compatibility" xmlns:p14="http://schemas.microsoft.com/office/powerpoint/2010/main" xmlns:p15="http://schemas.microsoft.com/office/powerpoint/2012/main" xmlns:ahyp="http://schemas.microsoft.com/office/drawing/2018/hyperlinkcolor">
+<p:notesMaster xmlns:a="http://schemas.openxmlformats.org/drawingml/2006/main" xmlns:r="http://schemas.openxmlformats.org/officeDocument/2006/relationships" xmlns:p="http://schemas.openxmlformats.org/presentationml/2006/main">
   <p:cSld>
+    <p:bg>
+      <p:bgRef idx="1001">
+        <a:schemeClr val="bg1"/>
+      </p:bgRef>
+    </p:bg>
     <p:spTree>
       <p:nvGrpSpPr>
-        <p:cNvPr id="2" name="Shape 2"/>
+        <p:cNvPr id="1" name="Shape 2"/>
         <p:cNvGrpSpPr/>
         <p:nvPr/>
       </p:nvGrpSpPr>
@@ -309,9 +329,11 @@
       <p:sp>
         <p:nvSpPr>
           <p:cNvPr id="3" name="Google Shape;3;n"/>
-          <p:cNvSpPr/>
+          <p:cNvSpPr>
+            <a:spLocks noGrp="1" noRot="1" noChangeAspect="1"/>
+          </p:cNvSpPr>
           <p:nvPr>
-            <p:ph idx="2" type="sldImg"/>
+            <p:ph type="sldImg" idx="2"/>
           </p:nvPr>
         </p:nvSpPr>
         <p:spPr>
@@ -320,9 +342,13 @@
             <a:ext cx="6096075" cy="3429000"/>
           </a:xfrm>
           <a:custGeom>
-            <a:rect b="b" l="l" r="r" t="t"/>
+            <a:avLst/>
+            <a:gdLst/>
+            <a:ahLst/>
+            <a:cxnLst/>
+            <a:rect l="l" t="t" r="r" b="b"/>
             <a:pathLst>
-              <a:path extrusionOk="0" h="120000" w="120000">
+              <a:path w="120000" h="120000" extrusionOk="0">
                 <a:moveTo>
                   <a:pt x="0" y="0"/>
                 </a:moveTo>
@@ -340,23 +366,25 @@
             </a:pathLst>
           </a:custGeom>
           <a:noFill/>
-          <a:ln cap="flat" cmpd="sng" w="9525">
+          <a:ln w="9525" cap="flat" cmpd="sng">
             <a:solidFill>
               <a:srgbClr val="000000"/>
             </a:solidFill>
             <a:prstDash val="solid"/>
             <a:round/>
-            <a:headEnd len="sm" w="sm" type="none"/>
-            <a:tailEnd len="sm" w="sm" type="none"/>
+            <a:headEnd type="none" w="sm" len="sm"/>
+            <a:tailEnd type="none" w="sm" len="sm"/>
           </a:ln>
         </p:spPr>
       </p:sp>
       <p:sp>
         <p:nvSpPr>
           <p:cNvPr id="4" name="Google Shape;4;n"/>
-          <p:cNvSpPr txBox="1"/>
+          <p:cNvSpPr txBox="1">
+            <a:spLocks noGrp="1"/>
+          </p:cNvSpPr>
           <p:nvPr>
-            <p:ph idx="1" type="body"/>
+            <p:ph type="body" idx="1"/>
           </p:nvPr>
         </p:nvSpPr>
         <p:spPr>
@@ -373,11 +401,11 @@
           </a:ln>
         </p:spPr>
         <p:txBody>
-          <a:bodyPr anchorCtr="0" anchor="t" bIns="91425" lIns="91425" spcFirstLastPara="1" rIns="91425" wrap="square" tIns="91425">
+          <a:bodyPr spcFirstLastPara="1" wrap="square" lIns="91425" tIns="91425" rIns="91425" bIns="91425" anchor="t" anchorCtr="0">
             <a:noAutofit/>
           </a:bodyPr>
           <a:lstStyle>
-            <a:lvl1pPr indent="-298450" lvl="0" marL="457200">
+            <a:lvl1pPr marL="457200" lvl="0" indent="-298450">
               <a:spcBef>
                 <a:spcPts val="0"/>
               </a:spcBef>
@@ -388,7 +416,7 @@
               <a:buChar char="●"/>
               <a:defRPr sz="1100"/>
             </a:lvl1pPr>
-            <a:lvl2pPr indent="-298450" lvl="1" marL="914400">
+            <a:lvl2pPr marL="914400" lvl="1" indent="-298450">
               <a:spcBef>
                 <a:spcPts val="0"/>
               </a:spcBef>
@@ -399,7 +427,7 @@
               <a:buChar char="○"/>
               <a:defRPr sz="1100"/>
             </a:lvl2pPr>
-            <a:lvl3pPr indent="-298450" lvl="2" marL="1371600">
+            <a:lvl3pPr marL="1371600" lvl="2" indent="-298450">
               <a:spcBef>
                 <a:spcPts val="0"/>
               </a:spcBef>
@@ -410,7 +438,7 @@
               <a:buChar char="■"/>
               <a:defRPr sz="1100"/>
             </a:lvl3pPr>
-            <a:lvl4pPr indent="-298450" lvl="3" marL="1828800">
+            <a:lvl4pPr marL="1828800" lvl="3" indent="-298450">
               <a:spcBef>
                 <a:spcPts val="0"/>
               </a:spcBef>
@@ -421,7 +449,7 @@
               <a:buChar char="●"/>
               <a:defRPr sz="1100"/>
             </a:lvl4pPr>
-            <a:lvl5pPr indent="-298450" lvl="4" marL="2286000">
+            <a:lvl5pPr marL="2286000" lvl="4" indent="-298450">
               <a:spcBef>
                 <a:spcPts val="0"/>
               </a:spcBef>
@@ -432,7 +460,7 @@
               <a:buChar char="○"/>
               <a:defRPr sz="1100"/>
             </a:lvl5pPr>
-            <a:lvl6pPr indent="-298450" lvl="5" marL="2743200">
+            <a:lvl6pPr marL="2743200" lvl="5" indent="-298450">
               <a:spcBef>
                 <a:spcPts val="0"/>
               </a:spcBef>
@@ -443,7 +471,7 @@
               <a:buChar char="■"/>
               <a:defRPr sz="1100"/>
             </a:lvl6pPr>
-            <a:lvl7pPr indent="-298450" lvl="6" marL="3200400">
+            <a:lvl7pPr marL="3200400" lvl="6" indent="-298450">
               <a:spcBef>
                 <a:spcPts val="0"/>
               </a:spcBef>
@@ -454,7 +482,7 @@
               <a:buChar char="●"/>
               <a:defRPr sz="1100"/>
             </a:lvl7pPr>
-            <a:lvl8pPr indent="-298450" lvl="7" marL="3657600">
+            <a:lvl8pPr marL="3657600" lvl="7" indent="-298450">
               <a:spcBef>
                 <a:spcPts val="0"/>
               </a:spcBef>
@@ -465,7 +493,7 @@
               <a:buChar char="○"/>
               <a:defRPr sz="1100"/>
             </a:lvl8pPr>
-            <a:lvl9pPr indent="-298450" lvl="8" marL="4114800">
+            <a:lvl9pPr marL="4114800" lvl="8" indent="-298450">
               <a:spcBef>
                 <a:spcPts val="0"/>
               </a:spcBef>
@@ -477,14 +505,16 @@
               <a:defRPr sz="1100"/>
             </a:lvl9pPr>
           </a:lstStyle>
-          <a:p/>
+          <a:p>
+            <a:endParaRPr/>
+          </a:p>
         </p:txBody>
       </p:sp>
     </p:spTree>
   </p:cSld>
-  <p:clrMap accent1="accent1" accent2="accent2" accent3="accent3" accent4="accent4" accent5="accent5" accent6="accent6" bg1="lt1" bg2="dk2" tx1="dk1" tx2="lt2" folHlink="folHlink" hlink="hlink"/>
+  <p:clrMap bg1="lt1" tx1="dk1" bg2="dk2" tx2="lt2" accent1="accent1" accent2="accent2" accent3="accent3" accent4="accent4" accent5="accent5" accent6="accent6" hlink="hlink" folHlink="folHlink"/>
   <p:notesStyle>
-    <a:defPPr lvl="0" marR="0" rtl="0" algn="l">
+    <a:defPPr marR="0" lvl="0" algn="l" rtl="0">
       <a:lnSpc>
         <a:spcPct val="100000"/>
       </a:lnSpc>
@@ -495,7 +525,7 @@
         <a:spcPts val="0"/>
       </a:spcAft>
     </a:defPPr>
-    <a:lvl1pPr lvl="0" marR="0" rtl="0" algn="l">
+    <a:lvl1pPr marR="0" lvl="0" algn="l" rtl="0">
       <a:lnSpc>
         <a:spcPct val="100000"/>
       </a:lnSpc>
@@ -509,7 +539,7 @@
         <a:srgbClr val="000000"/>
       </a:buClr>
       <a:buFont typeface="Arial"/>
-      <a:defRPr b="0" i="0" sz="1400" u="none" cap="none" strike="noStrike">
+      <a:defRPr sz="1400" b="0" i="0" u="none" strike="noStrike" cap="none">
         <a:solidFill>
           <a:srgbClr val="000000"/>
         </a:solidFill>
@@ -519,7 +549,7 @@
         <a:sym typeface="Arial"/>
       </a:defRPr>
     </a:lvl1pPr>
-    <a:lvl2pPr lvl="1" marR="0" rtl="0" algn="l">
+    <a:lvl2pPr marR="0" lvl="1" algn="l" rtl="0">
       <a:lnSpc>
         <a:spcPct val="100000"/>
       </a:lnSpc>
@@ -533,7 +563,7 @@
         <a:srgbClr val="000000"/>
       </a:buClr>
       <a:buFont typeface="Arial"/>
-      <a:defRPr b="0" i="0" sz="1400" u="none" cap="none" strike="noStrike">
+      <a:defRPr sz="1400" b="0" i="0" u="none" strike="noStrike" cap="none">
         <a:solidFill>
           <a:srgbClr val="000000"/>
         </a:solidFill>
@@ -543,7 +573,7 @@
         <a:sym typeface="Arial"/>
       </a:defRPr>
     </a:lvl2pPr>
-    <a:lvl3pPr lvl="2" marR="0" rtl="0" algn="l">
+    <a:lvl3pPr marR="0" lvl="2" algn="l" rtl="0">
       <a:lnSpc>
         <a:spcPct val="100000"/>
       </a:lnSpc>
@@ -557,7 +587,7 @@
         <a:srgbClr val="000000"/>
       </a:buClr>
       <a:buFont typeface="Arial"/>
-      <a:defRPr b="0" i="0" sz="1400" u="none" cap="none" strike="noStrike">
+      <a:defRPr sz="1400" b="0" i="0" u="none" strike="noStrike" cap="none">
         <a:solidFill>
           <a:srgbClr val="000000"/>
         </a:solidFill>
@@ -567,7 +597,7 @@
         <a:sym typeface="Arial"/>
       </a:defRPr>
     </a:lvl3pPr>
-    <a:lvl4pPr lvl="3" marR="0" rtl="0" algn="l">
+    <a:lvl4pPr marR="0" lvl="3" algn="l" rtl="0">
       <a:lnSpc>
         <a:spcPct val="100000"/>
       </a:lnSpc>
@@ -581,7 +611,7 @@
         <a:srgbClr val="000000"/>
       </a:buClr>
       <a:buFont typeface="Arial"/>
-      <a:defRPr b="0" i="0" sz="1400" u="none" cap="none" strike="noStrike">
+      <a:defRPr sz="1400" b="0" i="0" u="none" strike="noStrike" cap="none">
         <a:solidFill>
           <a:srgbClr val="000000"/>
         </a:solidFill>
@@ -591,7 +621,7 @@
         <a:sym typeface="Arial"/>
       </a:defRPr>
     </a:lvl4pPr>
-    <a:lvl5pPr lvl="4" marR="0" rtl="0" algn="l">
+    <a:lvl5pPr marR="0" lvl="4" algn="l" rtl="0">
       <a:lnSpc>
         <a:spcPct val="100000"/>
       </a:lnSpc>
@@ -605,7 +635,7 @@
         <a:srgbClr val="000000"/>
       </a:buClr>
       <a:buFont typeface="Arial"/>
-      <a:defRPr b="0" i="0" sz="1400" u="none" cap="none" strike="noStrike">
+      <a:defRPr sz="1400" b="0" i="0" u="none" strike="noStrike" cap="none">
         <a:solidFill>
           <a:srgbClr val="000000"/>
         </a:solidFill>
@@ -615,7 +645,7 @@
         <a:sym typeface="Arial"/>
       </a:defRPr>
     </a:lvl5pPr>
-    <a:lvl6pPr lvl="5" marR="0" rtl="0" algn="l">
+    <a:lvl6pPr marR="0" lvl="5" algn="l" rtl="0">
       <a:lnSpc>
         <a:spcPct val="100000"/>
       </a:lnSpc>
@@ -629,7 +659,7 @@
         <a:srgbClr val="000000"/>
       </a:buClr>
       <a:buFont typeface="Arial"/>
-      <a:defRPr b="0" i="0" sz="1400" u="none" cap="none" strike="noStrike">
+      <a:defRPr sz="1400" b="0" i="0" u="none" strike="noStrike" cap="none">
         <a:solidFill>
           <a:srgbClr val="000000"/>
         </a:solidFill>
@@ -639,7 +669,7 @@
         <a:sym typeface="Arial"/>
       </a:defRPr>
     </a:lvl6pPr>
-    <a:lvl7pPr lvl="6" marR="0" rtl="0" algn="l">
+    <a:lvl7pPr marR="0" lvl="6" algn="l" rtl="0">
       <a:lnSpc>
         <a:spcPct val="100000"/>
       </a:lnSpc>
@@ -653,7 +683,7 @@
         <a:srgbClr val="000000"/>
       </a:buClr>
       <a:buFont typeface="Arial"/>
-      <a:defRPr b="0" i="0" sz="1400" u="none" cap="none" strike="noStrike">
+      <a:defRPr sz="1400" b="0" i="0" u="none" strike="noStrike" cap="none">
         <a:solidFill>
           <a:srgbClr val="000000"/>
         </a:solidFill>
@@ -663,7 +693,7 @@
         <a:sym typeface="Arial"/>
       </a:defRPr>
     </a:lvl7pPr>
-    <a:lvl8pPr lvl="7" marR="0" rtl="0" algn="l">
+    <a:lvl8pPr marR="0" lvl="7" algn="l" rtl="0">
       <a:lnSpc>
         <a:spcPct val="100000"/>
       </a:lnSpc>
@@ -677,7 +707,7 @@
         <a:srgbClr val="000000"/>
       </a:buClr>
       <a:buFont typeface="Arial"/>
-      <a:defRPr b="0" i="0" sz="1400" u="none" cap="none" strike="noStrike">
+      <a:defRPr sz="1400" b="0" i="0" u="none" strike="noStrike" cap="none">
         <a:solidFill>
           <a:srgbClr val="000000"/>
         </a:solidFill>
@@ -687,7 +717,7 @@
         <a:sym typeface="Arial"/>
       </a:defRPr>
     </a:lvl8pPr>
-    <a:lvl9pPr lvl="8" marR="0" rtl="0" algn="l">
+    <a:lvl9pPr marR="0" lvl="8" algn="l" rtl="0">
       <a:lnSpc>
         <a:spcPct val="100000"/>
       </a:lnSpc>
@@ -701,7 +731,7 @@
         <a:srgbClr val="000000"/>
       </a:buClr>
       <a:buFont typeface="Arial"/>
-      <a:defRPr b="0" i="0" sz="1400" u="none" cap="none" strike="noStrike">
+      <a:defRPr sz="1400" b="0" i="0" u="none" strike="noStrike" cap="none">
         <a:solidFill>
           <a:srgbClr val="000000"/>
         </a:solidFill>
@@ -716,11 +746,11 @@
 </file>
 
 <file path=ppt/notesSlides/notesSlide1.xml><?xml version="1.0" encoding="utf-8"?>
-<p:notes xmlns:a="http://schemas.openxmlformats.org/drawingml/2006/main" xmlns:r="http://schemas.openxmlformats.org/officeDocument/2006/relationships" xmlns:mc="http://schemas.openxmlformats.org/markup-compatibility/2006" xmlns:mv="urn:schemas-microsoft-com:mac:vml" xmlns:p="http://schemas.openxmlformats.org/presentationml/2006/main" xmlns:c="http://schemas.openxmlformats.org/drawingml/2006/chart" xmlns:dgm="http://schemas.openxmlformats.org/drawingml/2006/diagram" xmlns:o="urn:schemas-microsoft-com:office:office" xmlns:v="urn:schemas-microsoft-com:vml" xmlns:pvml="urn:schemas-microsoft-com:office:powerpoint" xmlns:com="http://schemas.openxmlformats.org/drawingml/2006/compatibility" xmlns:p14="http://schemas.microsoft.com/office/powerpoint/2010/main" xmlns:p15="http://schemas.microsoft.com/office/powerpoint/2012/main" xmlns:ahyp="http://schemas.microsoft.com/office/drawing/2018/hyperlinkcolor" showMasterPhAnim="0" showMasterSp="0">
+<p:notes xmlns:a="http://schemas.openxmlformats.org/drawingml/2006/main" xmlns:r="http://schemas.openxmlformats.org/officeDocument/2006/relationships" xmlns:p="http://schemas.openxmlformats.org/presentationml/2006/main" showMasterSp="0" showMasterPhAnim="0">
   <p:cSld>
     <p:spTree>
       <p:nvGrpSpPr>
-        <p:cNvPr id="124" name="Shape 124"/>
+        <p:cNvPr id="1" name="Shape 124"/>
         <p:cNvGrpSpPr/>
         <p:nvPr/>
       </p:nvGrpSpPr>
@@ -735,20 +765,26 @@
       <p:sp>
         <p:nvSpPr>
           <p:cNvPr id="125" name="Google Shape;125;p:notes"/>
-          <p:cNvSpPr/>
+          <p:cNvSpPr>
+            <a:spLocks noGrp="1" noRot="1" noChangeAspect="1"/>
+          </p:cNvSpPr>
           <p:nvPr>
-            <p:ph idx="2" type="sldImg"/>
+            <p:ph type="sldImg" idx="2"/>
           </p:nvPr>
         </p:nvSpPr>
         <p:spPr>
           <a:xfrm>
-            <a:off x="381300" y="685800"/>
-            <a:ext cx="6096075" cy="3429000"/>
+            <a:off x="381000" y="685800"/>
+            <a:ext cx="6096000" cy="3429000"/>
           </a:xfrm>
           <a:custGeom>
-            <a:rect b="b" l="l" r="r" t="t"/>
+            <a:avLst/>
+            <a:gdLst/>
+            <a:ahLst/>
+            <a:cxnLst/>
+            <a:rect l="l" t="t" r="r" b="b"/>
             <a:pathLst>
-              <a:path extrusionOk="0" h="120000" w="120000">
+              <a:path w="120000" h="120000" extrusionOk="0">
                 <a:moveTo>
                   <a:pt x="0" y="0"/>
                 </a:moveTo>
@@ -770,9 +806,11 @@
       <p:sp>
         <p:nvSpPr>
           <p:cNvPr id="126" name="Google Shape;126;p:notes"/>
-          <p:cNvSpPr txBox="1"/>
+          <p:cNvSpPr txBox="1">
+            <a:spLocks noGrp="1"/>
+          </p:cNvSpPr>
           <p:nvPr>
-            <p:ph idx="1" type="body"/>
+            <p:ph type="body" idx="1"/>
           </p:nvPr>
         </p:nvSpPr>
         <p:spPr>
@@ -785,12 +823,12 @@
           </a:prstGeom>
         </p:spPr>
         <p:txBody>
-          <a:bodyPr anchorCtr="0" anchor="t" bIns="91425" lIns="91425" spcFirstLastPara="1" rIns="91425" wrap="square" tIns="91425">
+          <a:bodyPr spcFirstLastPara="1" wrap="square" lIns="91425" tIns="91425" rIns="91425" bIns="91425" anchor="t" anchorCtr="0">
             <a:noAutofit/>
           </a:bodyPr>
           <a:lstStyle/>
           <a:p>
-            <a:pPr indent="0" lvl="0" marL="0" rtl="0" algn="l">
+            <a:pPr marL="0" lvl="0" indent="0" algn="l" rtl="0">
               <a:spcBef>
                 <a:spcPts val="0"/>
               </a:spcBef>
@@ -799,9 +837,6 @@
               </a:spcAft>
               <a:buNone/>
             </a:pPr>
-            <a:r>
-              <a:t/>
-            </a:r>
             <a:endParaRPr/>
           </a:p>
         </p:txBody>
@@ -815,11 +850,11 @@
 </file>
 
 <file path=ppt/notesSlides/notesSlide10.xml><?xml version="1.0" encoding="utf-8"?>
-<p:notes xmlns:a="http://schemas.openxmlformats.org/drawingml/2006/main" xmlns:r="http://schemas.openxmlformats.org/officeDocument/2006/relationships" xmlns:mc="http://schemas.openxmlformats.org/markup-compatibility/2006" xmlns:mv="urn:schemas-microsoft-com:mac:vml" xmlns:p="http://schemas.openxmlformats.org/presentationml/2006/main" xmlns:c="http://schemas.openxmlformats.org/drawingml/2006/chart" xmlns:dgm="http://schemas.openxmlformats.org/drawingml/2006/diagram" xmlns:o="urn:schemas-microsoft-com:office:office" xmlns:v="urn:schemas-microsoft-com:vml" xmlns:pvml="urn:schemas-microsoft-com:office:powerpoint" xmlns:com="http://schemas.openxmlformats.org/drawingml/2006/compatibility" xmlns:p14="http://schemas.microsoft.com/office/powerpoint/2010/main" xmlns:p15="http://schemas.microsoft.com/office/powerpoint/2012/main" xmlns:ahyp="http://schemas.microsoft.com/office/drawing/2018/hyperlinkcolor" showMasterPhAnim="0" showMasterSp="0">
+<p:notes xmlns:a="http://schemas.openxmlformats.org/drawingml/2006/main" xmlns:r="http://schemas.openxmlformats.org/officeDocument/2006/relationships" xmlns:p="http://schemas.openxmlformats.org/presentationml/2006/main" showMasterSp="0" showMasterPhAnim="0">
   <p:cSld>
     <p:spTree>
       <p:nvGrpSpPr>
-        <p:cNvPr id="181" name="Shape 181"/>
+        <p:cNvPr id="1" name="Shape 181"/>
         <p:cNvGrpSpPr/>
         <p:nvPr/>
       </p:nvGrpSpPr>
@@ -834,20 +869,26 @@
       <p:sp>
         <p:nvSpPr>
           <p:cNvPr id="182" name="Google Shape;182;g104a0c137a8_0_29:notes"/>
-          <p:cNvSpPr/>
+          <p:cNvSpPr>
+            <a:spLocks noGrp="1" noRot="1" noChangeAspect="1"/>
+          </p:cNvSpPr>
           <p:nvPr>
-            <p:ph idx="2" type="sldImg"/>
+            <p:ph type="sldImg" idx="2"/>
           </p:nvPr>
         </p:nvSpPr>
         <p:spPr>
           <a:xfrm>
-            <a:off x="381300" y="685800"/>
+            <a:off x="381000" y="685800"/>
             <a:ext cx="6096000" cy="3429000"/>
           </a:xfrm>
           <a:custGeom>
-            <a:rect b="b" l="l" r="r" t="t"/>
+            <a:avLst/>
+            <a:gdLst/>
+            <a:ahLst/>
+            <a:cxnLst/>
+            <a:rect l="l" t="t" r="r" b="b"/>
             <a:pathLst>
-              <a:path extrusionOk="0" h="120000" w="120000">
+              <a:path w="120000" h="120000" extrusionOk="0">
                 <a:moveTo>
                   <a:pt x="0" y="0"/>
                 </a:moveTo>
@@ -869,9 +910,11 @@
       <p:sp>
         <p:nvSpPr>
           <p:cNvPr id="183" name="Google Shape;183;g104a0c137a8_0_29:notes"/>
-          <p:cNvSpPr txBox="1"/>
+          <p:cNvSpPr txBox="1">
+            <a:spLocks noGrp="1"/>
+          </p:cNvSpPr>
           <p:nvPr>
-            <p:ph idx="1" type="body"/>
+            <p:ph type="body" idx="1"/>
           </p:nvPr>
         </p:nvSpPr>
         <p:spPr>
@@ -884,12 +927,12 @@
           </a:prstGeom>
         </p:spPr>
         <p:txBody>
-          <a:bodyPr anchorCtr="0" anchor="t" bIns="91425" lIns="91425" spcFirstLastPara="1" rIns="91425" wrap="square" tIns="91425">
+          <a:bodyPr spcFirstLastPara="1" wrap="square" lIns="91425" tIns="91425" rIns="91425" bIns="91425" anchor="t" anchorCtr="0">
             <a:noAutofit/>
           </a:bodyPr>
           <a:lstStyle/>
           <a:p>
-            <a:pPr indent="0" lvl="0" marL="0" rtl="0" algn="l">
+            <a:pPr marL="0" lvl="0" indent="0" algn="l" rtl="0">
               <a:spcBef>
                 <a:spcPts val="0"/>
               </a:spcBef>
@@ -898,9 +941,6 @@
               </a:spcAft>
               <a:buNone/>
             </a:pPr>
-            <a:r>
-              <a:t/>
-            </a:r>
             <a:endParaRPr/>
           </a:p>
         </p:txBody>
@@ -914,11 +954,11 @@
 </file>
 
 <file path=ppt/notesSlides/notesSlide11.xml><?xml version="1.0" encoding="utf-8"?>
-<p:notes xmlns:a="http://schemas.openxmlformats.org/drawingml/2006/main" xmlns:r="http://schemas.openxmlformats.org/officeDocument/2006/relationships" xmlns:mc="http://schemas.openxmlformats.org/markup-compatibility/2006" xmlns:mv="urn:schemas-microsoft-com:mac:vml" xmlns:p="http://schemas.openxmlformats.org/presentationml/2006/main" xmlns:c="http://schemas.openxmlformats.org/drawingml/2006/chart" xmlns:dgm="http://schemas.openxmlformats.org/drawingml/2006/diagram" xmlns:o="urn:schemas-microsoft-com:office:office" xmlns:v="urn:schemas-microsoft-com:vml" xmlns:pvml="urn:schemas-microsoft-com:office:powerpoint" xmlns:com="http://schemas.openxmlformats.org/drawingml/2006/compatibility" xmlns:p14="http://schemas.microsoft.com/office/powerpoint/2010/main" xmlns:p15="http://schemas.microsoft.com/office/powerpoint/2012/main" xmlns:ahyp="http://schemas.microsoft.com/office/drawing/2018/hyperlinkcolor" showMasterPhAnim="0" showMasterSp="0">
+<p:notes xmlns:a="http://schemas.openxmlformats.org/drawingml/2006/main" xmlns:r="http://schemas.openxmlformats.org/officeDocument/2006/relationships" xmlns:p="http://schemas.openxmlformats.org/presentationml/2006/main" showMasterSp="0" showMasterPhAnim="0">
   <p:cSld>
     <p:spTree>
       <p:nvGrpSpPr>
-        <p:cNvPr id="189" name="Shape 189"/>
+        <p:cNvPr id="1" name="Shape 189"/>
         <p:cNvGrpSpPr/>
         <p:nvPr/>
       </p:nvGrpSpPr>
@@ -933,20 +973,26 @@
       <p:sp>
         <p:nvSpPr>
           <p:cNvPr id="190" name="Google Shape;190;g1049ad717c6_0_129:notes"/>
-          <p:cNvSpPr/>
+          <p:cNvSpPr>
+            <a:spLocks noGrp="1" noRot="1" noChangeAspect="1"/>
+          </p:cNvSpPr>
           <p:nvPr>
-            <p:ph idx="2" type="sldImg"/>
+            <p:ph type="sldImg" idx="2"/>
           </p:nvPr>
         </p:nvSpPr>
         <p:spPr>
           <a:xfrm>
-            <a:off x="381300" y="685800"/>
+            <a:off x="381000" y="685800"/>
             <a:ext cx="6096000" cy="3429000"/>
           </a:xfrm>
           <a:custGeom>
-            <a:rect b="b" l="l" r="r" t="t"/>
+            <a:avLst/>
+            <a:gdLst/>
+            <a:ahLst/>
+            <a:cxnLst/>
+            <a:rect l="l" t="t" r="r" b="b"/>
             <a:pathLst>
-              <a:path extrusionOk="0" h="120000" w="120000">
+              <a:path w="120000" h="120000" extrusionOk="0">
                 <a:moveTo>
                   <a:pt x="0" y="0"/>
                 </a:moveTo>
@@ -968,9 +1014,11 @@
       <p:sp>
         <p:nvSpPr>
           <p:cNvPr id="191" name="Google Shape;191;g1049ad717c6_0_129:notes"/>
-          <p:cNvSpPr txBox="1"/>
+          <p:cNvSpPr txBox="1">
+            <a:spLocks noGrp="1"/>
+          </p:cNvSpPr>
           <p:nvPr>
-            <p:ph idx="1" type="body"/>
+            <p:ph type="body" idx="1"/>
           </p:nvPr>
         </p:nvSpPr>
         <p:spPr>
@@ -983,12 +1031,12 @@
           </a:prstGeom>
         </p:spPr>
         <p:txBody>
-          <a:bodyPr anchorCtr="0" anchor="t" bIns="91425" lIns="91425" spcFirstLastPara="1" rIns="91425" wrap="square" tIns="91425">
+          <a:bodyPr spcFirstLastPara="1" wrap="square" lIns="91425" tIns="91425" rIns="91425" bIns="91425" anchor="t" anchorCtr="0">
             <a:noAutofit/>
           </a:bodyPr>
           <a:lstStyle/>
           <a:p>
-            <a:pPr indent="0" lvl="0" marL="0" rtl="0" algn="l">
+            <a:pPr marL="0" lvl="0" indent="0" algn="l" rtl="0">
               <a:spcBef>
                 <a:spcPts val="0"/>
               </a:spcBef>
@@ -997,9 +1045,6 @@
               </a:spcAft>
               <a:buNone/>
             </a:pPr>
-            <a:r>
-              <a:t/>
-            </a:r>
             <a:endParaRPr/>
           </a:p>
         </p:txBody>
@@ -1013,11 +1058,11 @@
 </file>
 
 <file path=ppt/notesSlides/notesSlide12.xml><?xml version="1.0" encoding="utf-8"?>
-<p:notes xmlns:a="http://schemas.openxmlformats.org/drawingml/2006/main" xmlns:r="http://schemas.openxmlformats.org/officeDocument/2006/relationships" xmlns:mc="http://schemas.openxmlformats.org/markup-compatibility/2006" xmlns:mv="urn:schemas-microsoft-com:mac:vml" xmlns:p="http://schemas.openxmlformats.org/presentationml/2006/main" xmlns:c="http://schemas.openxmlformats.org/drawingml/2006/chart" xmlns:dgm="http://schemas.openxmlformats.org/drawingml/2006/diagram" xmlns:o="urn:schemas-microsoft-com:office:office" xmlns:v="urn:schemas-microsoft-com:vml" xmlns:pvml="urn:schemas-microsoft-com:office:powerpoint" xmlns:com="http://schemas.openxmlformats.org/drawingml/2006/compatibility" xmlns:p14="http://schemas.microsoft.com/office/powerpoint/2010/main" xmlns:p15="http://schemas.microsoft.com/office/powerpoint/2012/main" xmlns:ahyp="http://schemas.microsoft.com/office/drawing/2018/hyperlinkcolor" showMasterPhAnim="0" showMasterSp="0">
+<p:notes xmlns:a="http://schemas.openxmlformats.org/drawingml/2006/main" xmlns:r="http://schemas.openxmlformats.org/officeDocument/2006/relationships" xmlns:p="http://schemas.openxmlformats.org/presentationml/2006/main" showMasterSp="0" showMasterPhAnim="0">
   <p:cSld>
     <p:spTree>
       <p:nvGrpSpPr>
-        <p:cNvPr id="195" name="Shape 195"/>
+        <p:cNvPr id="1" name="Shape 195"/>
         <p:cNvGrpSpPr/>
         <p:nvPr/>
       </p:nvGrpSpPr>
@@ -1032,20 +1077,26 @@
       <p:sp>
         <p:nvSpPr>
           <p:cNvPr id="196" name="Google Shape;196;g1049ad717c6_0_124:notes"/>
-          <p:cNvSpPr/>
+          <p:cNvSpPr>
+            <a:spLocks noGrp="1" noRot="1" noChangeAspect="1"/>
+          </p:cNvSpPr>
           <p:nvPr>
-            <p:ph idx="2" type="sldImg"/>
+            <p:ph type="sldImg" idx="2"/>
           </p:nvPr>
         </p:nvSpPr>
         <p:spPr>
           <a:xfrm>
-            <a:off x="381300" y="685800"/>
+            <a:off x="381000" y="685800"/>
             <a:ext cx="6096000" cy="3429000"/>
           </a:xfrm>
           <a:custGeom>
-            <a:rect b="b" l="l" r="r" t="t"/>
+            <a:avLst/>
+            <a:gdLst/>
+            <a:ahLst/>
+            <a:cxnLst/>
+            <a:rect l="l" t="t" r="r" b="b"/>
             <a:pathLst>
-              <a:path extrusionOk="0" h="120000" w="120000">
+              <a:path w="120000" h="120000" extrusionOk="0">
                 <a:moveTo>
                   <a:pt x="0" y="0"/>
                 </a:moveTo>
@@ -1067,9 +1118,11 @@
       <p:sp>
         <p:nvSpPr>
           <p:cNvPr id="197" name="Google Shape;197;g1049ad717c6_0_124:notes"/>
-          <p:cNvSpPr txBox="1"/>
+          <p:cNvSpPr txBox="1">
+            <a:spLocks noGrp="1"/>
+          </p:cNvSpPr>
           <p:nvPr>
-            <p:ph idx="1" type="body"/>
+            <p:ph type="body" idx="1"/>
           </p:nvPr>
         </p:nvSpPr>
         <p:spPr>
@@ -1082,12 +1135,12 @@
           </a:prstGeom>
         </p:spPr>
         <p:txBody>
-          <a:bodyPr anchorCtr="0" anchor="t" bIns="91425" lIns="91425" spcFirstLastPara="1" rIns="91425" wrap="square" tIns="91425">
+          <a:bodyPr spcFirstLastPara="1" wrap="square" lIns="91425" tIns="91425" rIns="91425" bIns="91425" anchor="t" anchorCtr="0">
             <a:noAutofit/>
           </a:bodyPr>
           <a:lstStyle/>
           <a:p>
-            <a:pPr indent="0" lvl="0" marL="0" rtl="0" algn="l">
+            <a:pPr marL="0" lvl="0" indent="0" algn="l" rtl="0">
               <a:spcBef>
                 <a:spcPts val="0"/>
               </a:spcBef>
@@ -1096,9 +1149,6 @@
               </a:spcAft>
               <a:buNone/>
             </a:pPr>
-            <a:r>
-              <a:t/>
-            </a:r>
             <a:endParaRPr/>
           </a:p>
         </p:txBody>
@@ -1112,11 +1162,11 @@
 </file>
 
 <file path=ppt/notesSlides/notesSlide13.xml><?xml version="1.0" encoding="utf-8"?>
-<p:notes xmlns:a="http://schemas.openxmlformats.org/drawingml/2006/main" xmlns:r="http://schemas.openxmlformats.org/officeDocument/2006/relationships" xmlns:mc="http://schemas.openxmlformats.org/markup-compatibility/2006" xmlns:mv="urn:schemas-microsoft-com:mac:vml" xmlns:p="http://schemas.openxmlformats.org/presentationml/2006/main" xmlns:c="http://schemas.openxmlformats.org/drawingml/2006/chart" xmlns:dgm="http://schemas.openxmlformats.org/drawingml/2006/diagram" xmlns:o="urn:schemas-microsoft-com:office:office" xmlns:v="urn:schemas-microsoft-com:vml" xmlns:pvml="urn:schemas-microsoft-com:office:powerpoint" xmlns:com="http://schemas.openxmlformats.org/drawingml/2006/compatibility" xmlns:p14="http://schemas.microsoft.com/office/powerpoint/2010/main" xmlns:p15="http://schemas.microsoft.com/office/powerpoint/2012/main" xmlns:ahyp="http://schemas.microsoft.com/office/drawing/2018/hyperlinkcolor" showMasterPhAnim="0" showMasterSp="0">
+<p:notes xmlns:a="http://schemas.openxmlformats.org/drawingml/2006/main" xmlns:r="http://schemas.openxmlformats.org/officeDocument/2006/relationships" xmlns:p="http://schemas.openxmlformats.org/presentationml/2006/main" showMasterSp="0" showMasterPhAnim="0">
   <p:cSld>
     <p:spTree>
       <p:nvGrpSpPr>
-        <p:cNvPr id="200" name="Shape 200"/>
+        <p:cNvPr id="1" name="Shape 200"/>
         <p:cNvGrpSpPr/>
         <p:nvPr/>
       </p:nvGrpSpPr>
@@ -1131,20 +1181,26 @@
       <p:sp>
         <p:nvSpPr>
           <p:cNvPr id="201" name="Google Shape;201;g1049ad717c6_0_139:notes"/>
-          <p:cNvSpPr/>
+          <p:cNvSpPr>
+            <a:spLocks noGrp="1" noRot="1" noChangeAspect="1"/>
+          </p:cNvSpPr>
           <p:nvPr>
-            <p:ph idx="2" type="sldImg"/>
+            <p:ph type="sldImg" idx="2"/>
           </p:nvPr>
         </p:nvSpPr>
         <p:spPr>
           <a:xfrm>
-            <a:off x="381300" y="685800"/>
+            <a:off x="381000" y="685800"/>
             <a:ext cx="6096000" cy="3429000"/>
           </a:xfrm>
           <a:custGeom>
-            <a:rect b="b" l="l" r="r" t="t"/>
+            <a:avLst/>
+            <a:gdLst/>
+            <a:ahLst/>
+            <a:cxnLst/>
+            <a:rect l="l" t="t" r="r" b="b"/>
             <a:pathLst>
-              <a:path extrusionOk="0" h="120000" w="120000">
+              <a:path w="120000" h="120000" extrusionOk="0">
                 <a:moveTo>
                   <a:pt x="0" y="0"/>
                 </a:moveTo>
@@ -1166,9 +1222,11 @@
       <p:sp>
         <p:nvSpPr>
           <p:cNvPr id="202" name="Google Shape;202;g1049ad717c6_0_139:notes"/>
-          <p:cNvSpPr txBox="1"/>
+          <p:cNvSpPr txBox="1">
+            <a:spLocks noGrp="1"/>
+          </p:cNvSpPr>
           <p:nvPr>
-            <p:ph idx="1" type="body"/>
+            <p:ph type="body" idx="1"/>
           </p:nvPr>
         </p:nvSpPr>
         <p:spPr>
@@ -1181,12 +1239,12 @@
           </a:prstGeom>
         </p:spPr>
         <p:txBody>
-          <a:bodyPr anchorCtr="0" anchor="t" bIns="91425" lIns="91425" spcFirstLastPara="1" rIns="91425" wrap="square" tIns="91425">
+          <a:bodyPr spcFirstLastPara="1" wrap="square" lIns="91425" tIns="91425" rIns="91425" bIns="91425" anchor="t" anchorCtr="0">
             <a:noAutofit/>
           </a:bodyPr>
           <a:lstStyle/>
           <a:p>
-            <a:pPr indent="0" lvl="0" marL="0" rtl="0" algn="l">
+            <a:pPr marL="0" lvl="0" indent="0" algn="l" rtl="0">
               <a:spcBef>
                 <a:spcPts val="0"/>
               </a:spcBef>
@@ -1195,9 +1253,6 @@
               </a:spcAft>
               <a:buNone/>
             </a:pPr>
-            <a:r>
-              <a:t/>
-            </a:r>
             <a:endParaRPr/>
           </a:p>
         </p:txBody>
@@ -1211,11 +1266,11 @@
 </file>
 
 <file path=ppt/notesSlides/notesSlide14.xml><?xml version="1.0" encoding="utf-8"?>
-<p:notes xmlns:a="http://schemas.openxmlformats.org/drawingml/2006/main" xmlns:r="http://schemas.openxmlformats.org/officeDocument/2006/relationships" xmlns:mc="http://schemas.openxmlformats.org/markup-compatibility/2006" xmlns:mv="urn:schemas-microsoft-com:mac:vml" xmlns:p="http://schemas.openxmlformats.org/presentationml/2006/main" xmlns:c="http://schemas.openxmlformats.org/drawingml/2006/chart" xmlns:dgm="http://schemas.openxmlformats.org/drawingml/2006/diagram" xmlns:o="urn:schemas-microsoft-com:office:office" xmlns:v="urn:schemas-microsoft-com:vml" xmlns:pvml="urn:schemas-microsoft-com:office:powerpoint" xmlns:com="http://schemas.openxmlformats.org/drawingml/2006/compatibility" xmlns:p14="http://schemas.microsoft.com/office/powerpoint/2010/main" xmlns:p15="http://schemas.microsoft.com/office/powerpoint/2012/main" xmlns:ahyp="http://schemas.microsoft.com/office/drawing/2018/hyperlinkcolor" showMasterPhAnim="0" showMasterSp="0">
+<p:notes xmlns:a="http://schemas.openxmlformats.org/drawingml/2006/main" xmlns:r="http://schemas.openxmlformats.org/officeDocument/2006/relationships" xmlns:p="http://schemas.openxmlformats.org/presentationml/2006/main" showMasterSp="0" showMasterPhAnim="0">
   <p:cSld>
     <p:spTree>
       <p:nvGrpSpPr>
-        <p:cNvPr id="206" name="Shape 206"/>
+        <p:cNvPr id="1" name="Shape 206"/>
         <p:cNvGrpSpPr/>
         <p:nvPr/>
       </p:nvGrpSpPr>
@@ -1230,20 +1285,26 @@
       <p:sp>
         <p:nvSpPr>
           <p:cNvPr id="207" name="Google Shape;207;g104a0c137a8_0_34:notes"/>
-          <p:cNvSpPr/>
+          <p:cNvSpPr>
+            <a:spLocks noGrp="1" noRot="1" noChangeAspect="1"/>
+          </p:cNvSpPr>
           <p:nvPr>
-            <p:ph idx="2" type="sldImg"/>
+            <p:ph type="sldImg" idx="2"/>
           </p:nvPr>
         </p:nvSpPr>
         <p:spPr>
           <a:xfrm>
-            <a:off x="381300" y="685800"/>
+            <a:off x="381000" y="685800"/>
             <a:ext cx="6096000" cy="3429000"/>
           </a:xfrm>
           <a:custGeom>
-            <a:rect b="b" l="l" r="r" t="t"/>
+            <a:avLst/>
+            <a:gdLst/>
+            <a:ahLst/>
+            <a:cxnLst/>
+            <a:rect l="l" t="t" r="r" b="b"/>
             <a:pathLst>
-              <a:path extrusionOk="0" h="120000" w="120000">
+              <a:path w="120000" h="120000" extrusionOk="0">
                 <a:moveTo>
                   <a:pt x="0" y="0"/>
                 </a:moveTo>
@@ -1265,9 +1326,11 @@
       <p:sp>
         <p:nvSpPr>
           <p:cNvPr id="208" name="Google Shape;208;g104a0c137a8_0_34:notes"/>
-          <p:cNvSpPr txBox="1"/>
+          <p:cNvSpPr txBox="1">
+            <a:spLocks noGrp="1"/>
+          </p:cNvSpPr>
           <p:nvPr>
-            <p:ph idx="1" type="body"/>
+            <p:ph type="body" idx="1"/>
           </p:nvPr>
         </p:nvSpPr>
         <p:spPr>
@@ -1280,12 +1343,12 @@
           </a:prstGeom>
         </p:spPr>
         <p:txBody>
-          <a:bodyPr anchorCtr="0" anchor="t" bIns="91425" lIns="91425" spcFirstLastPara="1" rIns="91425" wrap="square" tIns="91425">
+          <a:bodyPr spcFirstLastPara="1" wrap="square" lIns="91425" tIns="91425" rIns="91425" bIns="91425" anchor="t" anchorCtr="0">
             <a:noAutofit/>
           </a:bodyPr>
           <a:lstStyle/>
           <a:p>
-            <a:pPr indent="0" lvl="0" marL="0" rtl="0" algn="l">
+            <a:pPr marL="0" lvl="0" indent="0" algn="l" rtl="0">
               <a:spcBef>
                 <a:spcPts val="0"/>
               </a:spcBef>
@@ -1294,9 +1357,6 @@
               </a:spcAft>
               <a:buNone/>
             </a:pPr>
-            <a:r>
-              <a:t/>
-            </a:r>
             <a:endParaRPr/>
           </a:p>
         </p:txBody>
@@ -1310,11 +1370,11 @@
 </file>
 
 <file path=ppt/notesSlides/notesSlide2.xml><?xml version="1.0" encoding="utf-8"?>
-<p:notes xmlns:a="http://schemas.openxmlformats.org/drawingml/2006/main" xmlns:r="http://schemas.openxmlformats.org/officeDocument/2006/relationships" xmlns:mc="http://schemas.openxmlformats.org/markup-compatibility/2006" xmlns:mv="urn:schemas-microsoft-com:mac:vml" xmlns:p="http://schemas.openxmlformats.org/presentationml/2006/main" xmlns:c="http://schemas.openxmlformats.org/drawingml/2006/chart" xmlns:dgm="http://schemas.openxmlformats.org/drawingml/2006/diagram" xmlns:o="urn:schemas-microsoft-com:office:office" xmlns:v="urn:schemas-microsoft-com:vml" xmlns:pvml="urn:schemas-microsoft-com:office:powerpoint" xmlns:com="http://schemas.openxmlformats.org/drawingml/2006/compatibility" xmlns:p14="http://schemas.microsoft.com/office/powerpoint/2010/main" xmlns:p15="http://schemas.microsoft.com/office/powerpoint/2012/main" xmlns:ahyp="http://schemas.microsoft.com/office/drawing/2018/hyperlinkcolor" showMasterPhAnim="0" showMasterSp="0">
+<p:notes xmlns:a="http://schemas.openxmlformats.org/drawingml/2006/main" xmlns:r="http://schemas.openxmlformats.org/officeDocument/2006/relationships" xmlns:p="http://schemas.openxmlformats.org/presentationml/2006/main" showMasterSp="0" showMasterPhAnim="0">
   <p:cSld>
     <p:spTree>
       <p:nvGrpSpPr>
-        <p:cNvPr id="130" name="Shape 130"/>
+        <p:cNvPr id="1" name="Shape 130"/>
         <p:cNvGrpSpPr/>
         <p:nvPr/>
       </p:nvGrpSpPr>
@@ -1329,20 +1389,26 @@
       <p:sp>
         <p:nvSpPr>
           <p:cNvPr id="131" name="Google Shape;131;g1049ad717c6_0_134:notes"/>
-          <p:cNvSpPr/>
+          <p:cNvSpPr>
+            <a:spLocks noGrp="1" noRot="1" noChangeAspect="1"/>
+          </p:cNvSpPr>
           <p:nvPr>
-            <p:ph idx="2" type="sldImg"/>
+            <p:ph type="sldImg" idx="2"/>
           </p:nvPr>
         </p:nvSpPr>
         <p:spPr>
           <a:xfrm>
-            <a:off x="381300" y="685800"/>
+            <a:off x="381000" y="685800"/>
             <a:ext cx="6096000" cy="3429000"/>
           </a:xfrm>
           <a:custGeom>
-            <a:rect b="b" l="l" r="r" t="t"/>
+            <a:avLst/>
+            <a:gdLst/>
+            <a:ahLst/>
+            <a:cxnLst/>
+            <a:rect l="l" t="t" r="r" b="b"/>
             <a:pathLst>
-              <a:path extrusionOk="0" h="120000" w="120000">
+              <a:path w="120000" h="120000" extrusionOk="0">
                 <a:moveTo>
                   <a:pt x="0" y="0"/>
                 </a:moveTo>
@@ -1364,9 +1430,11 @@
       <p:sp>
         <p:nvSpPr>
           <p:cNvPr id="132" name="Google Shape;132;g1049ad717c6_0_134:notes"/>
-          <p:cNvSpPr txBox="1"/>
+          <p:cNvSpPr txBox="1">
+            <a:spLocks noGrp="1"/>
+          </p:cNvSpPr>
           <p:nvPr>
-            <p:ph idx="1" type="body"/>
+            <p:ph type="body" idx="1"/>
           </p:nvPr>
         </p:nvSpPr>
         <p:spPr>
@@ -1379,12 +1447,12 @@
           </a:prstGeom>
         </p:spPr>
         <p:txBody>
-          <a:bodyPr anchorCtr="0" anchor="t" bIns="91425" lIns="91425" spcFirstLastPara="1" rIns="91425" wrap="square" tIns="91425">
+          <a:bodyPr spcFirstLastPara="1" wrap="square" lIns="91425" tIns="91425" rIns="91425" bIns="91425" anchor="t" anchorCtr="0">
             <a:noAutofit/>
           </a:bodyPr>
           <a:lstStyle/>
           <a:p>
-            <a:pPr indent="0" lvl="0" marL="0" rtl="0" algn="l">
+            <a:pPr marL="0" lvl="0" indent="0" algn="l" rtl="0">
               <a:spcBef>
                 <a:spcPts val="0"/>
               </a:spcBef>
@@ -1393,9 +1461,6 @@
               </a:spcAft>
               <a:buNone/>
             </a:pPr>
-            <a:r>
-              <a:t/>
-            </a:r>
             <a:endParaRPr/>
           </a:p>
         </p:txBody>
@@ -1409,11 +1474,11 @@
 </file>
 
 <file path=ppt/notesSlides/notesSlide3.xml><?xml version="1.0" encoding="utf-8"?>
-<p:notes xmlns:a="http://schemas.openxmlformats.org/drawingml/2006/main" xmlns:r="http://schemas.openxmlformats.org/officeDocument/2006/relationships" xmlns:mc="http://schemas.openxmlformats.org/markup-compatibility/2006" xmlns:mv="urn:schemas-microsoft-com:mac:vml" xmlns:p="http://schemas.openxmlformats.org/presentationml/2006/main" xmlns:c="http://schemas.openxmlformats.org/drawingml/2006/chart" xmlns:dgm="http://schemas.openxmlformats.org/drawingml/2006/diagram" xmlns:o="urn:schemas-microsoft-com:office:office" xmlns:v="urn:schemas-microsoft-com:vml" xmlns:pvml="urn:schemas-microsoft-com:office:powerpoint" xmlns:com="http://schemas.openxmlformats.org/drawingml/2006/compatibility" xmlns:p14="http://schemas.microsoft.com/office/powerpoint/2010/main" xmlns:p15="http://schemas.microsoft.com/office/powerpoint/2012/main" xmlns:ahyp="http://schemas.microsoft.com/office/drawing/2018/hyperlinkcolor" showMasterPhAnim="0" showMasterSp="0">
+<p:notes xmlns:a="http://schemas.openxmlformats.org/drawingml/2006/main" xmlns:r="http://schemas.openxmlformats.org/officeDocument/2006/relationships" xmlns:p="http://schemas.openxmlformats.org/presentationml/2006/main" showMasterSp="0" showMasterPhAnim="0">
   <p:cSld>
     <p:spTree>
       <p:nvGrpSpPr>
-        <p:cNvPr id="136" name="Shape 136"/>
+        <p:cNvPr id="1" name="Shape 136"/>
         <p:cNvGrpSpPr/>
         <p:nvPr/>
       </p:nvGrpSpPr>
@@ -1428,20 +1493,26 @@
       <p:sp>
         <p:nvSpPr>
           <p:cNvPr id="137" name="Google Shape;137;g1049ad717c6_0_119:notes"/>
-          <p:cNvSpPr/>
+          <p:cNvSpPr>
+            <a:spLocks noGrp="1" noRot="1" noChangeAspect="1"/>
+          </p:cNvSpPr>
           <p:nvPr>
-            <p:ph idx="2" type="sldImg"/>
+            <p:ph type="sldImg" idx="2"/>
           </p:nvPr>
         </p:nvSpPr>
         <p:spPr>
           <a:xfrm>
-            <a:off x="381300" y="685800"/>
+            <a:off x="381000" y="685800"/>
             <a:ext cx="6096000" cy="3429000"/>
           </a:xfrm>
           <a:custGeom>
-            <a:rect b="b" l="l" r="r" t="t"/>
+            <a:avLst/>
+            <a:gdLst/>
+            <a:ahLst/>
+            <a:cxnLst/>
+            <a:rect l="l" t="t" r="r" b="b"/>
             <a:pathLst>
-              <a:path extrusionOk="0" h="120000" w="120000">
+              <a:path w="120000" h="120000" extrusionOk="0">
                 <a:moveTo>
                   <a:pt x="0" y="0"/>
                 </a:moveTo>
@@ -1463,9 +1534,11 @@
       <p:sp>
         <p:nvSpPr>
           <p:cNvPr id="138" name="Google Shape;138;g1049ad717c6_0_119:notes"/>
-          <p:cNvSpPr txBox="1"/>
+          <p:cNvSpPr txBox="1">
+            <a:spLocks noGrp="1"/>
+          </p:cNvSpPr>
           <p:nvPr>
-            <p:ph idx="1" type="body"/>
+            <p:ph type="body" idx="1"/>
           </p:nvPr>
         </p:nvSpPr>
         <p:spPr>
@@ -1478,12 +1551,12 @@
           </a:prstGeom>
         </p:spPr>
         <p:txBody>
-          <a:bodyPr anchorCtr="0" anchor="t" bIns="91425" lIns="91425" spcFirstLastPara="1" rIns="91425" wrap="square" tIns="91425">
+          <a:bodyPr spcFirstLastPara="1" wrap="square" lIns="91425" tIns="91425" rIns="91425" bIns="91425" anchor="t" anchorCtr="0">
             <a:noAutofit/>
           </a:bodyPr>
           <a:lstStyle/>
           <a:p>
-            <a:pPr indent="0" lvl="0" marL="0" rtl="0" algn="l">
+            <a:pPr marL="0" lvl="0" indent="0" algn="l" rtl="0">
               <a:spcBef>
                 <a:spcPts val="0"/>
               </a:spcBef>
@@ -1492,9 +1565,6 @@
               </a:spcAft>
               <a:buNone/>
             </a:pPr>
-            <a:r>
-              <a:t/>
-            </a:r>
             <a:endParaRPr/>
           </a:p>
         </p:txBody>
@@ -1508,11 +1578,11 @@
 </file>
 
 <file path=ppt/notesSlides/notesSlide4.xml><?xml version="1.0" encoding="utf-8"?>
-<p:notes xmlns:a="http://schemas.openxmlformats.org/drawingml/2006/main" xmlns:r="http://schemas.openxmlformats.org/officeDocument/2006/relationships" xmlns:mc="http://schemas.openxmlformats.org/markup-compatibility/2006" xmlns:mv="urn:schemas-microsoft-com:mac:vml" xmlns:p="http://schemas.openxmlformats.org/presentationml/2006/main" xmlns:c="http://schemas.openxmlformats.org/drawingml/2006/chart" xmlns:dgm="http://schemas.openxmlformats.org/drawingml/2006/diagram" xmlns:o="urn:schemas-microsoft-com:office:office" xmlns:v="urn:schemas-microsoft-com:vml" xmlns:pvml="urn:schemas-microsoft-com:office:powerpoint" xmlns:com="http://schemas.openxmlformats.org/drawingml/2006/compatibility" xmlns:p14="http://schemas.microsoft.com/office/powerpoint/2010/main" xmlns:p15="http://schemas.microsoft.com/office/powerpoint/2012/main" xmlns:ahyp="http://schemas.microsoft.com/office/drawing/2018/hyperlinkcolor" showMasterPhAnim="0" showMasterSp="0">
+<p:notes xmlns:a="http://schemas.openxmlformats.org/drawingml/2006/main" xmlns:r="http://schemas.openxmlformats.org/officeDocument/2006/relationships" xmlns:p="http://schemas.openxmlformats.org/presentationml/2006/main" showMasterSp="0" showMasterPhAnim="0">
   <p:cSld>
     <p:spTree>
       <p:nvGrpSpPr>
-        <p:cNvPr id="142" name="Shape 142"/>
+        <p:cNvPr id="1" name="Shape 142"/>
         <p:cNvGrpSpPr/>
         <p:nvPr/>
       </p:nvGrpSpPr>
@@ -1527,20 +1597,26 @@
       <p:sp>
         <p:nvSpPr>
           <p:cNvPr id="143" name="Google Shape;143;g104a0c137a8_0_1:notes"/>
-          <p:cNvSpPr/>
+          <p:cNvSpPr>
+            <a:spLocks noGrp="1" noRot="1" noChangeAspect="1"/>
+          </p:cNvSpPr>
           <p:nvPr>
-            <p:ph idx="2" type="sldImg"/>
+            <p:ph type="sldImg" idx="2"/>
           </p:nvPr>
         </p:nvSpPr>
         <p:spPr>
           <a:xfrm>
-            <a:off x="381300" y="685800"/>
+            <a:off x="381000" y="685800"/>
             <a:ext cx="6096000" cy="3429000"/>
           </a:xfrm>
           <a:custGeom>
-            <a:rect b="b" l="l" r="r" t="t"/>
+            <a:avLst/>
+            <a:gdLst/>
+            <a:ahLst/>
+            <a:cxnLst/>
+            <a:rect l="l" t="t" r="r" b="b"/>
             <a:pathLst>
-              <a:path extrusionOk="0" h="120000" w="120000">
+              <a:path w="120000" h="120000" extrusionOk="0">
                 <a:moveTo>
                   <a:pt x="0" y="0"/>
                 </a:moveTo>
@@ -1562,9 +1638,11 @@
       <p:sp>
         <p:nvSpPr>
           <p:cNvPr id="144" name="Google Shape;144;g104a0c137a8_0_1:notes"/>
-          <p:cNvSpPr txBox="1"/>
+          <p:cNvSpPr txBox="1">
+            <a:spLocks noGrp="1"/>
+          </p:cNvSpPr>
           <p:nvPr>
-            <p:ph idx="1" type="body"/>
+            <p:ph type="body" idx="1"/>
           </p:nvPr>
         </p:nvSpPr>
         <p:spPr>
@@ -1577,12 +1655,12 @@
           </a:prstGeom>
         </p:spPr>
         <p:txBody>
-          <a:bodyPr anchorCtr="0" anchor="t" bIns="91425" lIns="91425" spcFirstLastPara="1" rIns="91425" wrap="square" tIns="91425">
+          <a:bodyPr spcFirstLastPara="1" wrap="square" lIns="91425" tIns="91425" rIns="91425" bIns="91425" anchor="t" anchorCtr="0">
             <a:noAutofit/>
           </a:bodyPr>
           <a:lstStyle/>
           <a:p>
-            <a:pPr indent="0" lvl="0" marL="0" rtl="0" algn="l">
+            <a:pPr marL="0" lvl="0" indent="0" algn="l" rtl="0">
               <a:spcBef>
                 <a:spcPts val="0"/>
               </a:spcBef>
@@ -1591,9 +1669,6 @@
               </a:spcAft>
               <a:buNone/>
             </a:pPr>
-            <a:r>
-              <a:t/>
-            </a:r>
             <a:endParaRPr/>
           </a:p>
         </p:txBody>
@@ -1607,11 +1682,11 @@
 </file>
 
 <file path=ppt/notesSlides/notesSlide5.xml><?xml version="1.0" encoding="utf-8"?>
-<p:notes xmlns:a="http://schemas.openxmlformats.org/drawingml/2006/main" xmlns:r="http://schemas.openxmlformats.org/officeDocument/2006/relationships" xmlns:mc="http://schemas.openxmlformats.org/markup-compatibility/2006" xmlns:mv="urn:schemas-microsoft-com:mac:vml" xmlns:p="http://schemas.openxmlformats.org/presentationml/2006/main" xmlns:c="http://schemas.openxmlformats.org/drawingml/2006/chart" xmlns:dgm="http://schemas.openxmlformats.org/drawingml/2006/diagram" xmlns:o="urn:schemas-microsoft-com:office:office" xmlns:v="urn:schemas-microsoft-com:vml" xmlns:pvml="urn:schemas-microsoft-com:office:powerpoint" xmlns:com="http://schemas.openxmlformats.org/drawingml/2006/compatibility" xmlns:p14="http://schemas.microsoft.com/office/powerpoint/2010/main" xmlns:p15="http://schemas.microsoft.com/office/powerpoint/2012/main" xmlns:ahyp="http://schemas.microsoft.com/office/drawing/2018/hyperlinkcolor" showMasterPhAnim="0" showMasterSp="0">
+<p:notes xmlns:a="http://schemas.openxmlformats.org/drawingml/2006/main" xmlns:r="http://schemas.openxmlformats.org/officeDocument/2006/relationships" xmlns:p="http://schemas.openxmlformats.org/presentationml/2006/main" showMasterSp="0" showMasterPhAnim="0">
   <p:cSld>
     <p:spTree>
       <p:nvGrpSpPr>
-        <p:cNvPr id="150" name="Shape 150"/>
+        <p:cNvPr id="1" name="Shape 150"/>
         <p:cNvGrpSpPr/>
         <p:nvPr/>
       </p:nvGrpSpPr>
@@ -1626,20 +1701,26 @@
       <p:sp>
         <p:nvSpPr>
           <p:cNvPr id="151" name="Google Shape;151;g104a0c137a8_0_9:notes"/>
-          <p:cNvSpPr/>
+          <p:cNvSpPr>
+            <a:spLocks noGrp="1" noRot="1" noChangeAspect="1"/>
+          </p:cNvSpPr>
           <p:nvPr>
-            <p:ph idx="2" type="sldImg"/>
+            <p:ph type="sldImg" idx="2"/>
           </p:nvPr>
         </p:nvSpPr>
         <p:spPr>
           <a:xfrm>
-            <a:off x="381300" y="685800"/>
+            <a:off x="381000" y="685800"/>
             <a:ext cx="6096000" cy="3429000"/>
           </a:xfrm>
           <a:custGeom>
-            <a:rect b="b" l="l" r="r" t="t"/>
+            <a:avLst/>
+            <a:gdLst/>
+            <a:ahLst/>
+            <a:cxnLst/>
+            <a:rect l="l" t="t" r="r" b="b"/>
             <a:pathLst>
-              <a:path extrusionOk="0" h="120000" w="120000">
+              <a:path w="120000" h="120000" extrusionOk="0">
                 <a:moveTo>
                   <a:pt x="0" y="0"/>
                 </a:moveTo>
@@ -1661,9 +1742,11 @@
       <p:sp>
         <p:nvSpPr>
           <p:cNvPr id="152" name="Google Shape;152;g104a0c137a8_0_9:notes"/>
-          <p:cNvSpPr txBox="1"/>
+          <p:cNvSpPr txBox="1">
+            <a:spLocks noGrp="1"/>
+          </p:cNvSpPr>
           <p:nvPr>
-            <p:ph idx="1" type="body"/>
+            <p:ph type="body" idx="1"/>
           </p:nvPr>
         </p:nvSpPr>
         <p:spPr>
@@ -1676,12 +1759,12 @@
           </a:prstGeom>
         </p:spPr>
         <p:txBody>
-          <a:bodyPr anchorCtr="0" anchor="t" bIns="91425" lIns="91425" spcFirstLastPara="1" rIns="91425" wrap="square" tIns="91425">
+          <a:bodyPr spcFirstLastPara="1" wrap="square" lIns="91425" tIns="91425" rIns="91425" bIns="91425" anchor="t" anchorCtr="0">
             <a:noAutofit/>
           </a:bodyPr>
           <a:lstStyle/>
           <a:p>
-            <a:pPr indent="0" lvl="0" marL="0" rtl="0" algn="l">
+            <a:pPr marL="0" lvl="0" indent="0" algn="l" rtl="0">
               <a:spcBef>
                 <a:spcPts val="0"/>
               </a:spcBef>
@@ -1690,9 +1773,6 @@
               </a:spcAft>
               <a:buNone/>
             </a:pPr>
-            <a:r>
-              <a:t/>
-            </a:r>
             <a:endParaRPr/>
           </a:p>
         </p:txBody>
@@ -1706,11 +1786,11 @@
 </file>
 
 <file path=ppt/notesSlides/notesSlide6.xml><?xml version="1.0" encoding="utf-8"?>
-<p:notes xmlns:a="http://schemas.openxmlformats.org/drawingml/2006/main" xmlns:r="http://schemas.openxmlformats.org/officeDocument/2006/relationships" xmlns:mc="http://schemas.openxmlformats.org/markup-compatibility/2006" xmlns:mv="urn:schemas-microsoft-com:mac:vml" xmlns:p="http://schemas.openxmlformats.org/presentationml/2006/main" xmlns:c="http://schemas.openxmlformats.org/drawingml/2006/chart" xmlns:dgm="http://schemas.openxmlformats.org/drawingml/2006/diagram" xmlns:o="urn:schemas-microsoft-com:office:office" xmlns:v="urn:schemas-microsoft-com:vml" xmlns:pvml="urn:schemas-microsoft-com:office:powerpoint" xmlns:com="http://schemas.openxmlformats.org/drawingml/2006/compatibility" xmlns:p14="http://schemas.microsoft.com/office/powerpoint/2010/main" xmlns:p15="http://schemas.microsoft.com/office/powerpoint/2012/main" xmlns:ahyp="http://schemas.microsoft.com/office/drawing/2018/hyperlinkcolor" showMasterPhAnim="0" showMasterSp="0">
+<p:notes xmlns:a="http://schemas.openxmlformats.org/drawingml/2006/main" xmlns:r="http://schemas.openxmlformats.org/officeDocument/2006/relationships" xmlns:p="http://schemas.openxmlformats.org/presentationml/2006/main" showMasterSp="0" showMasterPhAnim="0">
   <p:cSld>
     <p:spTree>
       <p:nvGrpSpPr>
-        <p:cNvPr id="155" name="Shape 155"/>
+        <p:cNvPr id="1" name="Shape 155"/>
         <p:cNvGrpSpPr/>
         <p:nvPr/>
       </p:nvGrpSpPr>
@@ -1725,20 +1805,26 @@
       <p:sp>
         <p:nvSpPr>
           <p:cNvPr id="156" name="Google Shape;156;g104a0c137a8_0_14:notes"/>
-          <p:cNvSpPr/>
+          <p:cNvSpPr>
+            <a:spLocks noGrp="1" noRot="1" noChangeAspect="1"/>
+          </p:cNvSpPr>
           <p:nvPr>
-            <p:ph idx="2" type="sldImg"/>
+            <p:ph type="sldImg" idx="2"/>
           </p:nvPr>
         </p:nvSpPr>
         <p:spPr>
           <a:xfrm>
-            <a:off x="381300" y="685800"/>
+            <a:off x="381000" y="685800"/>
             <a:ext cx="6096000" cy="3429000"/>
           </a:xfrm>
           <a:custGeom>
-            <a:rect b="b" l="l" r="r" t="t"/>
+            <a:avLst/>
+            <a:gdLst/>
+            <a:ahLst/>
+            <a:cxnLst/>
+            <a:rect l="l" t="t" r="r" b="b"/>
             <a:pathLst>
-              <a:path extrusionOk="0" h="120000" w="120000">
+              <a:path w="120000" h="120000" extrusionOk="0">
                 <a:moveTo>
                   <a:pt x="0" y="0"/>
                 </a:moveTo>
@@ -1760,9 +1846,11 @@
       <p:sp>
         <p:nvSpPr>
           <p:cNvPr id="157" name="Google Shape;157;g104a0c137a8_0_14:notes"/>
-          <p:cNvSpPr txBox="1"/>
+          <p:cNvSpPr txBox="1">
+            <a:spLocks noGrp="1"/>
+          </p:cNvSpPr>
           <p:nvPr>
-            <p:ph idx="1" type="body"/>
+            <p:ph type="body" idx="1"/>
           </p:nvPr>
         </p:nvSpPr>
         <p:spPr>
@@ -1775,12 +1863,12 @@
           </a:prstGeom>
         </p:spPr>
         <p:txBody>
-          <a:bodyPr anchorCtr="0" anchor="t" bIns="91425" lIns="91425" spcFirstLastPara="1" rIns="91425" wrap="square" tIns="91425">
+          <a:bodyPr spcFirstLastPara="1" wrap="square" lIns="91425" tIns="91425" rIns="91425" bIns="91425" anchor="t" anchorCtr="0">
             <a:noAutofit/>
           </a:bodyPr>
           <a:lstStyle/>
           <a:p>
-            <a:pPr indent="0" lvl="0" marL="0" rtl="0" algn="l">
+            <a:pPr marL="0" lvl="0" indent="0" algn="l" rtl="0">
               <a:spcBef>
                 <a:spcPts val="0"/>
               </a:spcBef>
@@ -1789,9 +1877,6 @@
               </a:spcAft>
               <a:buNone/>
             </a:pPr>
-            <a:r>
-              <a:t/>
-            </a:r>
             <a:endParaRPr/>
           </a:p>
         </p:txBody>
@@ -1805,11 +1890,11 @@
 </file>
 
 <file path=ppt/notesSlides/notesSlide7.xml><?xml version="1.0" encoding="utf-8"?>
-<p:notes xmlns:a="http://schemas.openxmlformats.org/drawingml/2006/main" xmlns:r="http://schemas.openxmlformats.org/officeDocument/2006/relationships" xmlns:mc="http://schemas.openxmlformats.org/markup-compatibility/2006" xmlns:mv="urn:schemas-microsoft-com:mac:vml" xmlns:p="http://schemas.openxmlformats.org/presentationml/2006/main" xmlns:c="http://schemas.openxmlformats.org/drawingml/2006/chart" xmlns:dgm="http://schemas.openxmlformats.org/drawingml/2006/diagram" xmlns:o="urn:schemas-microsoft-com:office:office" xmlns:v="urn:schemas-microsoft-com:vml" xmlns:pvml="urn:schemas-microsoft-com:office:powerpoint" xmlns:com="http://schemas.openxmlformats.org/drawingml/2006/compatibility" xmlns:p14="http://schemas.microsoft.com/office/powerpoint/2010/main" xmlns:p15="http://schemas.microsoft.com/office/powerpoint/2012/main" xmlns:ahyp="http://schemas.microsoft.com/office/drawing/2018/hyperlinkcolor" showMasterPhAnim="0" showMasterSp="0">
+<p:notes xmlns:a="http://schemas.openxmlformats.org/drawingml/2006/main" xmlns:r="http://schemas.openxmlformats.org/officeDocument/2006/relationships" xmlns:p="http://schemas.openxmlformats.org/presentationml/2006/main" showMasterSp="0" showMasterPhAnim="0">
   <p:cSld>
     <p:spTree>
       <p:nvGrpSpPr>
-        <p:cNvPr id="162" name="Shape 162"/>
+        <p:cNvPr id="1" name="Shape 162"/>
         <p:cNvGrpSpPr/>
         <p:nvPr/>
       </p:nvGrpSpPr>
@@ -1824,20 +1909,26 @@
       <p:sp>
         <p:nvSpPr>
           <p:cNvPr id="163" name="Google Shape;163;g104a0c137a8_0_19:notes"/>
-          <p:cNvSpPr/>
+          <p:cNvSpPr>
+            <a:spLocks noGrp="1" noRot="1" noChangeAspect="1"/>
+          </p:cNvSpPr>
           <p:nvPr>
-            <p:ph idx="2" type="sldImg"/>
+            <p:ph type="sldImg" idx="2"/>
           </p:nvPr>
         </p:nvSpPr>
         <p:spPr>
           <a:xfrm>
-            <a:off x="381300" y="685800"/>
+            <a:off x="381000" y="685800"/>
             <a:ext cx="6096000" cy="3429000"/>
           </a:xfrm>
           <a:custGeom>
-            <a:rect b="b" l="l" r="r" t="t"/>
+            <a:avLst/>
+            <a:gdLst/>
+            <a:ahLst/>
+            <a:cxnLst/>
+            <a:rect l="l" t="t" r="r" b="b"/>
             <a:pathLst>
-              <a:path extrusionOk="0" h="120000" w="120000">
+              <a:path w="120000" h="120000" extrusionOk="0">
                 <a:moveTo>
                   <a:pt x="0" y="0"/>
                 </a:moveTo>
@@ -1859,9 +1950,11 @@
       <p:sp>
         <p:nvSpPr>
           <p:cNvPr id="164" name="Google Shape;164;g104a0c137a8_0_19:notes"/>
-          <p:cNvSpPr txBox="1"/>
+          <p:cNvSpPr txBox="1">
+            <a:spLocks noGrp="1"/>
+          </p:cNvSpPr>
           <p:nvPr>
-            <p:ph idx="1" type="body"/>
+            <p:ph type="body" idx="1"/>
           </p:nvPr>
         </p:nvSpPr>
         <p:spPr>
@@ -1874,12 +1967,12 @@
           </a:prstGeom>
         </p:spPr>
         <p:txBody>
-          <a:bodyPr anchorCtr="0" anchor="t" bIns="91425" lIns="91425" spcFirstLastPara="1" rIns="91425" wrap="square" tIns="91425">
+          <a:bodyPr spcFirstLastPara="1" wrap="square" lIns="91425" tIns="91425" rIns="91425" bIns="91425" anchor="t" anchorCtr="0">
             <a:noAutofit/>
           </a:bodyPr>
           <a:lstStyle/>
           <a:p>
-            <a:pPr indent="0" lvl="0" marL="0" rtl="0" algn="l">
+            <a:pPr marL="0" lvl="0" indent="0" algn="l" rtl="0">
               <a:spcBef>
                 <a:spcPts val="0"/>
               </a:spcBef>
@@ -1888,9 +1981,6 @@
               </a:spcAft>
               <a:buNone/>
             </a:pPr>
-            <a:r>
-              <a:t/>
-            </a:r>
             <a:endParaRPr/>
           </a:p>
         </p:txBody>
@@ -1904,11 +1994,11 @@
 </file>
 
 <file path=ppt/notesSlides/notesSlide8.xml><?xml version="1.0" encoding="utf-8"?>
-<p:notes xmlns:a="http://schemas.openxmlformats.org/drawingml/2006/main" xmlns:r="http://schemas.openxmlformats.org/officeDocument/2006/relationships" xmlns:mc="http://schemas.openxmlformats.org/markup-compatibility/2006" xmlns:mv="urn:schemas-microsoft-com:mac:vml" xmlns:p="http://schemas.openxmlformats.org/presentationml/2006/main" xmlns:c="http://schemas.openxmlformats.org/drawingml/2006/chart" xmlns:dgm="http://schemas.openxmlformats.org/drawingml/2006/diagram" xmlns:o="urn:schemas-microsoft-com:office:office" xmlns:v="urn:schemas-microsoft-com:vml" xmlns:pvml="urn:schemas-microsoft-com:office:powerpoint" xmlns:com="http://schemas.openxmlformats.org/drawingml/2006/compatibility" xmlns:p14="http://schemas.microsoft.com/office/powerpoint/2010/main" xmlns:p15="http://schemas.microsoft.com/office/powerpoint/2012/main" xmlns:ahyp="http://schemas.microsoft.com/office/drawing/2018/hyperlinkcolor" showMasterPhAnim="0" showMasterSp="0">
+<p:notes xmlns:a="http://schemas.openxmlformats.org/drawingml/2006/main" xmlns:r="http://schemas.openxmlformats.org/officeDocument/2006/relationships" xmlns:p="http://schemas.openxmlformats.org/presentationml/2006/main" showMasterSp="0" showMasterPhAnim="0">
   <p:cSld>
     <p:spTree>
       <p:nvGrpSpPr>
-        <p:cNvPr id="168" name="Shape 168"/>
+        <p:cNvPr id="1" name="Shape 168"/>
         <p:cNvGrpSpPr/>
         <p:nvPr/>
       </p:nvGrpSpPr>
@@ -1923,20 +2013,26 @@
       <p:sp>
         <p:nvSpPr>
           <p:cNvPr id="169" name="Google Shape;169;g104a0c137a8_0_24:notes"/>
-          <p:cNvSpPr/>
+          <p:cNvSpPr>
+            <a:spLocks noGrp="1" noRot="1" noChangeAspect="1"/>
+          </p:cNvSpPr>
           <p:nvPr>
-            <p:ph idx="2" type="sldImg"/>
+            <p:ph type="sldImg" idx="2"/>
           </p:nvPr>
         </p:nvSpPr>
         <p:spPr>
           <a:xfrm>
-            <a:off x="381300" y="685800"/>
+            <a:off x="381000" y="685800"/>
             <a:ext cx="6096000" cy="3429000"/>
           </a:xfrm>
           <a:custGeom>
-            <a:rect b="b" l="l" r="r" t="t"/>
+            <a:avLst/>
+            <a:gdLst/>
+            <a:ahLst/>
+            <a:cxnLst/>
+            <a:rect l="l" t="t" r="r" b="b"/>
             <a:pathLst>
-              <a:path extrusionOk="0" h="120000" w="120000">
+              <a:path w="120000" h="120000" extrusionOk="0">
                 <a:moveTo>
                   <a:pt x="0" y="0"/>
                 </a:moveTo>
@@ -1958,9 +2054,11 @@
       <p:sp>
         <p:nvSpPr>
           <p:cNvPr id="170" name="Google Shape;170;g104a0c137a8_0_24:notes"/>
-          <p:cNvSpPr txBox="1"/>
+          <p:cNvSpPr txBox="1">
+            <a:spLocks noGrp="1"/>
+          </p:cNvSpPr>
           <p:nvPr>
-            <p:ph idx="1" type="body"/>
+            <p:ph type="body" idx="1"/>
           </p:nvPr>
         </p:nvSpPr>
         <p:spPr>
@@ -1973,12 +2071,12 @@
           </a:prstGeom>
         </p:spPr>
         <p:txBody>
-          <a:bodyPr anchorCtr="0" anchor="t" bIns="91425" lIns="91425" spcFirstLastPara="1" rIns="91425" wrap="square" tIns="91425">
+          <a:bodyPr spcFirstLastPara="1" wrap="square" lIns="91425" tIns="91425" rIns="91425" bIns="91425" anchor="t" anchorCtr="0">
             <a:noAutofit/>
           </a:bodyPr>
           <a:lstStyle/>
           <a:p>
-            <a:pPr indent="0" lvl="0" marL="0" rtl="0" algn="l">
+            <a:pPr marL="0" lvl="0" indent="0" algn="l" rtl="0">
               <a:spcBef>
                 <a:spcPts val="0"/>
               </a:spcBef>
@@ -1987,9 +2085,6 @@
               </a:spcAft>
               <a:buNone/>
             </a:pPr>
-            <a:r>
-              <a:t/>
-            </a:r>
             <a:endParaRPr/>
           </a:p>
         </p:txBody>
@@ -2003,11 +2098,11 @@
 </file>
 
 <file path=ppt/notesSlides/notesSlide9.xml><?xml version="1.0" encoding="utf-8"?>
-<p:notes xmlns:a="http://schemas.openxmlformats.org/drawingml/2006/main" xmlns:r="http://schemas.openxmlformats.org/officeDocument/2006/relationships" xmlns:mc="http://schemas.openxmlformats.org/markup-compatibility/2006" xmlns:mv="urn:schemas-microsoft-com:mac:vml" xmlns:p="http://schemas.openxmlformats.org/presentationml/2006/main" xmlns:c="http://schemas.openxmlformats.org/drawingml/2006/chart" xmlns:dgm="http://schemas.openxmlformats.org/drawingml/2006/diagram" xmlns:o="urn:schemas-microsoft-com:office:office" xmlns:v="urn:schemas-microsoft-com:vml" xmlns:pvml="urn:schemas-microsoft-com:office:powerpoint" xmlns:com="http://schemas.openxmlformats.org/drawingml/2006/compatibility" xmlns:p14="http://schemas.microsoft.com/office/powerpoint/2010/main" xmlns:p15="http://schemas.microsoft.com/office/powerpoint/2012/main" xmlns:ahyp="http://schemas.microsoft.com/office/drawing/2018/hyperlinkcolor" showMasterPhAnim="0" showMasterSp="0">
+<p:notes xmlns:a="http://schemas.openxmlformats.org/drawingml/2006/main" xmlns:r="http://schemas.openxmlformats.org/officeDocument/2006/relationships" xmlns:p="http://schemas.openxmlformats.org/presentationml/2006/main" showMasterSp="0" showMasterPhAnim="0">
   <p:cSld>
     <p:spTree>
       <p:nvGrpSpPr>
-        <p:cNvPr id="175" name="Shape 175"/>
+        <p:cNvPr id="1" name="Shape 175"/>
         <p:cNvGrpSpPr/>
         <p:nvPr/>
       </p:nvGrpSpPr>
@@ -2022,20 +2117,26 @@
       <p:sp>
         <p:nvSpPr>
           <p:cNvPr id="176" name="Google Shape;176;g104a0c137a8_0_46:notes"/>
-          <p:cNvSpPr/>
+          <p:cNvSpPr>
+            <a:spLocks noGrp="1" noRot="1" noChangeAspect="1"/>
+          </p:cNvSpPr>
           <p:nvPr>
-            <p:ph idx="2" type="sldImg"/>
+            <p:ph type="sldImg" idx="2"/>
           </p:nvPr>
         </p:nvSpPr>
         <p:spPr>
           <a:xfrm>
-            <a:off x="381300" y="685800"/>
+            <a:off x="381000" y="685800"/>
             <a:ext cx="6096000" cy="3429000"/>
           </a:xfrm>
           <a:custGeom>
-            <a:rect b="b" l="l" r="r" t="t"/>
+            <a:avLst/>
+            <a:gdLst/>
+            <a:ahLst/>
+            <a:cxnLst/>
+            <a:rect l="l" t="t" r="r" b="b"/>
             <a:pathLst>
-              <a:path extrusionOk="0" h="120000" w="120000">
+              <a:path w="120000" h="120000" extrusionOk="0">
                 <a:moveTo>
                   <a:pt x="0" y="0"/>
                 </a:moveTo>
@@ -2057,9 +2158,11 @@
       <p:sp>
         <p:nvSpPr>
           <p:cNvPr id="177" name="Google Shape;177;g104a0c137a8_0_46:notes"/>
-          <p:cNvSpPr txBox="1"/>
+          <p:cNvSpPr txBox="1">
+            <a:spLocks noGrp="1"/>
+          </p:cNvSpPr>
           <p:nvPr>
-            <p:ph idx="1" type="body"/>
+            <p:ph type="body" idx="1"/>
           </p:nvPr>
         </p:nvSpPr>
         <p:spPr>
@@ -2072,12 +2175,12 @@
           </a:prstGeom>
         </p:spPr>
         <p:txBody>
-          <a:bodyPr anchorCtr="0" anchor="t" bIns="91425" lIns="91425" spcFirstLastPara="1" rIns="91425" wrap="square" tIns="91425">
+          <a:bodyPr spcFirstLastPara="1" wrap="square" lIns="91425" tIns="91425" rIns="91425" bIns="91425" anchor="t" anchorCtr="0">
             <a:noAutofit/>
           </a:bodyPr>
           <a:lstStyle/>
           <a:p>
-            <a:pPr indent="0" lvl="0" marL="0" rtl="0" algn="l">
+            <a:pPr marL="0" lvl="0" indent="0" algn="l" rtl="0">
               <a:spcBef>
                 <a:spcPts val="0"/>
               </a:spcBef>
@@ -2086,9 +2189,6 @@
               </a:spcAft>
               <a:buNone/>
             </a:pPr>
-            <a:r>
-              <a:t/>
-            </a:r>
             <a:endParaRPr/>
           </a:p>
         </p:txBody>
@@ -2102,18 +2202,19 @@
 </file>
 
 <file path=ppt/slideLayouts/slideLayout1.xml><?xml version="1.0" encoding="utf-8"?>
-<p:sldLayout xmlns:a="http://schemas.openxmlformats.org/drawingml/2006/main" xmlns:r="http://schemas.openxmlformats.org/officeDocument/2006/relationships" xmlns:mc="http://schemas.openxmlformats.org/markup-compatibility/2006" xmlns:mv="urn:schemas-microsoft-com:mac:vml" xmlns:p="http://schemas.openxmlformats.org/presentationml/2006/main" xmlns:c="http://schemas.openxmlformats.org/drawingml/2006/chart" xmlns:dgm="http://schemas.openxmlformats.org/drawingml/2006/diagram" xmlns:o="urn:schemas-microsoft-com:office:office" xmlns:v="urn:schemas-microsoft-com:vml" xmlns:pvml="urn:schemas-microsoft-com:office:powerpoint" xmlns:com="http://schemas.openxmlformats.org/drawingml/2006/compatibility" xmlns:p14="http://schemas.microsoft.com/office/powerpoint/2010/main" xmlns:p15="http://schemas.microsoft.com/office/powerpoint/2012/main" xmlns:ahyp="http://schemas.microsoft.com/office/drawing/2018/hyperlinkcolor" matchingName="Title slide" type="title">
+<p:sldLayout xmlns:a="http://schemas.openxmlformats.org/drawingml/2006/main" xmlns:r="http://schemas.openxmlformats.org/officeDocument/2006/relationships" xmlns:p="http://schemas.openxmlformats.org/presentationml/2006/main" matchingName="Title slide" type="title">
   <p:cSld name="TITLE">
     <p:bg>
       <p:bgPr>
         <a:solidFill>
           <a:schemeClr val="accent6"/>
         </a:solidFill>
+        <a:effectLst/>
       </p:bgPr>
     </p:bg>
     <p:spTree>
       <p:nvGrpSpPr>
-        <p:cNvPr id="9" name="Shape 9"/>
+        <p:cNvPr id="1" name="Shape 9"/>
         <p:cNvGrpSpPr/>
         <p:nvPr/>
       </p:nvGrpSpPr>
@@ -2147,12 +2248,12 @@
           </a:ln>
         </p:spPr>
         <p:txBody>
-          <a:bodyPr anchorCtr="0" anchor="ctr" bIns="91425" lIns="91425" spcFirstLastPara="1" rIns="91425" wrap="square" tIns="91425">
+          <a:bodyPr spcFirstLastPara="1" wrap="square" lIns="91425" tIns="91425" rIns="91425" bIns="91425" anchor="ctr" anchorCtr="0">
             <a:noAutofit/>
           </a:bodyPr>
           <a:lstStyle/>
           <a:p>
-            <a:pPr indent="0" lvl="0" marL="0" rtl="0" algn="l">
+            <a:pPr marL="0" lvl="0" indent="0" algn="l" rtl="0">
               <a:spcBef>
                 <a:spcPts val="0"/>
               </a:spcBef>
@@ -2161,9 +2262,6 @@
               </a:spcAft>
               <a:buNone/>
             </a:pPr>
-            <a:r>
-              <a:t/>
-            </a:r>
             <a:endParaRPr/>
           </a:p>
         </p:txBody>
@@ -2190,12 +2288,12 @@
           </a:ln>
         </p:spPr>
         <p:txBody>
-          <a:bodyPr anchorCtr="0" anchor="ctr" bIns="91425" lIns="91425" spcFirstLastPara="1" rIns="91425" wrap="square" tIns="91425">
+          <a:bodyPr spcFirstLastPara="1" wrap="square" lIns="91425" tIns="91425" rIns="91425" bIns="91425" anchor="ctr" anchorCtr="0">
             <a:noAutofit/>
           </a:bodyPr>
           <a:lstStyle/>
           <a:p>
-            <a:pPr indent="0" lvl="0" marL="0" rtl="0" algn="l">
+            <a:pPr marL="0" lvl="0" indent="0" algn="l" rtl="0">
               <a:spcBef>
                 <a:spcPts val="0"/>
               </a:spcBef>
@@ -2204,9 +2302,6 @@
               </a:spcAft>
               <a:buNone/>
             </a:pPr>
-            <a:r>
-              <a:t/>
-            </a:r>
             <a:endParaRPr/>
           </a:p>
         </p:txBody>
@@ -2233,12 +2328,12 @@
           </a:ln>
         </p:spPr>
         <p:txBody>
-          <a:bodyPr anchorCtr="0" anchor="ctr" bIns="91425" lIns="91425" spcFirstLastPara="1" rIns="91425" wrap="square" tIns="91425">
+          <a:bodyPr spcFirstLastPara="1" wrap="square" lIns="91425" tIns="91425" rIns="91425" bIns="91425" anchor="ctr" anchorCtr="0">
             <a:noAutofit/>
           </a:bodyPr>
           <a:lstStyle/>
           <a:p>
-            <a:pPr indent="0" lvl="0" marL="0" rtl="0" algn="l">
+            <a:pPr marL="0" lvl="0" indent="0" algn="l" rtl="0">
               <a:spcBef>
                 <a:spcPts val="0"/>
               </a:spcBef>
@@ -2247,9 +2342,6 @@
               </a:spcAft>
               <a:buNone/>
             </a:pPr>
-            <a:r>
-              <a:t/>
-            </a:r>
             <a:endParaRPr/>
           </a:p>
         </p:txBody>
@@ -2275,7 +2367,7 @@
             <a:noFill/>
           </a:ln>
           <a:effectLst>
-            <a:outerShdw blurRad="228600" sx="101000" rotWithShape="0" algn="ctr" sy="101000">
+            <a:outerShdw blurRad="228600" sx="101000" sy="101000" algn="ctr" rotWithShape="0">
               <a:srgbClr val="000000">
                 <a:alpha val="40000"/>
               </a:srgbClr>
@@ -2283,12 +2375,12 @@
           </a:effectLst>
         </p:spPr>
         <p:txBody>
-          <a:bodyPr anchorCtr="0" anchor="ctr" bIns="91425" lIns="91425" spcFirstLastPara="1" rIns="91425" wrap="square" tIns="91425">
+          <a:bodyPr spcFirstLastPara="1" wrap="square" lIns="91425" tIns="91425" rIns="91425" bIns="91425" anchor="ctr" anchorCtr="0">
             <a:noAutofit/>
           </a:bodyPr>
           <a:lstStyle/>
           <a:p>
-            <a:pPr indent="0" lvl="0" marL="0" rtl="0" algn="l">
+            <a:pPr marL="0" lvl="0" indent="0" algn="l" rtl="0">
               <a:spcBef>
                 <a:spcPts val="0"/>
               </a:spcBef>
@@ -2297,9 +2389,6 @@
               </a:spcAft>
               <a:buNone/>
             </a:pPr>
-            <a:r>
-              <a:t/>
-            </a:r>
             <a:endParaRPr/>
           </a:p>
         </p:txBody>
@@ -2331,7 +2420,7 @@
             </a:xfrm>
             <a:prstGeom prst="parallelogram">
               <a:avLst>
-                <a:gd fmla="val 153193" name="adj"/>
+                <a:gd name="adj" fmla="val 153193"/>
               </a:avLst>
             </a:prstGeom>
             <a:solidFill>
@@ -2342,12 +2431,12 @@
             </a:ln>
           </p:spPr>
           <p:txBody>
-            <a:bodyPr anchorCtr="0" anchor="ctr" bIns="91425" lIns="91425" spcFirstLastPara="1" rIns="91425" wrap="square" tIns="91425">
+            <a:bodyPr spcFirstLastPara="1" wrap="square" lIns="91425" tIns="91425" rIns="91425" bIns="91425" anchor="ctr" anchorCtr="0">
               <a:noAutofit/>
             </a:bodyPr>
             <a:lstStyle/>
             <a:p>
-              <a:pPr indent="0" lvl="0" marL="0" rtl="0" algn="l">
+              <a:pPr marL="0" lvl="0" indent="0" algn="l" rtl="0">
                 <a:spcBef>
                   <a:spcPts val="0"/>
                 </a:spcBef>
@@ -2356,9 +2445,6 @@
                 </a:spcAft>
                 <a:buNone/>
               </a:pPr>
-              <a:r>
-                <a:t/>
-              </a:r>
               <a:endParaRPr/>
             </a:p>
           </p:txBody>
@@ -2376,7 +2462,7 @@
             </a:xfrm>
             <a:prstGeom prst="parallelogram">
               <a:avLst>
-                <a:gd fmla="val 153193" name="adj"/>
+                <a:gd name="adj" fmla="val 153193"/>
               </a:avLst>
             </a:prstGeom>
             <a:solidFill>
@@ -2387,12 +2473,12 @@
             </a:ln>
           </p:spPr>
           <p:txBody>
-            <a:bodyPr anchorCtr="0" anchor="ctr" bIns="91425" lIns="91425" spcFirstLastPara="1" rIns="91425" wrap="square" tIns="91425">
+            <a:bodyPr spcFirstLastPara="1" wrap="square" lIns="91425" tIns="91425" rIns="91425" bIns="91425" anchor="ctr" anchorCtr="0">
               <a:noAutofit/>
             </a:bodyPr>
             <a:lstStyle/>
             <a:p>
-              <a:pPr indent="0" lvl="0" marL="0" rtl="0" algn="l">
+              <a:pPr marL="0" lvl="0" indent="0" algn="l" rtl="0">
                 <a:spcBef>
                   <a:spcPts val="0"/>
                 </a:spcBef>
@@ -2401,9 +2487,6 @@
                 </a:spcAft>
                 <a:buNone/>
               </a:pPr>
-              <a:r>
-                <a:t/>
-              </a:r>
               <a:endParaRPr/>
             </a:p>
           </p:txBody>
@@ -2421,7 +2504,7 @@
             </a:xfrm>
             <a:prstGeom prst="parallelogram">
               <a:avLst>
-                <a:gd fmla="val 153193" name="adj"/>
+                <a:gd name="adj" fmla="val 153193"/>
               </a:avLst>
             </a:prstGeom>
             <a:solidFill>
@@ -2432,12 +2515,12 @@
             </a:ln>
           </p:spPr>
           <p:txBody>
-            <a:bodyPr anchorCtr="0" anchor="ctr" bIns="91425" lIns="91425" spcFirstLastPara="1" rIns="91425" wrap="square" tIns="91425">
+            <a:bodyPr spcFirstLastPara="1" wrap="square" lIns="91425" tIns="91425" rIns="91425" bIns="91425" anchor="ctr" anchorCtr="0">
               <a:noAutofit/>
             </a:bodyPr>
             <a:lstStyle/>
             <a:p>
-              <a:pPr indent="0" lvl="0" marL="0" rtl="0" algn="l">
+              <a:pPr marL="0" lvl="0" indent="0" algn="l" rtl="0">
                 <a:spcBef>
                   <a:spcPts val="0"/>
                 </a:spcBef>
@@ -2446,9 +2529,6 @@
                 </a:spcAft>
                 <a:buNone/>
               </a:pPr>
-              <a:r>
-                <a:t/>
-              </a:r>
               <a:endParaRPr/>
             </a:p>
           </p:txBody>
@@ -2481,7 +2561,7 @@
             </a:xfrm>
             <a:prstGeom prst="parallelogram">
               <a:avLst>
-                <a:gd fmla="val 153193" name="adj"/>
+                <a:gd name="adj" fmla="val 153193"/>
               </a:avLst>
             </a:prstGeom>
             <a:solidFill>
@@ -2492,12 +2572,12 @@
             </a:ln>
           </p:spPr>
           <p:txBody>
-            <a:bodyPr anchorCtr="0" anchor="ctr" bIns="91425" lIns="91425" spcFirstLastPara="1" rIns="91425" wrap="square" tIns="91425">
+            <a:bodyPr spcFirstLastPara="1" wrap="square" lIns="91425" tIns="91425" rIns="91425" bIns="91425" anchor="ctr" anchorCtr="0">
               <a:noAutofit/>
             </a:bodyPr>
             <a:lstStyle/>
             <a:p>
-              <a:pPr indent="0" lvl="0" marL="0" rtl="0" algn="l">
+              <a:pPr marL="0" lvl="0" indent="0" algn="l" rtl="0">
                 <a:spcBef>
                   <a:spcPts val="0"/>
                 </a:spcBef>
@@ -2506,9 +2586,6 @@
                 </a:spcAft>
                 <a:buNone/>
               </a:pPr>
-              <a:r>
-                <a:t/>
-              </a:r>
               <a:endParaRPr/>
             </a:p>
           </p:txBody>
@@ -2526,7 +2603,7 @@
             </a:xfrm>
             <a:prstGeom prst="parallelogram">
               <a:avLst>
-                <a:gd fmla="val 153193" name="adj"/>
+                <a:gd name="adj" fmla="val 153193"/>
               </a:avLst>
             </a:prstGeom>
             <a:solidFill>
@@ -2537,12 +2614,12 @@
             </a:ln>
           </p:spPr>
           <p:txBody>
-            <a:bodyPr anchorCtr="0" anchor="ctr" bIns="91425" lIns="91425" spcFirstLastPara="1" rIns="91425" wrap="square" tIns="91425">
+            <a:bodyPr spcFirstLastPara="1" wrap="square" lIns="91425" tIns="91425" rIns="91425" bIns="91425" anchor="ctr" anchorCtr="0">
               <a:noAutofit/>
             </a:bodyPr>
             <a:lstStyle/>
             <a:p>
-              <a:pPr indent="0" lvl="0" marL="0" rtl="0" algn="l">
+              <a:pPr marL="0" lvl="0" indent="0" algn="l" rtl="0">
                 <a:spcBef>
                   <a:spcPts val="0"/>
                 </a:spcBef>
@@ -2551,9 +2628,6 @@
                 </a:spcAft>
                 <a:buNone/>
               </a:pPr>
-              <a:r>
-                <a:t/>
-              </a:r>
               <a:endParaRPr/>
             </a:p>
           </p:txBody>
@@ -2571,7 +2645,7 @@
             </a:xfrm>
             <a:prstGeom prst="parallelogram">
               <a:avLst>
-                <a:gd fmla="val 153193" name="adj"/>
+                <a:gd name="adj" fmla="val 153193"/>
               </a:avLst>
             </a:prstGeom>
             <a:solidFill>
@@ -2582,12 +2656,12 @@
             </a:ln>
           </p:spPr>
           <p:txBody>
-            <a:bodyPr anchorCtr="0" anchor="ctr" bIns="91425" lIns="91425" spcFirstLastPara="1" rIns="91425" wrap="square" tIns="91425">
+            <a:bodyPr spcFirstLastPara="1" wrap="square" lIns="91425" tIns="91425" rIns="91425" bIns="91425" anchor="ctr" anchorCtr="0">
               <a:noAutofit/>
             </a:bodyPr>
             <a:lstStyle/>
             <a:p>
-              <a:pPr indent="0" lvl="0" marL="0" rtl="0" algn="l">
+              <a:pPr marL="0" lvl="0" indent="0" algn="l" rtl="0">
                 <a:spcBef>
                   <a:spcPts val="0"/>
                 </a:spcBef>
@@ -2596,9 +2670,6 @@
                 </a:spcAft>
                 <a:buNone/>
               </a:pPr>
-              <a:r>
-                <a:t/>
-              </a:r>
               <a:endParaRPr/>
             </a:p>
           </p:txBody>
@@ -2631,7 +2702,7 @@
             </a:xfrm>
             <a:prstGeom prst="parallelogram">
               <a:avLst>
-                <a:gd fmla="val 158024" name="adj"/>
+                <a:gd name="adj" fmla="val 158024"/>
               </a:avLst>
             </a:prstGeom>
             <a:solidFill>
@@ -2642,12 +2713,12 @@
             </a:ln>
           </p:spPr>
           <p:txBody>
-            <a:bodyPr anchorCtr="0" anchor="ctr" bIns="91425" lIns="91425" spcFirstLastPara="1" rIns="91425" wrap="square" tIns="91425">
+            <a:bodyPr spcFirstLastPara="1" wrap="square" lIns="91425" tIns="91425" rIns="91425" bIns="91425" anchor="ctr" anchorCtr="0">
               <a:noAutofit/>
             </a:bodyPr>
             <a:lstStyle/>
             <a:p>
-              <a:pPr indent="0" lvl="0" marL="0" rtl="0" algn="l">
+              <a:pPr marL="0" lvl="0" indent="0" algn="l" rtl="0">
                 <a:spcBef>
                   <a:spcPts val="0"/>
                 </a:spcBef>
@@ -2656,9 +2727,6 @@
                 </a:spcAft>
                 <a:buNone/>
               </a:pPr>
-              <a:r>
-                <a:t/>
-              </a:r>
               <a:endParaRPr/>
             </a:p>
           </p:txBody>
@@ -2676,7 +2744,7 @@
             </a:xfrm>
             <a:prstGeom prst="parallelogram">
               <a:avLst>
-                <a:gd fmla="val 158024" name="adj"/>
+                <a:gd name="adj" fmla="val 158024"/>
               </a:avLst>
             </a:prstGeom>
             <a:solidFill>
@@ -2687,12 +2755,12 @@
             </a:ln>
           </p:spPr>
           <p:txBody>
-            <a:bodyPr anchorCtr="0" anchor="ctr" bIns="91425" lIns="91425" spcFirstLastPara="1" rIns="91425" wrap="square" tIns="91425">
+            <a:bodyPr spcFirstLastPara="1" wrap="square" lIns="91425" tIns="91425" rIns="91425" bIns="91425" anchor="ctr" anchorCtr="0">
               <a:noAutofit/>
             </a:bodyPr>
             <a:lstStyle/>
             <a:p>
-              <a:pPr indent="0" lvl="0" marL="0" rtl="0" algn="l">
+              <a:pPr marL="0" lvl="0" indent="0" algn="l" rtl="0">
                 <a:spcBef>
                   <a:spcPts val="0"/>
                 </a:spcBef>
@@ -2701,9 +2769,6 @@
                 </a:spcAft>
                 <a:buNone/>
               </a:pPr>
-              <a:r>
-                <a:t/>
-              </a:r>
               <a:endParaRPr/>
             </a:p>
           </p:txBody>
@@ -2721,7 +2786,7 @@
             </a:xfrm>
             <a:prstGeom prst="parallelogram">
               <a:avLst>
-                <a:gd fmla="val 158024" name="adj"/>
+                <a:gd name="adj" fmla="val 158024"/>
               </a:avLst>
             </a:prstGeom>
             <a:solidFill>
@@ -2732,12 +2797,12 @@
             </a:ln>
           </p:spPr>
           <p:txBody>
-            <a:bodyPr anchorCtr="0" anchor="ctr" bIns="91425" lIns="91425" spcFirstLastPara="1" rIns="91425" wrap="square" tIns="91425">
+            <a:bodyPr spcFirstLastPara="1" wrap="square" lIns="91425" tIns="91425" rIns="91425" bIns="91425" anchor="ctr" anchorCtr="0">
               <a:noAutofit/>
             </a:bodyPr>
             <a:lstStyle/>
             <a:p>
-              <a:pPr indent="0" lvl="0" marL="0" rtl="0" algn="l">
+              <a:pPr marL="0" lvl="0" indent="0" algn="l" rtl="0">
                 <a:spcBef>
                   <a:spcPts val="0"/>
                 </a:spcBef>
@@ -2746,9 +2811,6 @@
                 </a:spcAft>
                 <a:buNone/>
               </a:pPr>
-              <a:r>
-                <a:t/>
-              </a:r>
               <a:endParaRPr/>
             </a:p>
           </p:txBody>
@@ -2781,7 +2843,7 @@
             </a:xfrm>
             <a:prstGeom prst="parallelogram">
               <a:avLst>
-                <a:gd fmla="val 158024" name="adj"/>
+                <a:gd name="adj" fmla="val 158024"/>
               </a:avLst>
             </a:prstGeom>
             <a:solidFill>
@@ -2792,12 +2854,12 @@
             </a:ln>
           </p:spPr>
           <p:txBody>
-            <a:bodyPr anchorCtr="0" anchor="ctr" bIns="91425" lIns="91425" spcFirstLastPara="1" rIns="91425" wrap="square" tIns="91425">
+            <a:bodyPr spcFirstLastPara="1" wrap="square" lIns="91425" tIns="91425" rIns="91425" bIns="91425" anchor="ctr" anchorCtr="0">
               <a:noAutofit/>
             </a:bodyPr>
             <a:lstStyle/>
             <a:p>
-              <a:pPr indent="0" lvl="0" marL="0" rtl="0" algn="l">
+              <a:pPr marL="0" lvl="0" indent="0" algn="l" rtl="0">
                 <a:spcBef>
                   <a:spcPts val="0"/>
                 </a:spcBef>
@@ -2806,9 +2868,6 @@
                 </a:spcAft>
                 <a:buNone/>
               </a:pPr>
-              <a:r>
-                <a:t/>
-              </a:r>
               <a:endParaRPr/>
             </a:p>
           </p:txBody>
@@ -2826,7 +2885,7 @@
             </a:xfrm>
             <a:prstGeom prst="parallelogram">
               <a:avLst>
-                <a:gd fmla="val 158024" name="adj"/>
+                <a:gd name="adj" fmla="val 158024"/>
               </a:avLst>
             </a:prstGeom>
             <a:solidFill>
@@ -2837,12 +2896,12 @@
             </a:ln>
           </p:spPr>
           <p:txBody>
-            <a:bodyPr anchorCtr="0" anchor="ctr" bIns="91425" lIns="91425" spcFirstLastPara="1" rIns="91425" wrap="square" tIns="91425">
+            <a:bodyPr spcFirstLastPara="1" wrap="square" lIns="91425" tIns="91425" rIns="91425" bIns="91425" anchor="ctr" anchorCtr="0">
               <a:noAutofit/>
             </a:bodyPr>
             <a:lstStyle/>
             <a:p>
-              <a:pPr indent="0" lvl="0" marL="0" rtl="0" algn="l">
+              <a:pPr marL="0" lvl="0" indent="0" algn="l" rtl="0">
                 <a:spcBef>
                   <a:spcPts val="0"/>
                 </a:spcBef>
@@ -2851,9 +2910,6 @@
                 </a:spcAft>
                 <a:buNone/>
               </a:pPr>
-              <a:r>
-                <a:t/>
-              </a:r>
               <a:endParaRPr/>
             </a:p>
           </p:txBody>
@@ -2871,7 +2927,7 @@
             </a:xfrm>
             <a:prstGeom prst="parallelogram">
               <a:avLst>
-                <a:gd fmla="val 158024" name="adj"/>
+                <a:gd name="adj" fmla="val 158024"/>
               </a:avLst>
             </a:prstGeom>
             <a:solidFill>
@@ -2882,12 +2938,12 @@
             </a:ln>
           </p:spPr>
           <p:txBody>
-            <a:bodyPr anchorCtr="0" anchor="ctr" bIns="91425" lIns="91425" spcFirstLastPara="1" rIns="91425" wrap="square" tIns="91425">
+            <a:bodyPr spcFirstLastPara="1" wrap="square" lIns="91425" tIns="91425" rIns="91425" bIns="91425" anchor="ctr" anchorCtr="0">
               <a:noAutofit/>
             </a:bodyPr>
             <a:lstStyle/>
             <a:p>
-              <a:pPr indent="0" lvl="0" marL="0" rtl="0" algn="l">
+              <a:pPr marL="0" lvl="0" indent="0" algn="l" rtl="0">
                 <a:spcBef>
                   <a:spcPts val="0"/>
                 </a:spcBef>
@@ -2896,9 +2952,6 @@
                 </a:spcAft>
                 <a:buNone/>
               </a:pPr>
-              <a:r>
-                <a:t/>
-              </a:r>
               <a:endParaRPr/>
             </a:p>
           </p:txBody>
@@ -2931,7 +2984,7 @@
             </a:xfrm>
             <a:prstGeom prst="parallelogram">
               <a:avLst>
-                <a:gd fmla="val 158024" name="adj"/>
+                <a:gd name="adj" fmla="val 158024"/>
               </a:avLst>
             </a:prstGeom>
             <a:solidFill>
@@ -2942,12 +2995,12 @@
             </a:ln>
           </p:spPr>
           <p:txBody>
-            <a:bodyPr anchorCtr="0" anchor="ctr" bIns="91425" lIns="91425" spcFirstLastPara="1" rIns="91425" wrap="square" tIns="91425">
+            <a:bodyPr spcFirstLastPara="1" wrap="square" lIns="91425" tIns="91425" rIns="91425" bIns="91425" anchor="ctr" anchorCtr="0">
               <a:noAutofit/>
             </a:bodyPr>
             <a:lstStyle/>
             <a:p>
-              <a:pPr indent="0" lvl="0" marL="0" rtl="0" algn="l">
+              <a:pPr marL="0" lvl="0" indent="0" algn="l" rtl="0">
                 <a:spcBef>
                   <a:spcPts val="0"/>
                 </a:spcBef>
@@ -2956,9 +3009,6 @@
                 </a:spcAft>
                 <a:buNone/>
               </a:pPr>
-              <a:r>
-                <a:t/>
-              </a:r>
               <a:endParaRPr/>
             </a:p>
           </p:txBody>
@@ -2976,7 +3026,7 @@
             </a:xfrm>
             <a:prstGeom prst="parallelogram">
               <a:avLst>
-                <a:gd fmla="val 158024" name="adj"/>
+                <a:gd name="adj" fmla="val 158024"/>
               </a:avLst>
             </a:prstGeom>
             <a:solidFill>
@@ -2987,12 +3037,12 @@
             </a:ln>
           </p:spPr>
           <p:txBody>
-            <a:bodyPr anchorCtr="0" anchor="ctr" bIns="91425" lIns="91425" spcFirstLastPara="1" rIns="91425" wrap="square" tIns="91425">
+            <a:bodyPr spcFirstLastPara="1" wrap="square" lIns="91425" tIns="91425" rIns="91425" bIns="91425" anchor="ctr" anchorCtr="0">
               <a:noAutofit/>
             </a:bodyPr>
             <a:lstStyle/>
             <a:p>
-              <a:pPr indent="0" lvl="0" marL="0" rtl="0" algn="l">
+              <a:pPr marL="0" lvl="0" indent="0" algn="l" rtl="0">
                 <a:spcBef>
                   <a:spcPts val="0"/>
                 </a:spcBef>
@@ -3001,9 +3051,6 @@
                 </a:spcAft>
                 <a:buNone/>
               </a:pPr>
-              <a:r>
-                <a:t/>
-              </a:r>
               <a:endParaRPr/>
             </a:p>
           </p:txBody>
@@ -3021,7 +3068,7 @@
             </a:xfrm>
             <a:prstGeom prst="parallelogram">
               <a:avLst>
-                <a:gd fmla="val 158024" name="adj"/>
+                <a:gd name="adj" fmla="val 158024"/>
               </a:avLst>
             </a:prstGeom>
             <a:solidFill>
@@ -3032,12 +3079,12 @@
             </a:ln>
           </p:spPr>
           <p:txBody>
-            <a:bodyPr anchorCtr="0" anchor="ctr" bIns="91425" lIns="91425" spcFirstLastPara="1" rIns="91425" wrap="square" tIns="91425">
+            <a:bodyPr spcFirstLastPara="1" wrap="square" lIns="91425" tIns="91425" rIns="91425" bIns="91425" anchor="ctr" anchorCtr="0">
               <a:noAutofit/>
             </a:bodyPr>
             <a:lstStyle/>
             <a:p>
-              <a:pPr indent="0" lvl="0" marL="0" rtl="0" algn="l">
+              <a:pPr marL="0" lvl="0" indent="0" algn="l" rtl="0">
                 <a:spcBef>
                   <a:spcPts val="0"/>
                 </a:spcBef>
@@ -3046,9 +3093,6 @@
                 </a:spcAft>
                 <a:buNone/>
               </a:pPr>
-              <a:r>
-                <a:t/>
-              </a:r>
               <a:endParaRPr/>
             </a:p>
           </p:txBody>
@@ -3057,7 +3101,9 @@
       <p:sp>
         <p:nvSpPr>
           <p:cNvPr id="34" name="Google Shape;34;p2"/>
-          <p:cNvSpPr txBox="1"/>
+          <p:cNvSpPr txBox="1">
+            <a:spLocks noGrp="1"/>
+          </p:cNvSpPr>
           <p:nvPr>
             <p:ph type="ctrTitle"/>
           </p:nvPr>
@@ -3072,7 +3118,7 @@
           </a:prstGeom>
         </p:spPr>
         <p:txBody>
-          <a:bodyPr anchorCtr="0" anchor="ctr" bIns="91425" lIns="91425" spcFirstLastPara="1" rIns="91425" wrap="square" tIns="91425">
+          <a:bodyPr spcFirstLastPara="1" wrap="square" lIns="91425" tIns="91425" rIns="91425" bIns="91425" anchor="ctr" anchorCtr="0">
             <a:normAutofit/>
           </a:bodyPr>
           <a:lstStyle>
@@ -3176,15 +3222,19 @@
               <a:defRPr sz="3800"/>
             </a:lvl9pPr>
           </a:lstStyle>
-          <a:p/>
+          <a:p>
+            <a:endParaRPr/>
+          </a:p>
         </p:txBody>
       </p:sp>
       <p:sp>
         <p:nvSpPr>
           <p:cNvPr id="35" name="Google Shape;35;p2"/>
-          <p:cNvSpPr txBox="1"/>
+          <p:cNvSpPr txBox="1">
+            <a:spLocks noGrp="1"/>
+          </p:cNvSpPr>
           <p:nvPr>
-            <p:ph idx="1" type="subTitle"/>
+            <p:ph type="subTitle" idx="1"/>
           </p:nvPr>
         </p:nvSpPr>
         <p:spPr>
@@ -3197,7 +3247,7 @@
           </a:prstGeom>
         </p:spPr>
         <p:txBody>
-          <a:bodyPr anchorCtr="0" anchor="t" bIns="91425" lIns="91425" spcFirstLastPara="1" rIns="91425" wrap="square" tIns="91425">
+          <a:bodyPr spcFirstLastPara="1" wrap="square" lIns="91425" tIns="91425" rIns="91425" bIns="91425" anchor="t" anchorCtr="0">
             <a:normAutofit/>
           </a:bodyPr>
           <a:lstStyle>
@@ -3391,15 +3441,19 @@
               </a:defRPr>
             </a:lvl9pPr>
           </a:lstStyle>
-          <a:p/>
+          <a:p>
+            <a:endParaRPr/>
+          </a:p>
         </p:txBody>
       </p:sp>
       <p:sp>
         <p:nvSpPr>
           <p:cNvPr id="36" name="Google Shape;36;p2"/>
-          <p:cNvSpPr txBox="1"/>
+          <p:cNvSpPr txBox="1">
+            <a:spLocks noGrp="1"/>
+          </p:cNvSpPr>
           <p:nvPr>
-            <p:ph idx="12" type="sldNum"/>
+            <p:ph type="sldNum" idx="12"/>
           </p:nvPr>
         </p:nvSpPr>
         <p:spPr>
@@ -3412,7 +3466,7 @@
           </a:prstGeom>
         </p:spPr>
         <p:txBody>
-          <a:bodyPr anchorCtr="0" anchor="ctr" bIns="91425" lIns="91425" spcFirstLastPara="1" rIns="91425" wrap="square" tIns="91425">
+          <a:bodyPr spcFirstLastPara="1" wrap="square" lIns="91425" tIns="91425" rIns="91425" bIns="91425" anchor="ctr" anchorCtr="0">
             <a:normAutofit/>
           </a:bodyPr>
           <a:lstStyle>
@@ -3454,7 +3508,7 @@
             </a:lvl9pPr>
           </a:lstStyle>
           <a:p>
-            <a:pPr indent="0" lvl="0" marL="0" rtl="0" algn="r">
+            <a:pPr marL="0" lvl="0" indent="0" algn="r" rtl="0">
               <a:spcBef>
                 <a:spcPts val="0"/>
               </a:spcBef>
@@ -3480,18 +3534,19 @@
 </file>
 
 <file path=ppt/slideLayouts/slideLayout10.xml><?xml version="1.0" encoding="utf-8"?>
-<p:sldLayout xmlns:a="http://schemas.openxmlformats.org/drawingml/2006/main" xmlns:r="http://schemas.openxmlformats.org/officeDocument/2006/relationships" xmlns:mc="http://schemas.openxmlformats.org/markup-compatibility/2006" xmlns:mv="urn:schemas-microsoft-com:mac:vml" xmlns:p="http://schemas.openxmlformats.org/presentationml/2006/main" xmlns:c="http://schemas.openxmlformats.org/drawingml/2006/chart" xmlns:dgm="http://schemas.openxmlformats.org/drawingml/2006/diagram" xmlns:o="urn:schemas-microsoft-com:office:office" xmlns:v="urn:schemas-microsoft-com:vml" xmlns:pvml="urn:schemas-microsoft-com:office:powerpoint" xmlns:com="http://schemas.openxmlformats.org/drawingml/2006/compatibility" xmlns:p14="http://schemas.microsoft.com/office/powerpoint/2010/main" xmlns:p15="http://schemas.microsoft.com/office/powerpoint/2012/main" xmlns:ahyp="http://schemas.microsoft.com/office/drawing/2018/hyperlinkcolor" matchingName="Big number">
+<p:sldLayout xmlns:a="http://schemas.openxmlformats.org/drawingml/2006/main" xmlns:r="http://schemas.openxmlformats.org/officeDocument/2006/relationships" xmlns:p="http://schemas.openxmlformats.org/presentationml/2006/main" matchingName="Big number">
   <p:cSld name="BIG_NUMBER">
     <p:bg>
       <p:bgPr>
         <a:solidFill>
           <a:schemeClr val="accent3"/>
         </a:solidFill>
+        <a:effectLst/>
       </p:bgPr>
     </p:bg>
     <p:spTree>
       <p:nvGrpSpPr>
-        <p:cNvPr id="109" name="Shape 109"/>
+        <p:cNvPr id="1" name="Shape 109"/>
         <p:cNvGrpSpPr/>
         <p:nvPr/>
       </p:nvGrpSpPr>
@@ -3525,12 +3580,12 @@
           </a:ln>
         </p:spPr>
         <p:txBody>
-          <a:bodyPr anchorCtr="0" anchor="ctr" bIns="91425" lIns="91425" spcFirstLastPara="1" rIns="91425" wrap="square" tIns="91425">
+          <a:bodyPr spcFirstLastPara="1" wrap="square" lIns="91425" tIns="91425" rIns="91425" bIns="91425" anchor="ctr" anchorCtr="0">
             <a:noAutofit/>
           </a:bodyPr>
           <a:lstStyle/>
           <a:p>
-            <a:pPr indent="0" lvl="0" marL="0" rtl="0" algn="l">
+            <a:pPr marL="0" lvl="0" indent="0" algn="l" rtl="0">
               <a:spcBef>
                 <a:spcPts val="0"/>
               </a:spcBef>
@@ -3539,9 +3594,6 @@
               </a:spcAft>
               <a:buNone/>
             </a:pPr>
-            <a:r>
-              <a:t/>
-            </a:r>
             <a:endParaRPr/>
           </a:p>
         </p:txBody>
@@ -3573,7 +3625,7 @@
             </a:xfrm>
             <a:prstGeom prst="parallelogram">
               <a:avLst>
-                <a:gd fmla="val 158024" name="adj"/>
+                <a:gd name="adj" fmla="val 158024"/>
               </a:avLst>
             </a:prstGeom>
             <a:solidFill>
@@ -3584,12 +3636,12 @@
             </a:ln>
           </p:spPr>
           <p:txBody>
-            <a:bodyPr anchorCtr="0" anchor="ctr" bIns="91425" lIns="91425" spcFirstLastPara="1" rIns="91425" wrap="square" tIns="91425">
+            <a:bodyPr spcFirstLastPara="1" wrap="square" lIns="91425" tIns="91425" rIns="91425" bIns="91425" anchor="ctr" anchorCtr="0">
               <a:noAutofit/>
             </a:bodyPr>
             <a:lstStyle/>
             <a:p>
-              <a:pPr indent="0" lvl="0" marL="0" rtl="0" algn="l">
+              <a:pPr marL="0" lvl="0" indent="0" algn="l" rtl="0">
                 <a:spcBef>
                   <a:spcPts val="0"/>
                 </a:spcBef>
@@ -3598,9 +3650,6 @@
                 </a:spcAft>
                 <a:buNone/>
               </a:pPr>
-              <a:r>
-                <a:t/>
-              </a:r>
               <a:endParaRPr/>
             </a:p>
           </p:txBody>
@@ -3618,7 +3667,7 @@
             </a:xfrm>
             <a:prstGeom prst="parallelogram">
               <a:avLst>
-                <a:gd fmla="val 158024" name="adj"/>
+                <a:gd name="adj" fmla="val 158024"/>
               </a:avLst>
             </a:prstGeom>
             <a:solidFill>
@@ -3629,12 +3678,12 @@
             </a:ln>
           </p:spPr>
           <p:txBody>
-            <a:bodyPr anchorCtr="0" anchor="ctr" bIns="91425" lIns="91425" spcFirstLastPara="1" rIns="91425" wrap="square" tIns="91425">
+            <a:bodyPr spcFirstLastPara="1" wrap="square" lIns="91425" tIns="91425" rIns="91425" bIns="91425" anchor="ctr" anchorCtr="0">
               <a:noAutofit/>
             </a:bodyPr>
             <a:lstStyle/>
             <a:p>
-              <a:pPr indent="0" lvl="0" marL="0" rtl="0" algn="l">
+              <a:pPr marL="0" lvl="0" indent="0" algn="l" rtl="0">
                 <a:spcBef>
                   <a:spcPts val="0"/>
                 </a:spcBef>
@@ -3643,9 +3692,6 @@
                 </a:spcAft>
                 <a:buNone/>
               </a:pPr>
-              <a:r>
-                <a:t/>
-              </a:r>
               <a:endParaRPr/>
             </a:p>
           </p:txBody>
@@ -3663,7 +3709,7 @@
             </a:xfrm>
             <a:prstGeom prst="parallelogram">
               <a:avLst>
-                <a:gd fmla="val 158024" name="adj"/>
+                <a:gd name="adj" fmla="val 158024"/>
               </a:avLst>
             </a:prstGeom>
             <a:solidFill>
@@ -3674,12 +3720,12 @@
             </a:ln>
           </p:spPr>
           <p:txBody>
-            <a:bodyPr anchorCtr="0" anchor="ctr" bIns="91425" lIns="91425" spcFirstLastPara="1" rIns="91425" wrap="square" tIns="91425">
+            <a:bodyPr spcFirstLastPara="1" wrap="square" lIns="91425" tIns="91425" rIns="91425" bIns="91425" anchor="ctr" anchorCtr="0">
               <a:noAutofit/>
             </a:bodyPr>
             <a:lstStyle/>
             <a:p>
-              <a:pPr indent="0" lvl="0" marL="0" rtl="0" algn="l">
+              <a:pPr marL="0" lvl="0" indent="0" algn="l" rtl="0">
                 <a:spcBef>
                   <a:spcPts val="0"/>
                 </a:spcBef>
@@ -3688,9 +3734,6 @@
                 </a:spcAft>
                 <a:buNone/>
               </a:pPr>
-              <a:r>
-                <a:t/>
-              </a:r>
               <a:endParaRPr/>
             </a:p>
           </p:txBody>
@@ -3723,7 +3766,7 @@
             </a:xfrm>
             <a:prstGeom prst="parallelogram">
               <a:avLst>
-                <a:gd fmla="val 158024" name="adj"/>
+                <a:gd name="adj" fmla="val 158024"/>
               </a:avLst>
             </a:prstGeom>
             <a:solidFill>
@@ -3734,12 +3777,12 @@
             </a:ln>
           </p:spPr>
           <p:txBody>
-            <a:bodyPr anchorCtr="0" anchor="ctr" bIns="91425" lIns="91425" spcFirstLastPara="1" rIns="91425" wrap="square" tIns="91425">
+            <a:bodyPr spcFirstLastPara="1" wrap="square" lIns="91425" tIns="91425" rIns="91425" bIns="91425" anchor="ctr" anchorCtr="0">
               <a:noAutofit/>
             </a:bodyPr>
             <a:lstStyle/>
             <a:p>
-              <a:pPr indent="0" lvl="0" marL="0" rtl="0" algn="l">
+              <a:pPr marL="0" lvl="0" indent="0" algn="l" rtl="0">
                 <a:spcBef>
                   <a:spcPts val="0"/>
                 </a:spcBef>
@@ -3748,9 +3791,6 @@
                 </a:spcAft>
                 <a:buNone/>
               </a:pPr>
-              <a:r>
-                <a:t/>
-              </a:r>
               <a:endParaRPr/>
             </a:p>
           </p:txBody>
@@ -3768,7 +3808,7 @@
             </a:xfrm>
             <a:prstGeom prst="parallelogram">
               <a:avLst>
-                <a:gd fmla="val 158024" name="adj"/>
+                <a:gd name="adj" fmla="val 158024"/>
               </a:avLst>
             </a:prstGeom>
             <a:solidFill>
@@ -3779,12 +3819,12 @@
             </a:ln>
           </p:spPr>
           <p:txBody>
-            <a:bodyPr anchorCtr="0" anchor="ctr" bIns="91425" lIns="91425" spcFirstLastPara="1" rIns="91425" wrap="square" tIns="91425">
+            <a:bodyPr spcFirstLastPara="1" wrap="square" lIns="91425" tIns="91425" rIns="91425" bIns="91425" anchor="ctr" anchorCtr="0">
               <a:noAutofit/>
             </a:bodyPr>
             <a:lstStyle/>
             <a:p>
-              <a:pPr indent="0" lvl="0" marL="0" rtl="0" algn="l">
+              <a:pPr marL="0" lvl="0" indent="0" algn="l" rtl="0">
                 <a:spcBef>
                   <a:spcPts val="0"/>
                 </a:spcBef>
@@ -3793,9 +3833,6 @@
                 </a:spcAft>
                 <a:buNone/>
               </a:pPr>
-              <a:r>
-                <a:t/>
-              </a:r>
               <a:endParaRPr/>
             </a:p>
           </p:txBody>
@@ -3813,7 +3850,7 @@
             </a:xfrm>
             <a:prstGeom prst="parallelogram">
               <a:avLst>
-                <a:gd fmla="val 158024" name="adj"/>
+                <a:gd name="adj" fmla="val 158024"/>
               </a:avLst>
             </a:prstGeom>
             <a:solidFill>
@@ -3824,12 +3861,12 @@
             </a:ln>
           </p:spPr>
           <p:txBody>
-            <a:bodyPr anchorCtr="0" anchor="ctr" bIns="91425" lIns="91425" spcFirstLastPara="1" rIns="91425" wrap="square" tIns="91425">
+            <a:bodyPr spcFirstLastPara="1" wrap="square" lIns="91425" tIns="91425" rIns="91425" bIns="91425" anchor="ctr" anchorCtr="0">
               <a:noAutofit/>
             </a:bodyPr>
             <a:lstStyle/>
             <a:p>
-              <a:pPr indent="0" lvl="0" marL="0" rtl="0" algn="l">
+              <a:pPr marL="0" lvl="0" indent="0" algn="l" rtl="0">
                 <a:spcBef>
                   <a:spcPts val="0"/>
                 </a:spcBef>
@@ -3838,9 +3875,6 @@
                 </a:spcAft>
                 <a:buNone/>
               </a:pPr>
-              <a:r>
-                <a:t/>
-              </a:r>
               <a:endParaRPr/>
             </a:p>
           </p:txBody>
@@ -3849,9 +3883,11 @@
       <p:sp>
         <p:nvSpPr>
           <p:cNvPr id="119" name="Google Shape;119;p11"/>
-          <p:cNvSpPr txBox="1"/>
+          <p:cNvSpPr txBox="1">
+            <a:spLocks noGrp="1"/>
+          </p:cNvSpPr>
           <p:nvPr>
-            <p:ph hasCustomPrompt="1" type="title"/>
+            <p:ph type="title" hasCustomPrompt="1"/>
           </p:nvPr>
         </p:nvSpPr>
         <p:spPr>
@@ -3864,7 +3900,7 @@
           </a:prstGeom>
         </p:spPr>
         <p:txBody>
-          <a:bodyPr anchorCtr="0" anchor="ctr" bIns="91425" lIns="91425" spcFirstLastPara="1" rIns="91425" wrap="square" tIns="91425">
+          <a:bodyPr spcFirstLastPara="1" wrap="square" lIns="91425" tIns="91425" rIns="91425" bIns="91425" anchor="ctr" anchorCtr="0">
             <a:normAutofit/>
           </a:bodyPr>
           <a:lstStyle>
@@ -4041,9 +4077,11 @@
       <p:sp>
         <p:nvSpPr>
           <p:cNvPr id="120" name="Google Shape;120;p11"/>
-          <p:cNvSpPr txBox="1"/>
+          <p:cNvSpPr txBox="1">
+            <a:spLocks noGrp="1"/>
+          </p:cNvSpPr>
           <p:nvPr>
-            <p:ph idx="1" type="body"/>
+            <p:ph type="body" idx="1"/>
           </p:nvPr>
         </p:nvSpPr>
         <p:spPr>
@@ -4056,11 +4094,11 @@
           </a:prstGeom>
         </p:spPr>
         <p:txBody>
-          <a:bodyPr anchorCtr="0" anchor="t" bIns="91425" lIns="91425" spcFirstLastPara="1" rIns="91425" wrap="square" tIns="91425">
+          <a:bodyPr spcFirstLastPara="1" wrap="square" lIns="91425" tIns="91425" rIns="91425" bIns="91425" anchor="t" anchorCtr="0">
             <a:normAutofit/>
           </a:bodyPr>
           <a:lstStyle>
-            <a:lvl1pPr indent="-311150" lvl="0" marL="457200" algn="ctr">
+            <a:lvl1pPr marL="457200" lvl="0" indent="-311150" algn="ctr">
               <a:spcBef>
                 <a:spcPts val="0"/>
               </a:spcBef>
@@ -4071,7 +4109,7 @@
               <a:buChar char="●"/>
               <a:defRPr/>
             </a:lvl1pPr>
-            <a:lvl2pPr indent="-298450" lvl="1" marL="914400" algn="ctr">
+            <a:lvl2pPr marL="914400" lvl="1" indent="-298450" algn="ctr">
               <a:spcBef>
                 <a:spcPts val="0"/>
               </a:spcBef>
@@ -4082,7 +4120,7 @@
               <a:buChar char="○"/>
               <a:defRPr/>
             </a:lvl2pPr>
-            <a:lvl3pPr indent="-298450" lvl="2" marL="1371600" algn="ctr">
+            <a:lvl3pPr marL="1371600" lvl="2" indent="-298450" algn="ctr">
               <a:spcBef>
                 <a:spcPts val="0"/>
               </a:spcBef>
@@ -4093,7 +4131,7 @@
               <a:buChar char="■"/>
               <a:defRPr/>
             </a:lvl3pPr>
-            <a:lvl4pPr indent="-298450" lvl="3" marL="1828800" algn="ctr">
+            <a:lvl4pPr marL="1828800" lvl="3" indent="-298450" algn="ctr">
               <a:spcBef>
                 <a:spcPts val="0"/>
               </a:spcBef>
@@ -4104,7 +4142,7 @@
               <a:buChar char="●"/>
               <a:defRPr/>
             </a:lvl4pPr>
-            <a:lvl5pPr indent="-298450" lvl="4" marL="2286000" algn="ctr">
+            <a:lvl5pPr marL="2286000" lvl="4" indent="-298450" algn="ctr">
               <a:spcBef>
                 <a:spcPts val="0"/>
               </a:spcBef>
@@ -4115,7 +4153,7 @@
               <a:buChar char="○"/>
               <a:defRPr/>
             </a:lvl5pPr>
-            <a:lvl6pPr indent="-298450" lvl="5" marL="2743200" algn="ctr">
+            <a:lvl6pPr marL="2743200" lvl="5" indent="-298450" algn="ctr">
               <a:spcBef>
                 <a:spcPts val="0"/>
               </a:spcBef>
@@ -4126,7 +4164,7 @@
               <a:buChar char="■"/>
               <a:defRPr/>
             </a:lvl6pPr>
-            <a:lvl7pPr indent="-298450" lvl="6" marL="3200400" algn="ctr">
+            <a:lvl7pPr marL="3200400" lvl="6" indent="-298450" algn="ctr">
               <a:spcBef>
                 <a:spcPts val="0"/>
               </a:spcBef>
@@ -4137,7 +4175,7 @@
               <a:buChar char="●"/>
               <a:defRPr/>
             </a:lvl7pPr>
-            <a:lvl8pPr indent="-298450" lvl="7" marL="3657600" algn="ctr">
+            <a:lvl8pPr marL="3657600" lvl="7" indent="-298450" algn="ctr">
               <a:spcBef>
                 <a:spcPts val="0"/>
               </a:spcBef>
@@ -4148,7 +4186,7 @@
               <a:buChar char="○"/>
               <a:defRPr/>
             </a:lvl8pPr>
-            <a:lvl9pPr indent="-298450" lvl="8" marL="4114800" algn="ctr">
+            <a:lvl9pPr marL="4114800" lvl="8" indent="-298450" algn="ctr">
               <a:spcBef>
                 <a:spcPts val="0"/>
               </a:spcBef>
@@ -4160,15 +4198,19 @@
               <a:defRPr/>
             </a:lvl9pPr>
           </a:lstStyle>
-          <a:p/>
+          <a:p>
+            <a:endParaRPr/>
+          </a:p>
         </p:txBody>
       </p:sp>
       <p:sp>
         <p:nvSpPr>
           <p:cNvPr id="121" name="Google Shape;121;p11"/>
-          <p:cNvSpPr txBox="1"/>
+          <p:cNvSpPr txBox="1">
+            <a:spLocks noGrp="1"/>
+          </p:cNvSpPr>
           <p:nvPr>
-            <p:ph idx="12" type="sldNum"/>
+            <p:ph type="sldNum" idx="12"/>
           </p:nvPr>
         </p:nvSpPr>
         <p:spPr>
@@ -4181,7 +4223,7 @@
           </a:prstGeom>
         </p:spPr>
         <p:txBody>
-          <a:bodyPr anchorCtr="0" anchor="ctr" bIns="91425" lIns="91425" spcFirstLastPara="1" rIns="91425" wrap="square" tIns="91425">
+          <a:bodyPr spcFirstLastPara="1" wrap="square" lIns="91425" tIns="91425" rIns="91425" bIns="91425" anchor="ctr" anchorCtr="0">
             <a:normAutofit/>
           </a:bodyPr>
           <a:lstStyle>
@@ -4223,7 +4265,7 @@
             </a:lvl9pPr>
           </a:lstStyle>
           <a:p>
-            <a:pPr indent="0" lvl="0" marL="0" rtl="0" algn="r">
+            <a:pPr marL="0" lvl="0" indent="0" algn="r" rtl="0">
               <a:spcBef>
                 <a:spcPts val="0"/>
               </a:spcBef>
@@ -4249,11 +4291,11 @@
 </file>
 
 <file path=ppt/slideLayouts/slideLayout11.xml><?xml version="1.0" encoding="utf-8"?>
-<p:sldLayout xmlns:a="http://schemas.openxmlformats.org/drawingml/2006/main" xmlns:r="http://schemas.openxmlformats.org/officeDocument/2006/relationships" xmlns:mc="http://schemas.openxmlformats.org/markup-compatibility/2006" xmlns:mv="urn:schemas-microsoft-com:mac:vml" xmlns:p="http://schemas.openxmlformats.org/presentationml/2006/main" xmlns:c="http://schemas.openxmlformats.org/drawingml/2006/chart" xmlns:dgm="http://schemas.openxmlformats.org/drawingml/2006/diagram" xmlns:o="urn:schemas-microsoft-com:office:office" xmlns:v="urn:schemas-microsoft-com:vml" xmlns:pvml="urn:schemas-microsoft-com:office:powerpoint" xmlns:com="http://schemas.openxmlformats.org/drawingml/2006/compatibility" xmlns:p14="http://schemas.microsoft.com/office/powerpoint/2010/main" xmlns:p15="http://schemas.microsoft.com/office/powerpoint/2012/main" xmlns:ahyp="http://schemas.microsoft.com/office/drawing/2018/hyperlinkcolor" matchingName="Blank" type="blank">
+<p:sldLayout xmlns:a="http://schemas.openxmlformats.org/drawingml/2006/main" xmlns:r="http://schemas.openxmlformats.org/officeDocument/2006/relationships" xmlns:p="http://schemas.openxmlformats.org/presentationml/2006/main" matchingName="Blank" type="blank">
   <p:cSld name="BLANK">
     <p:spTree>
       <p:nvGrpSpPr>
-        <p:cNvPr id="122" name="Shape 122"/>
+        <p:cNvPr id="1" name="Shape 122"/>
         <p:cNvGrpSpPr/>
         <p:nvPr/>
       </p:nvGrpSpPr>
@@ -4268,9 +4310,11 @@
       <p:sp>
         <p:nvSpPr>
           <p:cNvPr id="123" name="Google Shape;123;p12"/>
-          <p:cNvSpPr txBox="1"/>
+          <p:cNvSpPr txBox="1">
+            <a:spLocks noGrp="1"/>
+          </p:cNvSpPr>
           <p:nvPr>
-            <p:ph idx="12" type="sldNum"/>
+            <p:ph type="sldNum" idx="12"/>
           </p:nvPr>
         </p:nvSpPr>
         <p:spPr>
@@ -4283,7 +4327,7 @@
           </a:prstGeom>
         </p:spPr>
         <p:txBody>
-          <a:bodyPr anchorCtr="0" anchor="ctr" bIns="91425" lIns="91425" spcFirstLastPara="1" rIns="91425" wrap="square" tIns="91425">
+          <a:bodyPr spcFirstLastPara="1" wrap="square" lIns="91425" tIns="91425" rIns="91425" bIns="91425" anchor="ctr" anchorCtr="0">
             <a:normAutofit/>
           </a:bodyPr>
           <a:lstStyle>
@@ -4325,7 +4369,7 @@
             </a:lvl9pPr>
           </a:lstStyle>
           <a:p>
-            <a:pPr indent="0" lvl="0" marL="0" rtl="0" algn="r">
+            <a:pPr marL="0" lvl="0" indent="0" algn="r" rtl="0">
               <a:spcBef>
                 <a:spcPts val="0"/>
               </a:spcBef>
@@ -4351,18 +4395,19 @@
 </file>
 
 <file path=ppt/slideLayouts/slideLayout2.xml><?xml version="1.0" encoding="utf-8"?>
-<p:sldLayout xmlns:a="http://schemas.openxmlformats.org/drawingml/2006/main" xmlns:r="http://schemas.openxmlformats.org/officeDocument/2006/relationships" xmlns:mc="http://schemas.openxmlformats.org/markup-compatibility/2006" xmlns:mv="urn:schemas-microsoft-com:mac:vml" xmlns:p="http://schemas.openxmlformats.org/presentationml/2006/main" xmlns:c="http://schemas.openxmlformats.org/drawingml/2006/chart" xmlns:dgm="http://schemas.openxmlformats.org/drawingml/2006/diagram" xmlns:o="urn:schemas-microsoft-com:office:office" xmlns:v="urn:schemas-microsoft-com:vml" xmlns:pvml="urn:schemas-microsoft-com:office:powerpoint" xmlns:com="http://schemas.openxmlformats.org/drawingml/2006/compatibility" xmlns:p14="http://schemas.microsoft.com/office/powerpoint/2010/main" xmlns:p15="http://schemas.microsoft.com/office/powerpoint/2012/main" xmlns:ahyp="http://schemas.microsoft.com/office/drawing/2018/hyperlinkcolor" matchingName="Section header" type="secHead">
+<p:sldLayout xmlns:a="http://schemas.openxmlformats.org/drawingml/2006/main" xmlns:r="http://schemas.openxmlformats.org/officeDocument/2006/relationships" xmlns:p="http://schemas.openxmlformats.org/presentationml/2006/main" matchingName="Section header" type="secHead">
   <p:cSld name="SECTION_HEADER">
     <p:bg>
       <p:bgPr>
         <a:solidFill>
           <a:schemeClr val="accent3"/>
         </a:solidFill>
+        <a:effectLst/>
       </p:bgPr>
     </p:bg>
     <p:spTree>
       <p:nvGrpSpPr>
-        <p:cNvPr id="37" name="Shape 37"/>
+        <p:cNvPr id="1" name="Shape 37"/>
         <p:cNvGrpSpPr/>
         <p:nvPr/>
       </p:nvGrpSpPr>
@@ -4396,12 +4441,12 @@
           </a:ln>
         </p:spPr>
         <p:txBody>
-          <a:bodyPr anchorCtr="0" anchor="ctr" bIns="91425" lIns="91425" spcFirstLastPara="1" rIns="91425" wrap="square" tIns="91425">
+          <a:bodyPr spcFirstLastPara="1" wrap="square" lIns="91425" tIns="91425" rIns="91425" bIns="91425" anchor="ctr" anchorCtr="0">
             <a:noAutofit/>
           </a:bodyPr>
           <a:lstStyle/>
           <a:p>
-            <a:pPr indent="0" lvl="0" marL="0" rtl="0" algn="l">
+            <a:pPr marL="0" lvl="0" indent="0" algn="l" rtl="0">
               <a:spcBef>
                 <a:spcPts val="0"/>
               </a:spcBef>
@@ -4410,9 +4455,6 @@
               </a:spcAft>
               <a:buNone/>
             </a:pPr>
-            <a:r>
-              <a:t/>
-            </a:r>
             <a:endParaRPr/>
           </a:p>
         </p:txBody>
@@ -4444,7 +4486,7 @@
             </a:xfrm>
             <a:prstGeom prst="parallelogram">
               <a:avLst>
-                <a:gd fmla="val 158024" name="adj"/>
+                <a:gd name="adj" fmla="val 158024"/>
               </a:avLst>
             </a:prstGeom>
             <a:solidFill>
@@ -4455,12 +4497,12 @@
             </a:ln>
           </p:spPr>
           <p:txBody>
-            <a:bodyPr anchorCtr="0" anchor="ctr" bIns="91425" lIns="91425" spcFirstLastPara="1" rIns="91425" wrap="square" tIns="91425">
+            <a:bodyPr spcFirstLastPara="1" wrap="square" lIns="91425" tIns="91425" rIns="91425" bIns="91425" anchor="ctr" anchorCtr="0">
               <a:noAutofit/>
             </a:bodyPr>
             <a:lstStyle/>
             <a:p>
-              <a:pPr indent="0" lvl="0" marL="0" rtl="0" algn="l">
+              <a:pPr marL="0" lvl="0" indent="0" algn="l" rtl="0">
                 <a:spcBef>
                   <a:spcPts val="0"/>
                 </a:spcBef>
@@ -4469,9 +4511,6 @@
                 </a:spcAft>
                 <a:buNone/>
               </a:pPr>
-              <a:r>
-                <a:t/>
-              </a:r>
               <a:endParaRPr/>
             </a:p>
           </p:txBody>
@@ -4489,7 +4528,7 @@
             </a:xfrm>
             <a:prstGeom prst="parallelogram">
               <a:avLst>
-                <a:gd fmla="val 158024" name="adj"/>
+                <a:gd name="adj" fmla="val 158024"/>
               </a:avLst>
             </a:prstGeom>
             <a:solidFill>
@@ -4500,12 +4539,12 @@
             </a:ln>
           </p:spPr>
           <p:txBody>
-            <a:bodyPr anchorCtr="0" anchor="ctr" bIns="91425" lIns="91425" spcFirstLastPara="1" rIns="91425" wrap="square" tIns="91425">
+            <a:bodyPr spcFirstLastPara="1" wrap="square" lIns="91425" tIns="91425" rIns="91425" bIns="91425" anchor="ctr" anchorCtr="0">
               <a:noAutofit/>
             </a:bodyPr>
             <a:lstStyle/>
             <a:p>
-              <a:pPr indent="0" lvl="0" marL="0" rtl="0" algn="l">
+              <a:pPr marL="0" lvl="0" indent="0" algn="l" rtl="0">
                 <a:spcBef>
                   <a:spcPts val="0"/>
                 </a:spcBef>
@@ -4514,9 +4553,6 @@
                 </a:spcAft>
                 <a:buNone/>
               </a:pPr>
-              <a:r>
-                <a:t/>
-              </a:r>
               <a:endParaRPr/>
             </a:p>
           </p:txBody>
@@ -4534,7 +4570,7 @@
             </a:xfrm>
             <a:prstGeom prst="parallelogram">
               <a:avLst>
-                <a:gd fmla="val 158024" name="adj"/>
+                <a:gd name="adj" fmla="val 158024"/>
               </a:avLst>
             </a:prstGeom>
             <a:solidFill>
@@ -4545,12 +4581,12 @@
             </a:ln>
           </p:spPr>
           <p:txBody>
-            <a:bodyPr anchorCtr="0" anchor="ctr" bIns="91425" lIns="91425" spcFirstLastPara="1" rIns="91425" wrap="square" tIns="91425">
+            <a:bodyPr spcFirstLastPara="1" wrap="square" lIns="91425" tIns="91425" rIns="91425" bIns="91425" anchor="ctr" anchorCtr="0">
               <a:noAutofit/>
             </a:bodyPr>
             <a:lstStyle/>
             <a:p>
-              <a:pPr indent="0" lvl="0" marL="0" rtl="0" algn="l">
+              <a:pPr marL="0" lvl="0" indent="0" algn="l" rtl="0">
                 <a:spcBef>
                   <a:spcPts val="0"/>
                 </a:spcBef>
@@ -4559,9 +4595,6 @@
                 </a:spcAft>
                 <a:buNone/>
               </a:pPr>
-              <a:r>
-                <a:t/>
-              </a:r>
               <a:endParaRPr/>
             </a:p>
           </p:txBody>
@@ -4594,7 +4627,7 @@
             </a:xfrm>
             <a:prstGeom prst="parallelogram">
               <a:avLst>
-                <a:gd fmla="val 158024" name="adj"/>
+                <a:gd name="adj" fmla="val 158024"/>
               </a:avLst>
             </a:prstGeom>
             <a:solidFill>
@@ -4605,12 +4638,12 @@
             </a:ln>
           </p:spPr>
           <p:txBody>
-            <a:bodyPr anchorCtr="0" anchor="ctr" bIns="91425" lIns="91425" spcFirstLastPara="1" rIns="91425" wrap="square" tIns="91425">
+            <a:bodyPr spcFirstLastPara="1" wrap="square" lIns="91425" tIns="91425" rIns="91425" bIns="91425" anchor="ctr" anchorCtr="0">
               <a:noAutofit/>
             </a:bodyPr>
             <a:lstStyle/>
             <a:p>
-              <a:pPr indent="0" lvl="0" marL="0" rtl="0" algn="l">
+              <a:pPr marL="0" lvl="0" indent="0" algn="l" rtl="0">
                 <a:spcBef>
                   <a:spcPts val="0"/>
                 </a:spcBef>
@@ -4619,9 +4652,6 @@
                 </a:spcAft>
                 <a:buNone/>
               </a:pPr>
-              <a:r>
-                <a:t/>
-              </a:r>
               <a:endParaRPr/>
             </a:p>
           </p:txBody>
@@ -4639,7 +4669,7 @@
             </a:xfrm>
             <a:prstGeom prst="parallelogram">
               <a:avLst>
-                <a:gd fmla="val 158024" name="adj"/>
+                <a:gd name="adj" fmla="val 158024"/>
               </a:avLst>
             </a:prstGeom>
             <a:solidFill>
@@ -4650,12 +4680,12 @@
             </a:ln>
           </p:spPr>
           <p:txBody>
-            <a:bodyPr anchorCtr="0" anchor="ctr" bIns="91425" lIns="91425" spcFirstLastPara="1" rIns="91425" wrap="square" tIns="91425">
+            <a:bodyPr spcFirstLastPara="1" wrap="square" lIns="91425" tIns="91425" rIns="91425" bIns="91425" anchor="ctr" anchorCtr="0">
               <a:noAutofit/>
             </a:bodyPr>
             <a:lstStyle/>
             <a:p>
-              <a:pPr indent="0" lvl="0" marL="0" rtl="0" algn="l">
+              <a:pPr marL="0" lvl="0" indent="0" algn="l" rtl="0">
                 <a:spcBef>
                   <a:spcPts val="0"/>
                 </a:spcBef>
@@ -4664,9 +4694,6 @@
                 </a:spcAft>
                 <a:buNone/>
               </a:pPr>
-              <a:r>
-                <a:t/>
-              </a:r>
               <a:endParaRPr/>
             </a:p>
           </p:txBody>
@@ -4684,7 +4711,7 @@
             </a:xfrm>
             <a:prstGeom prst="parallelogram">
               <a:avLst>
-                <a:gd fmla="val 158024" name="adj"/>
+                <a:gd name="adj" fmla="val 158024"/>
               </a:avLst>
             </a:prstGeom>
             <a:solidFill>
@@ -4695,12 +4722,12 @@
             </a:ln>
           </p:spPr>
           <p:txBody>
-            <a:bodyPr anchorCtr="0" anchor="ctr" bIns="91425" lIns="91425" spcFirstLastPara="1" rIns="91425" wrap="square" tIns="91425">
+            <a:bodyPr spcFirstLastPara="1" wrap="square" lIns="91425" tIns="91425" rIns="91425" bIns="91425" anchor="ctr" anchorCtr="0">
               <a:noAutofit/>
             </a:bodyPr>
             <a:lstStyle/>
             <a:p>
-              <a:pPr indent="0" lvl="0" marL="0" rtl="0" algn="l">
+              <a:pPr marL="0" lvl="0" indent="0" algn="l" rtl="0">
                 <a:spcBef>
                   <a:spcPts val="0"/>
                 </a:spcBef>
@@ -4709,9 +4736,6 @@
                 </a:spcAft>
                 <a:buNone/>
               </a:pPr>
-              <a:r>
-                <a:t/>
-              </a:r>
               <a:endParaRPr/>
             </a:p>
           </p:txBody>
@@ -4720,7 +4744,9 @@
       <p:sp>
         <p:nvSpPr>
           <p:cNvPr id="47" name="Google Shape;47;p3"/>
-          <p:cNvSpPr txBox="1"/>
+          <p:cNvSpPr txBox="1">
+            <a:spLocks noGrp="1"/>
+          </p:cNvSpPr>
           <p:nvPr>
             <p:ph type="title"/>
           </p:nvPr>
@@ -4735,7 +4761,7 @@
           </a:prstGeom>
         </p:spPr>
         <p:txBody>
-          <a:bodyPr anchorCtr="0" anchor="ctr" bIns="91425" lIns="91425" spcFirstLastPara="1" rIns="91425" wrap="square" tIns="91425">
+          <a:bodyPr spcFirstLastPara="1" wrap="square" lIns="91425" tIns="91425" rIns="91425" bIns="91425" anchor="ctr" anchorCtr="0">
             <a:normAutofit/>
           </a:bodyPr>
           <a:lstStyle>
@@ -4902,15 +4928,19 @@
               </a:defRPr>
             </a:lvl9pPr>
           </a:lstStyle>
-          <a:p/>
+          <a:p>
+            <a:endParaRPr/>
+          </a:p>
         </p:txBody>
       </p:sp>
       <p:sp>
         <p:nvSpPr>
           <p:cNvPr id="48" name="Google Shape;48;p3"/>
-          <p:cNvSpPr txBox="1"/>
+          <p:cNvSpPr txBox="1">
+            <a:spLocks noGrp="1"/>
+          </p:cNvSpPr>
           <p:nvPr>
-            <p:ph idx="12" type="sldNum"/>
+            <p:ph type="sldNum" idx="12"/>
           </p:nvPr>
         </p:nvSpPr>
         <p:spPr>
@@ -4923,7 +4953,7 @@
           </a:prstGeom>
         </p:spPr>
         <p:txBody>
-          <a:bodyPr anchorCtr="0" anchor="ctr" bIns="91425" lIns="91425" spcFirstLastPara="1" rIns="91425" wrap="square" tIns="91425">
+          <a:bodyPr spcFirstLastPara="1" wrap="square" lIns="91425" tIns="91425" rIns="91425" bIns="91425" anchor="ctr" anchorCtr="0">
             <a:normAutofit/>
           </a:bodyPr>
           <a:lstStyle>
@@ -4965,7 +4995,7 @@
             </a:lvl9pPr>
           </a:lstStyle>
           <a:p>
-            <a:pPr indent="0" lvl="0" marL="0" rtl="0" algn="r">
+            <a:pPr marL="0" lvl="0" indent="0" algn="r" rtl="0">
               <a:spcBef>
                 <a:spcPts val="0"/>
               </a:spcBef>
@@ -4991,18 +5021,19 @@
 </file>
 
 <file path=ppt/slideLayouts/slideLayout3.xml><?xml version="1.0" encoding="utf-8"?>
-<p:sldLayout xmlns:a="http://schemas.openxmlformats.org/drawingml/2006/main" xmlns:r="http://schemas.openxmlformats.org/officeDocument/2006/relationships" xmlns:mc="http://schemas.openxmlformats.org/markup-compatibility/2006" xmlns:mv="urn:schemas-microsoft-com:mac:vml" xmlns:p="http://schemas.openxmlformats.org/presentationml/2006/main" xmlns:c="http://schemas.openxmlformats.org/drawingml/2006/chart" xmlns:dgm="http://schemas.openxmlformats.org/drawingml/2006/diagram" xmlns:o="urn:schemas-microsoft-com:office:office" xmlns:v="urn:schemas-microsoft-com:vml" xmlns:pvml="urn:schemas-microsoft-com:office:powerpoint" xmlns:com="http://schemas.openxmlformats.org/drawingml/2006/compatibility" xmlns:p14="http://schemas.microsoft.com/office/powerpoint/2010/main" xmlns:p15="http://schemas.microsoft.com/office/powerpoint/2012/main" xmlns:ahyp="http://schemas.microsoft.com/office/drawing/2018/hyperlinkcolor" matchingName="Title and body" type="tx">
+<p:sldLayout xmlns:a="http://schemas.openxmlformats.org/drawingml/2006/main" xmlns:r="http://schemas.openxmlformats.org/officeDocument/2006/relationships" xmlns:p="http://schemas.openxmlformats.org/presentationml/2006/main" matchingName="Title and body" type="tx">
   <p:cSld name="TITLE_AND_BODY">
     <p:bg>
       <p:bgPr>
         <a:solidFill>
           <a:schemeClr val="dk2"/>
         </a:solidFill>
+        <a:effectLst/>
       </p:bgPr>
     </p:bg>
     <p:spTree>
       <p:nvGrpSpPr>
-        <p:cNvPr id="49" name="Shape 49"/>
+        <p:cNvPr id="1" name="Shape 49"/>
         <p:cNvGrpSpPr/>
         <p:nvPr/>
       </p:nvGrpSpPr>
@@ -5036,12 +5067,12 @@
           </a:ln>
         </p:spPr>
         <p:txBody>
-          <a:bodyPr anchorCtr="0" anchor="ctr" bIns="91425" lIns="91425" spcFirstLastPara="1" rIns="91425" wrap="square" tIns="91425">
+          <a:bodyPr spcFirstLastPara="1" wrap="square" lIns="91425" tIns="91425" rIns="91425" bIns="91425" anchor="ctr" anchorCtr="0">
             <a:noAutofit/>
           </a:bodyPr>
           <a:lstStyle/>
           <a:p>
-            <a:pPr indent="0" lvl="0" marL="0" rtl="0" algn="l">
+            <a:pPr marL="0" lvl="0" indent="0" algn="l" rtl="0">
               <a:spcBef>
                 <a:spcPts val="0"/>
               </a:spcBef>
@@ -5050,9 +5081,6 @@
               </a:spcAft>
               <a:buNone/>
             </a:pPr>
-            <a:r>
-              <a:t/>
-            </a:r>
             <a:endParaRPr/>
           </a:p>
         </p:txBody>
@@ -5079,12 +5107,12 @@
           </a:ln>
         </p:spPr>
         <p:txBody>
-          <a:bodyPr anchorCtr="0" anchor="ctr" bIns="91425" lIns="91425" spcFirstLastPara="1" rIns="91425" wrap="square" tIns="91425">
+          <a:bodyPr spcFirstLastPara="1" wrap="square" lIns="91425" tIns="91425" rIns="91425" bIns="91425" anchor="ctr" anchorCtr="0">
             <a:noAutofit/>
           </a:bodyPr>
           <a:lstStyle/>
           <a:p>
-            <a:pPr indent="0" lvl="0" marL="0" rtl="0" algn="l">
+            <a:pPr marL="0" lvl="0" indent="0" algn="l" rtl="0">
               <a:spcBef>
                 <a:spcPts val="0"/>
               </a:spcBef>
@@ -5093,9 +5121,6 @@
               </a:spcAft>
               <a:buNone/>
             </a:pPr>
-            <a:r>
-              <a:t/>
-            </a:r>
             <a:endParaRPr/>
           </a:p>
         </p:txBody>
@@ -5121,7 +5146,7 @@
             <a:noFill/>
           </a:ln>
           <a:effectLst>
-            <a:outerShdw blurRad="228600" sx="101000" rotWithShape="0" algn="ctr" sy="101000">
+            <a:outerShdw blurRad="228600" sx="101000" sy="101000" algn="ctr" rotWithShape="0">
               <a:srgbClr val="000000">
                 <a:alpha val="40000"/>
               </a:srgbClr>
@@ -5129,12 +5154,12 @@
           </a:effectLst>
         </p:spPr>
         <p:txBody>
-          <a:bodyPr anchorCtr="0" anchor="ctr" bIns="91425" lIns="91425" spcFirstLastPara="1" rIns="91425" wrap="square" tIns="91425">
+          <a:bodyPr spcFirstLastPara="1" wrap="square" lIns="91425" tIns="91425" rIns="91425" bIns="91425" anchor="ctr" anchorCtr="0">
             <a:noAutofit/>
           </a:bodyPr>
           <a:lstStyle/>
           <a:p>
-            <a:pPr indent="0" lvl="0" marL="0" rtl="0" algn="l">
+            <a:pPr marL="0" lvl="0" indent="0" algn="l" rtl="0">
               <a:spcBef>
                 <a:spcPts val="0"/>
               </a:spcBef>
@@ -5143,9 +5168,6 @@
               </a:spcAft>
               <a:buNone/>
             </a:pPr>
-            <a:r>
-              <a:t/>
-            </a:r>
             <a:endParaRPr/>
           </a:p>
         </p:txBody>
@@ -5153,7 +5175,9 @@
       <p:sp>
         <p:nvSpPr>
           <p:cNvPr id="53" name="Google Shape;53;p4"/>
-          <p:cNvSpPr txBox="1"/>
+          <p:cNvSpPr txBox="1">
+            <a:spLocks noGrp="1"/>
+          </p:cNvSpPr>
           <p:nvPr>
             <p:ph type="title"/>
           </p:nvPr>
@@ -5168,7 +5192,7 @@
           </a:prstGeom>
         </p:spPr>
         <p:txBody>
-          <a:bodyPr anchorCtr="0" anchor="t" bIns="91425" lIns="91425" spcFirstLastPara="1" rIns="91425" wrap="square" tIns="91425">
+          <a:bodyPr spcFirstLastPara="1" wrap="square" lIns="91425" tIns="91425" rIns="91425" bIns="91425" anchor="t" anchorCtr="0">
             <a:normAutofit/>
           </a:bodyPr>
           <a:lstStyle>
@@ -5272,15 +5296,19 @@
               <a:defRPr sz="3000"/>
             </a:lvl9pPr>
           </a:lstStyle>
-          <a:p/>
+          <a:p>
+            <a:endParaRPr/>
+          </a:p>
         </p:txBody>
       </p:sp>
       <p:sp>
         <p:nvSpPr>
           <p:cNvPr id="54" name="Google Shape;54;p4"/>
-          <p:cNvSpPr txBox="1"/>
+          <p:cNvSpPr txBox="1">
+            <a:spLocks noGrp="1"/>
+          </p:cNvSpPr>
           <p:nvPr>
-            <p:ph idx="1" type="body"/>
+            <p:ph type="body" idx="1"/>
           </p:nvPr>
         </p:nvSpPr>
         <p:spPr>
@@ -5293,11 +5321,11 @@
           </a:prstGeom>
         </p:spPr>
         <p:txBody>
-          <a:bodyPr anchorCtr="0" anchor="t" bIns="91425" lIns="91425" spcFirstLastPara="1" rIns="91425" wrap="square" tIns="91425">
+          <a:bodyPr spcFirstLastPara="1" wrap="square" lIns="91425" tIns="91425" rIns="91425" bIns="91425" anchor="t" anchorCtr="0">
             <a:normAutofit/>
           </a:bodyPr>
           <a:lstStyle>
-            <a:lvl1pPr indent="-311150" lvl="0" marL="457200">
+            <a:lvl1pPr marL="457200" lvl="0" indent="-311150">
               <a:spcBef>
                 <a:spcPts val="0"/>
               </a:spcBef>
@@ -5308,7 +5336,7 @@
               <a:buChar char="●"/>
               <a:defRPr/>
             </a:lvl1pPr>
-            <a:lvl2pPr indent="-298450" lvl="1" marL="914400">
+            <a:lvl2pPr marL="914400" lvl="1" indent="-298450">
               <a:spcBef>
                 <a:spcPts val="0"/>
               </a:spcBef>
@@ -5319,7 +5347,7 @@
               <a:buChar char="○"/>
               <a:defRPr/>
             </a:lvl2pPr>
-            <a:lvl3pPr indent="-298450" lvl="2" marL="1371600">
+            <a:lvl3pPr marL="1371600" lvl="2" indent="-298450">
               <a:spcBef>
                 <a:spcPts val="0"/>
               </a:spcBef>
@@ -5330,7 +5358,7 @@
               <a:buChar char="■"/>
               <a:defRPr/>
             </a:lvl3pPr>
-            <a:lvl4pPr indent="-298450" lvl="3" marL="1828800">
+            <a:lvl4pPr marL="1828800" lvl="3" indent="-298450">
               <a:spcBef>
                 <a:spcPts val="0"/>
               </a:spcBef>
@@ -5341,7 +5369,7 @@
               <a:buChar char="●"/>
               <a:defRPr/>
             </a:lvl4pPr>
-            <a:lvl5pPr indent="-298450" lvl="4" marL="2286000">
+            <a:lvl5pPr marL="2286000" lvl="4" indent="-298450">
               <a:spcBef>
                 <a:spcPts val="0"/>
               </a:spcBef>
@@ -5352,7 +5380,7 @@
               <a:buChar char="○"/>
               <a:defRPr/>
             </a:lvl5pPr>
-            <a:lvl6pPr indent="-298450" lvl="5" marL="2743200">
+            <a:lvl6pPr marL="2743200" lvl="5" indent="-298450">
               <a:spcBef>
                 <a:spcPts val="0"/>
               </a:spcBef>
@@ -5363,7 +5391,7 @@
               <a:buChar char="■"/>
               <a:defRPr/>
             </a:lvl6pPr>
-            <a:lvl7pPr indent="-298450" lvl="6" marL="3200400">
+            <a:lvl7pPr marL="3200400" lvl="6" indent="-298450">
               <a:spcBef>
                 <a:spcPts val="0"/>
               </a:spcBef>
@@ -5374,7 +5402,7 @@
               <a:buChar char="●"/>
               <a:defRPr/>
             </a:lvl7pPr>
-            <a:lvl8pPr indent="-298450" lvl="7" marL="3657600">
+            <a:lvl8pPr marL="3657600" lvl="7" indent="-298450">
               <a:spcBef>
                 <a:spcPts val="0"/>
               </a:spcBef>
@@ -5385,7 +5413,7 @@
               <a:buChar char="○"/>
               <a:defRPr/>
             </a:lvl8pPr>
-            <a:lvl9pPr indent="-298450" lvl="8" marL="4114800">
+            <a:lvl9pPr marL="4114800" lvl="8" indent="-298450">
               <a:spcBef>
                 <a:spcPts val="0"/>
               </a:spcBef>
@@ -5397,15 +5425,19 @@
               <a:defRPr/>
             </a:lvl9pPr>
           </a:lstStyle>
-          <a:p/>
+          <a:p>
+            <a:endParaRPr/>
+          </a:p>
         </p:txBody>
       </p:sp>
       <p:sp>
         <p:nvSpPr>
           <p:cNvPr id="55" name="Google Shape;55;p4"/>
-          <p:cNvSpPr txBox="1"/>
+          <p:cNvSpPr txBox="1">
+            <a:spLocks noGrp="1"/>
+          </p:cNvSpPr>
           <p:nvPr>
-            <p:ph idx="12" type="sldNum"/>
+            <p:ph type="sldNum" idx="12"/>
           </p:nvPr>
         </p:nvSpPr>
         <p:spPr>
@@ -5418,7 +5450,7 @@
           </a:prstGeom>
         </p:spPr>
         <p:txBody>
-          <a:bodyPr anchorCtr="0" anchor="ctr" bIns="91425" lIns="91425" spcFirstLastPara="1" rIns="91425" wrap="square" tIns="91425">
+          <a:bodyPr spcFirstLastPara="1" wrap="square" lIns="91425" tIns="91425" rIns="91425" bIns="91425" anchor="ctr" anchorCtr="0">
             <a:normAutofit/>
           </a:bodyPr>
           <a:lstStyle>
@@ -5460,7 +5492,7 @@
             </a:lvl9pPr>
           </a:lstStyle>
           <a:p>
-            <a:pPr indent="0" lvl="0" marL="0" rtl="0" algn="r">
+            <a:pPr marL="0" lvl="0" indent="0" algn="r" rtl="0">
               <a:spcBef>
                 <a:spcPts val="0"/>
               </a:spcBef>
@@ -5486,18 +5518,19 @@
 </file>
 
 <file path=ppt/slideLayouts/slideLayout4.xml><?xml version="1.0" encoding="utf-8"?>
-<p:sldLayout xmlns:a="http://schemas.openxmlformats.org/drawingml/2006/main" xmlns:r="http://schemas.openxmlformats.org/officeDocument/2006/relationships" xmlns:mc="http://schemas.openxmlformats.org/markup-compatibility/2006" xmlns:mv="urn:schemas-microsoft-com:mac:vml" xmlns:p="http://schemas.openxmlformats.org/presentationml/2006/main" xmlns:c="http://schemas.openxmlformats.org/drawingml/2006/chart" xmlns:dgm="http://schemas.openxmlformats.org/drawingml/2006/diagram" xmlns:o="urn:schemas-microsoft-com:office:office" xmlns:v="urn:schemas-microsoft-com:vml" xmlns:pvml="urn:schemas-microsoft-com:office:powerpoint" xmlns:com="http://schemas.openxmlformats.org/drawingml/2006/compatibility" xmlns:p14="http://schemas.microsoft.com/office/powerpoint/2010/main" xmlns:p15="http://schemas.microsoft.com/office/powerpoint/2012/main" xmlns:ahyp="http://schemas.microsoft.com/office/drawing/2018/hyperlinkcolor" matchingName="Title and two columns" type="twoColTx">
+<p:sldLayout xmlns:a="http://schemas.openxmlformats.org/drawingml/2006/main" xmlns:r="http://schemas.openxmlformats.org/officeDocument/2006/relationships" xmlns:p="http://schemas.openxmlformats.org/presentationml/2006/main" matchingName="Title and two columns" type="twoColTx">
   <p:cSld name="TITLE_AND_TWO_COLUMNS">
     <p:bg>
       <p:bgPr>
         <a:solidFill>
           <a:schemeClr val="dk2"/>
         </a:solidFill>
+        <a:effectLst/>
       </p:bgPr>
     </p:bg>
     <p:spTree>
       <p:nvGrpSpPr>
-        <p:cNvPr id="56" name="Shape 56"/>
+        <p:cNvPr id="1" name="Shape 56"/>
         <p:cNvGrpSpPr/>
         <p:nvPr/>
       </p:nvGrpSpPr>
@@ -5531,12 +5564,12 @@
           </a:ln>
         </p:spPr>
         <p:txBody>
-          <a:bodyPr anchorCtr="0" anchor="ctr" bIns="91425" lIns="91425" spcFirstLastPara="1" rIns="91425" wrap="square" tIns="91425">
+          <a:bodyPr spcFirstLastPara="1" wrap="square" lIns="91425" tIns="91425" rIns="91425" bIns="91425" anchor="ctr" anchorCtr="0">
             <a:noAutofit/>
           </a:bodyPr>
           <a:lstStyle/>
           <a:p>
-            <a:pPr indent="0" lvl="0" marL="0" rtl="0" algn="l">
+            <a:pPr marL="0" lvl="0" indent="0" algn="l" rtl="0">
               <a:spcBef>
                 <a:spcPts val="0"/>
               </a:spcBef>
@@ -5545,9 +5578,6 @@
               </a:spcAft>
               <a:buNone/>
             </a:pPr>
-            <a:r>
-              <a:t/>
-            </a:r>
             <a:endParaRPr/>
           </a:p>
         </p:txBody>
@@ -5574,12 +5604,12 @@
           </a:ln>
         </p:spPr>
         <p:txBody>
-          <a:bodyPr anchorCtr="0" anchor="ctr" bIns="91425" lIns="91425" spcFirstLastPara="1" rIns="91425" wrap="square" tIns="91425">
+          <a:bodyPr spcFirstLastPara="1" wrap="square" lIns="91425" tIns="91425" rIns="91425" bIns="91425" anchor="ctr" anchorCtr="0">
             <a:noAutofit/>
           </a:bodyPr>
           <a:lstStyle/>
           <a:p>
-            <a:pPr indent="0" lvl="0" marL="0" rtl="0" algn="l">
+            <a:pPr marL="0" lvl="0" indent="0" algn="l" rtl="0">
               <a:spcBef>
                 <a:spcPts val="0"/>
               </a:spcBef>
@@ -5588,9 +5618,6 @@
               </a:spcAft>
               <a:buNone/>
             </a:pPr>
-            <a:r>
-              <a:t/>
-            </a:r>
             <a:endParaRPr/>
           </a:p>
         </p:txBody>
@@ -5616,7 +5643,7 @@
             <a:noFill/>
           </a:ln>
           <a:effectLst>
-            <a:outerShdw blurRad="228600" sx="101000" rotWithShape="0" algn="ctr" sy="101000">
+            <a:outerShdw blurRad="228600" sx="101000" sy="101000" algn="ctr" rotWithShape="0">
               <a:srgbClr val="000000">
                 <a:alpha val="40000"/>
               </a:srgbClr>
@@ -5624,12 +5651,12 @@
           </a:effectLst>
         </p:spPr>
         <p:txBody>
-          <a:bodyPr anchorCtr="0" anchor="ctr" bIns="91425" lIns="91425" spcFirstLastPara="1" rIns="91425" wrap="square" tIns="91425">
+          <a:bodyPr spcFirstLastPara="1" wrap="square" lIns="91425" tIns="91425" rIns="91425" bIns="91425" anchor="ctr" anchorCtr="0">
             <a:noAutofit/>
           </a:bodyPr>
           <a:lstStyle/>
           <a:p>
-            <a:pPr indent="0" lvl="0" marL="0" rtl="0" algn="l">
+            <a:pPr marL="0" lvl="0" indent="0" algn="l" rtl="0">
               <a:spcBef>
                 <a:spcPts val="0"/>
               </a:spcBef>
@@ -5638,9 +5665,6 @@
               </a:spcAft>
               <a:buNone/>
             </a:pPr>
-            <a:r>
-              <a:t/>
-            </a:r>
             <a:endParaRPr/>
           </a:p>
         </p:txBody>
@@ -5648,7 +5672,9 @@
       <p:sp>
         <p:nvSpPr>
           <p:cNvPr id="60" name="Google Shape;60;p5"/>
-          <p:cNvSpPr txBox="1"/>
+          <p:cNvSpPr txBox="1">
+            <a:spLocks noGrp="1"/>
+          </p:cNvSpPr>
           <p:nvPr>
             <p:ph type="title"/>
           </p:nvPr>
@@ -5663,7 +5689,7 @@
           </a:prstGeom>
         </p:spPr>
         <p:txBody>
-          <a:bodyPr anchorCtr="0" anchor="t" bIns="91425" lIns="91425" spcFirstLastPara="1" rIns="91425" wrap="square" tIns="91425">
+          <a:bodyPr spcFirstLastPara="1" wrap="square" lIns="91425" tIns="91425" rIns="91425" bIns="91425" anchor="t" anchorCtr="0">
             <a:normAutofit/>
           </a:bodyPr>
           <a:lstStyle>
@@ -5767,15 +5793,19 @@
               <a:defRPr sz="3000"/>
             </a:lvl9pPr>
           </a:lstStyle>
-          <a:p/>
+          <a:p>
+            <a:endParaRPr/>
+          </a:p>
         </p:txBody>
       </p:sp>
       <p:sp>
         <p:nvSpPr>
           <p:cNvPr id="61" name="Google Shape;61;p5"/>
-          <p:cNvSpPr txBox="1"/>
+          <p:cNvSpPr txBox="1">
+            <a:spLocks noGrp="1"/>
+          </p:cNvSpPr>
           <p:nvPr>
-            <p:ph idx="1" type="body"/>
+            <p:ph type="body" idx="1"/>
           </p:nvPr>
         </p:nvSpPr>
         <p:spPr>
@@ -5788,11 +5818,11 @@
           </a:prstGeom>
         </p:spPr>
         <p:txBody>
-          <a:bodyPr anchorCtr="0" anchor="t" bIns="91425" lIns="91425" spcFirstLastPara="1" rIns="91425" wrap="square" tIns="91425">
+          <a:bodyPr spcFirstLastPara="1" wrap="square" lIns="91425" tIns="91425" rIns="91425" bIns="91425" anchor="t" anchorCtr="0">
             <a:normAutofit/>
           </a:bodyPr>
           <a:lstStyle>
-            <a:lvl1pPr indent="-311150" lvl="0" marL="457200">
+            <a:lvl1pPr marL="457200" lvl="0" indent="-311150">
               <a:spcBef>
                 <a:spcPts val="0"/>
               </a:spcBef>
@@ -5803,7 +5833,7 @@
               <a:buChar char="●"/>
               <a:defRPr/>
             </a:lvl1pPr>
-            <a:lvl2pPr indent="-298450" lvl="1" marL="914400">
+            <a:lvl2pPr marL="914400" lvl="1" indent="-298450">
               <a:spcBef>
                 <a:spcPts val="0"/>
               </a:spcBef>
@@ -5814,7 +5844,7 @@
               <a:buChar char="○"/>
               <a:defRPr/>
             </a:lvl2pPr>
-            <a:lvl3pPr indent="-298450" lvl="2" marL="1371600">
+            <a:lvl3pPr marL="1371600" lvl="2" indent="-298450">
               <a:spcBef>
                 <a:spcPts val="0"/>
               </a:spcBef>
@@ -5825,7 +5855,7 @@
               <a:buChar char="■"/>
               <a:defRPr/>
             </a:lvl3pPr>
-            <a:lvl4pPr indent="-298450" lvl="3" marL="1828800">
+            <a:lvl4pPr marL="1828800" lvl="3" indent="-298450">
               <a:spcBef>
                 <a:spcPts val="0"/>
               </a:spcBef>
@@ -5836,7 +5866,7 @@
               <a:buChar char="●"/>
               <a:defRPr/>
             </a:lvl4pPr>
-            <a:lvl5pPr indent="-298450" lvl="4" marL="2286000">
+            <a:lvl5pPr marL="2286000" lvl="4" indent="-298450">
               <a:spcBef>
                 <a:spcPts val="0"/>
               </a:spcBef>
@@ -5847,7 +5877,7 @@
               <a:buChar char="○"/>
               <a:defRPr/>
             </a:lvl5pPr>
-            <a:lvl6pPr indent="-298450" lvl="5" marL="2743200">
+            <a:lvl6pPr marL="2743200" lvl="5" indent="-298450">
               <a:spcBef>
                 <a:spcPts val="0"/>
               </a:spcBef>
@@ -5858,7 +5888,7 @@
               <a:buChar char="■"/>
               <a:defRPr/>
             </a:lvl6pPr>
-            <a:lvl7pPr indent="-298450" lvl="6" marL="3200400">
+            <a:lvl7pPr marL="3200400" lvl="6" indent="-298450">
               <a:spcBef>
                 <a:spcPts val="0"/>
               </a:spcBef>
@@ -5869,7 +5899,7 @@
               <a:buChar char="●"/>
               <a:defRPr/>
             </a:lvl7pPr>
-            <a:lvl8pPr indent="-298450" lvl="7" marL="3657600">
+            <a:lvl8pPr marL="3657600" lvl="7" indent="-298450">
               <a:spcBef>
                 <a:spcPts val="0"/>
               </a:spcBef>
@@ -5880,7 +5910,7 @@
               <a:buChar char="○"/>
               <a:defRPr/>
             </a:lvl8pPr>
-            <a:lvl9pPr indent="-298450" lvl="8" marL="4114800">
+            <a:lvl9pPr marL="4114800" lvl="8" indent="-298450">
               <a:spcBef>
                 <a:spcPts val="0"/>
               </a:spcBef>
@@ -5892,15 +5922,19 @@
               <a:defRPr/>
             </a:lvl9pPr>
           </a:lstStyle>
-          <a:p/>
+          <a:p>
+            <a:endParaRPr/>
+          </a:p>
         </p:txBody>
       </p:sp>
       <p:sp>
         <p:nvSpPr>
           <p:cNvPr id="62" name="Google Shape;62;p5"/>
-          <p:cNvSpPr txBox="1"/>
+          <p:cNvSpPr txBox="1">
+            <a:spLocks noGrp="1"/>
+          </p:cNvSpPr>
           <p:nvPr>
-            <p:ph idx="2" type="body"/>
+            <p:ph type="body" idx="2"/>
           </p:nvPr>
         </p:nvSpPr>
         <p:spPr>
@@ -5913,11 +5947,11 @@
           </a:prstGeom>
         </p:spPr>
         <p:txBody>
-          <a:bodyPr anchorCtr="0" anchor="t" bIns="91425" lIns="91425" spcFirstLastPara="1" rIns="91425" wrap="square" tIns="91425">
+          <a:bodyPr spcFirstLastPara="1" wrap="square" lIns="91425" tIns="91425" rIns="91425" bIns="91425" anchor="t" anchorCtr="0">
             <a:normAutofit/>
           </a:bodyPr>
           <a:lstStyle>
-            <a:lvl1pPr indent="-311150" lvl="0" marL="457200">
+            <a:lvl1pPr marL="457200" lvl="0" indent="-311150">
               <a:spcBef>
                 <a:spcPts val="0"/>
               </a:spcBef>
@@ -5928,7 +5962,7 @@
               <a:buChar char="●"/>
               <a:defRPr/>
             </a:lvl1pPr>
-            <a:lvl2pPr indent="-298450" lvl="1" marL="914400">
+            <a:lvl2pPr marL="914400" lvl="1" indent="-298450">
               <a:spcBef>
                 <a:spcPts val="0"/>
               </a:spcBef>
@@ -5939,7 +5973,7 @@
               <a:buChar char="○"/>
               <a:defRPr/>
             </a:lvl2pPr>
-            <a:lvl3pPr indent="-298450" lvl="2" marL="1371600">
+            <a:lvl3pPr marL="1371600" lvl="2" indent="-298450">
               <a:spcBef>
                 <a:spcPts val="0"/>
               </a:spcBef>
@@ -5950,7 +5984,7 @@
               <a:buChar char="■"/>
               <a:defRPr/>
             </a:lvl3pPr>
-            <a:lvl4pPr indent="-298450" lvl="3" marL="1828800">
+            <a:lvl4pPr marL="1828800" lvl="3" indent="-298450">
               <a:spcBef>
                 <a:spcPts val="0"/>
               </a:spcBef>
@@ -5961,7 +5995,7 @@
               <a:buChar char="●"/>
               <a:defRPr/>
             </a:lvl4pPr>
-            <a:lvl5pPr indent="-298450" lvl="4" marL="2286000">
+            <a:lvl5pPr marL="2286000" lvl="4" indent="-298450">
               <a:spcBef>
                 <a:spcPts val="0"/>
               </a:spcBef>
@@ -5972,7 +6006,7 @@
               <a:buChar char="○"/>
               <a:defRPr/>
             </a:lvl5pPr>
-            <a:lvl6pPr indent="-298450" lvl="5" marL="2743200">
+            <a:lvl6pPr marL="2743200" lvl="5" indent="-298450">
               <a:spcBef>
                 <a:spcPts val="0"/>
               </a:spcBef>
@@ -5983,7 +6017,7 @@
               <a:buChar char="■"/>
               <a:defRPr/>
             </a:lvl6pPr>
-            <a:lvl7pPr indent="-298450" lvl="6" marL="3200400">
+            <a:lvl7pPr marL="3200400" lvl="6" indent="-298450">
               <a:spcBef>
                 <a:spcPts val="0"/>
               </a:spcBef>
@@ -5994,7 +6028,7 @@
               <a:buChar char="●"/>
               <a:defRPr/>
             </a:lvl7pPr>
-            <a:lvl8pPr indent="-298450" lvl="7" marL="3657600">
+            <a:lvl8pPr marL="3657600" lvl="7" indent="-298450">
               <a:spcBef>
                 <a:spcPts val="0"/>
               </a:spcBef>
@@ -6005,7 +6039,7 @@
               <a:buChar char="○"/>
               <a:defRPr/>
             </a:lvl8pPr>
-            <a:lvl9pPr indent="-298450" lvl="8" marL="4114800">
+            <a:lvl9pPr marL="4114800" lvl="8" indent="-298450">
               <a:spcBef>
                 <a:spcPts val="0"/>
               </a:spcBef>
@@ -6017,15 +6051,19 @@
               <a:defRPr/>
             </a:lvl9pPr>
           </a:lstStyle>
-          <a:p/>
+          <a:p>
+            <a:endParaRPr/>
+          </a:p>
         </p:txBody>
       </p:sp>
       <p:sp>
         <p:nvSpPr>
           <p:cNvPr id="63" name="Google Shape;63;p5"/>
-          <p:cNvSpPr txBox="1"/>
+          <p:cNvSpPr txBox="1">
+            <a:spLocks noGrp="1"/>
+          </p:cNvSpPr>
           <p:nvPr>
-            <p:ph idx="12" type="sldNum"/>
+            <p:ph type="sldNum" idx="12"/>
           </p:nvPr>
         </p:nvSpPr>
         <p:spPr>
@@ -6038,7 +6076,7 @@
           </a:prstGeom>
         </p:spPr>
         <p:txBody>
-          <a:bodyPr anchorCtr="0" anchor="ctr" bIns="91425" lIns="91425" spcFirstLastPara="1" rIns="91425" wrap="square" tIns="91425">
+          <a:bodyPr spcFirstLastPara="1" wrap="square" lIns="91425" tIns="91425" rIns="91425" bIns="91425" anchor="ctr" anchorCtr="0">
             <a:normAutofit/>
           </a:bodyPr>
           <a:lstStyle>
@@ -6080,7 +6118,7 @@
             </a:lvl9pPr>
           </a:lstStyle>
           <a:p>
-            <a:pPr indent="0" lvl="0" marL="0" rtl="0" algn="r">
+            <a:pPr marL="0" lvl="0" indent="0" algn="r" rtl="0">
               <a:spcBef>
                 <a:spcPts val="0"/>
               </a:spcBef>
@@ -6106,18 +6144,19 @@
 </file>
 
 <file path=ppt/slideLayouts/slideLayout5.xml><?xml version="1.0" encoding="utf-8"?>
-<p:sldLayout xmlns:a="http://schemas.openxmlformats.org/drawingml/2006/main" xmlns:r="http://schemas.openxmlformats.org/officeDocument/2006/relationships" xmlns:mc="http://schemas.openxmlformats.org/markup-compatibility/2006" xmlns:mv="urn:schemas-microsoft-com:mac:vml" xmlns:p="http://schemas.openxmlformats.org/presentationml/2006/main" xmlns:c="http://schemas.openxmlformats.org/drawingml/2006/chart" xmlns:dgm="http://schemas.openxmlformats.org/drawingml/2006/diagram" xmlns:o="urn:schemas-microsoft-com:office:office" xmlns:v="urn:schemas-microsoft-com:vml" xmlns:pvml="urn:schemas-microsoft-com:office:powerpoint" xmlns:com="http://schemas.openxmlformats.org/drawingml/2006/compatibility" xmlns:p14="http://schemas.microsoft.com/office/powerpoint/2010/main" xmlns:p15="http://schemas.microsoft.com/office/powerpoint/2012/main" xmlns:ahyp="http://schemas.microsoft.com/office/drawing/2018/hyperlinkcolor" matchingName="Title only" type="titleOnly">
+<p:sldLayout xmlns:a="http://schemas.openxmlformats.org/drawingml/2006/main" xmlns:r="http://schemas.openxmlformats.org/officeDocument/2006/relationships" xmlns:p="http://schemas.openxmlformats.org/presentationml/2006/main" matchingName="Title only" type="titleOnly">
   <p:cSld name="TITLE_ONLY">
     <p:bg>
       <p:bgPr>
         <a:solidFill>
           <a:schemeClr val="dk2"/>
         </a:solidFill>
+        <a:effectLst/>
       </p:bgPr>
     </p:bg>
     <p:spTree>
       <p:nvGrpSpPr>
-        <p:cNvPr id="64" name="Shape 64"/>
+        <p:cNvPr id="1" name="Shape 64"/>
         <p:cNvGrpSpPr/>
         <p:nvPr/>
       </p:nvGrpSpPr>
@@ -6151,12 +6190,12 @@
           </a:ln>
         </p:spPr>
         <p:txBody>
-          <a:bodyPr anchorCtr="0" anchor="ctr" bIns="91425" lIns="91425" spcFirstLastPara="1" rIns="91425" wrap="square" tIns="91425">
+          <a:bodyPr spcFirstLastPara="1" wrap="square" lIns="91425" tIns="91425" rIns="91425" bIns="91425" anchor="ctr" anchorCtr="0">
             <a:noAutofit/>
           </a:bodyPr>
           <a:lstStyle/>
           <a:p>
-            <a:pPr indent="0" lvl="0" marL="0" rtl="0" algn="l">
+            <a:pPr marL="0" lvl="0" indent="0" algn="l" rtl="0">
               <a:spcBef>
                 <a:spcPts val="0"/>
               </a:spcBef>
@@ -6165,9 +6204,6 @@
               </a:spcAft>
               <a:buNone/>
             </a:pPr>
-            <a:r>
-              <a:t/>
-            </a:r>
             <a:endParaRPr/>
           </a:p>
         </p:txBody>
@@ -6194,12 +6230,12 @@
           </a:ln>
         </p:spPr>
         <p:txBody>
-          <a:bodyPr anchorCtr="0" anchor="ctr" bIns="91425" lIns="91425" spcFirstLastPara="1" rIns="91425" wrap="square" tIns="91425">
+          <a:bodyPr spcFirstLastPara="1" wrap="square" lIns="91425" tIns="91425" rIns="91425" bIns="91425" anchor="ctr" anchorCtr="0">
             <a:noAutofit/>
           </a:bodyPr>
           <a:lstStyle/>
           <a:p>
-            <a:pPr indent="0" lvl="0" marL="0" rtl="0" algn="l">
+            <a:pPr marL="0" lvl="0" indent="0" algn="l" rtl="0">
               <a:spcBef>
                 <a:spcPts val="0"/>
               </a:spcBef>
@@ -6208,9 +6244,6 @@
               </a:spcAft>
               <a:buNone/>
             </a:pPr>
-            <a:r>
-              <a:t/>
-            </a:r>
             <a:endParaRPr/>
           </a:p>
         </p:txBody>
@@ -6236,7 +6269,7 @@
             <a:noFill/>
           </a:ln>
           <a:effectLst>
-            <a:outerShdw blurRad="228600" sx="101000" rotWithShape="0" algn="ctr" sy="101000">
+            <a:outerShdw blurRad="228600" sx="101000" sy="101000" algn="ctr" rotWithShape="0">
               <a:srgbClr val="000000">
                 <a:alpha val="40000"/>
               </a:srgbClr>
@@ -6244,12 +6277,12 @@
           </a:effectLst>
         </p:spPr>
         <p:txBody>
-          <a:bodyPr anchorCtr="0" anchor="ctr" bIns="91425" lIns="91425" spcFirstLastPara="1" rIns="91425" wrap="square" tIns="91425">
+          <a:bodyPr spcFirstLastPara="1" wrap="square" lIns="91425" tIns="91425" rIns="91425" bIns="91425" anchor="ctr" anchorCtr="0">
             <a:noAutofit/>
           </a:bodyPr>
           <a:lstStyle/>
           <a:p>
-            <a:pPr indent="0" lvl="0" marL="0" rtl="0" algn="l">
+            <a:pPr marL="0" lvl="0" indent="0" algn="l" rtl="0">
               <a:spcBef>
                 <a:spcPts val="0"/>
               </a:spcBef>
@@ -6258,9 +6291,6 @@
               </a:spcAft>
               <a:buNone/>
             </a:pPr>
-            <a:r>
-              <a:t/>
-            </a:r>
             <a:endParaRPr/>
           </a:p>
         </p:txBody>
@@ -6268,7 +6298,9 @@
       <p:sp>
         <p:nvSpPr>
           <p:cNvPr id="68" name="Google Shape;68;p6"/>
-          <p:cNvSpPr txBox="1"/>
+          <p:cNvSpPr txBox="1">
+            <a:spLocks noGrp="1"/>
+          </p:cNvSpPr>
           <p:nvPr>
             <p:ph type="title"/>
           </p:nvPr>
@@ -6283,7 +6315,7 @@
           </a:prstGeom>
         </p:spPr>
         <p:txBody>
-          <a:bodyPr anchorCtr="0" anchor="t" bIns="91425" lIns="91425" spcFirstLastPara="1" rIns="91425" wrap="square" tIns="91425">
+          <a:bodyPr spcFirstLastPara="1" wrap="square" lIns="91425" tIns="91425" rIns="91425" bIns="91425" anchor="t" anchorCtr="0">
             <a:normAutofit/>
           </a:bodyPr>
           <a:lstStyle>
@@ -6387,15 +6419,19 @@
               <a:defRPr sz="3000"/>
             </a:lvl9pPr>
           </a:lstStyle>
-          <a:p/>
+          <a:p>
+            <a:endParaRPr/>
+          </a:p>
         </p:txBody>
       </p:sp>
       <p:sp>
         <p:nvSpPr>
           <p:cNvPr id="69" name="Google Shape;69;p6"/>
-          <p:cNvSpPr txBox="1"/>
+          <p:cNvSpPr txBox="1">
+            <a:spLocks noGrp="1"/>
+          </p:cNvSpPr>
           <p:nvPr>
-            <p:ph idx="12" type="sldNum"/>
+            <p:ph type="sldNum" idx="12"/>
           </p:nvPr>
         </p:nvSpPr>
         <p:spPr>
@@ -6408,7 +6444,7 @@
           </a:prstGeom>
         </p:spPr>
         <p:txBody>
-          <a:bodyPr anchorCtr="0" anchor="ctr" bIns="91425" lIns="91425" spcFirstLastPara="1" rIns="91425" wrap="square" tIns="91425">
+          <a:bodyPr spcFirstLastPara="1" wrap="square" lIns="91425" tIns="91425" rIns="91425" bIns="91425" anchor="ctr" anchorCtr="0">
             <a:normAutofit/>
           </a:bodyPr>
           <a:lstStyle>
@@ -6450,7 +6486,7 @@
             </a:lvl9pPr>
           </a:lstStyle>
           <a:p>
-            <a:pPr indent="0" lvl="0" marL="0" rtl="0" algn="r">
+            <a:pPr marL="0" lvl="0" indent="0" algn="r" rtl="0">
               <a:spcBef>
                 <a:spcPts val="0"/>
               </a:spcBef>
@@ -6476,18 +6512,19 @@
 </file>
 
 <file path=ppt/slideLayouts/slideLayout6.xml><?xml version="1.0" encoding="utf-8"?>
-<p:sldLayout xmlns:a="http://schemas.openxmlformats.org/drawingml/2006/main" xmlns:r="http://schemas.openxmlformats.org/officeDocument/2006/relationships" xmlns:mc="http://schemas.openxmlformats.org/markup-compatibility/2006" xmlns:mv="urn:schemas-microsoft-com:mac:vml" xmlns:p="http://schemas.openxmlformats.org/presentationml/2006/main" xmlns:c="http://schemas.openxmlformats.org/drawingml/2006/chart" xmlns:dgm="http://schemas.openxmlformats.org/drawingml/2006/diagram" xmlns:o="urn:schemas-microsoft-com:office:office" xmlns:v="urn:schemas-microsoft-com:vml" xmlns:pvml="urn:schemas-microsoft-com:office:powerpoint" xmlns:com="http://schemas.openxmlformats.org/drawingml/2006/compatibility" xmlns:p14="http://schemas.microsoft.com/office/powerpoint/2010/main" xmlns:p15="http://schemas.microsoft.com/office/powerpoint/2012/main" xmlns:ahyp="http://schemas.microsoft.com/office/drawing/2018/hyperlinkcolor" matchingName="One column text">
+<p:sldLayout xmlns:a="http://schemas.openxmlformats.org/drawingml/2006/main" xmlns:r="http://schemas.openxmlformats.org/officeDocument/2006/relationships" xmlns:p="http://schemas.openxmlformats.org/presentationml/2006/main" matchingName="One column text">
   <p:cSld name="ONE_COLUMN_TEXT">
     <p:bg>
       <p:bgPr>
         <a:solidFill>
           <a:schemeClr val="accent3"/>
         </a:solidFill>
+        <a:effectLst/>
       </p:bgPr>
     </p:bg>
     <p:spTree>
       <p:nvGrpSpPr>
-        <p:cNvPr id="70" name="Shape 70"/>
+        <p:cNvPr id="1" name="Shape 70"/>
         <p:cNvGrpSpPr/>
         <p:nvPr/>
       </p:nvGrpSpPr>
@@ -6521,12 +6558,12 @@
           </a:ln>
         </p:spPr>
         <p:txBody>
-          <a:bodyPr anchorCtr="0" anchor="ctr" bIns="91425" lIns="91425" spcFirstLastPara="1" rIns="91425" wrap="square" tIns="91425">
+          <a:bodyPr spcFirstLastPara="1" wrap="square" lIns="91425" tIns="91425" rIns="91425" bIns="91425" anchor="ctr" anchorCtr="0">
             <a:noAutofit/>
           </a:bodyPr>
           <a:lstStyle/>
           <a:p>
-            <a:pPr indent="0" lvl="0" marL="0" rtl="0" algn="l">
+            <a:pPr marL="0" lvl="0" indent="0" algn="l" rtl="0">
               <a:spcBef>
                 <a:spcPts val="0"/>
               </a:spcBef>
@@ -6535,9 +6572,6 @@
               </a:spcAft>
               <a:buNone/>
             </a:pPr>
-            <a:r>
-              <a:t/>
-            </a:r>
             <a:endParaRPr/>
           </a:p>
         </p:txBody>
@@ -6564,12 +6598,12 @@
           </a:ln>
         </p:spPr>
         <p:txBody>
-          <a:bodyPr anchorCtr="0" anchor="ctr" bIns="91425" lIns="91425" spcFirstLastPara="1" rIns="91425" wrap="square" tIns="91425">
+          <a:bodyPr spcFirstLastPara="1" wrap="square" lIns="91425" tIns="91425" rIns="91425" bIns="91425" anchor="ctr" anchorCtr="0">
             <a:noAutofit/>
           </a:bodyPr>
           <a:lstStyle/>
           <a:p>
-            <a:pPr indent="0" lvl="0" marL="0" rtl="0" algn="l">
+            <a:pPr marL="0" lvl="0" indent="0" algn="l" rtl="0">
               <a:spcBef>
                 <a:spcPts val="0"/>
               </a:spcBef>
@@ -6578,9 +6612,6 @@
               </a:spcAft>
               <a:buNone/>
             </a:pPr>
-            <a:r>
-              <a:t/>
-            </a:r>
             <a:endParaRPr/>
           </a:p>
         </p:txBody>
@@ -6606,7 +6637,7 @@
             <a:noFill/>
           </a:ln>
           <a:effectLst>
-            <a:outerShdw blurRad="228600" sx="101000" rotWithShape="0" algn="ctr" sy="101000">
+            <a:outerShdw blurRad="228600" sx="101000" sy="101000" algn="ctr" rotWithShape="0">
               <a:srgbClr val="000000">
                 <a:alpha val="40000"/>
               </a:srgbClr>
@@ -6614,12 +6645,12 @@
           </a:effectLst>
         </p:spPr>
         <p:txBody>
-          <a:bodyPr anchorCtr="0" anchor="ctr" bIns="91425" lIns="91425" spcFirstLastPara="1" rIns="91425" wrap="square" tIns="91425">
+          <a:bodyPr spcFirstLastPara="1" wrap="square" lIns="91425" tIns="91425" rIns="91425" bIns="91425" anchor="ctr" anchorCtr="0">
             <a:noAutofit/>
           </a:bodyPr>
           <a:lstStyle/>
           <a:p>
-            <a:pPr indent="0" lvl="0" marL="0" rtl="0" algn="l">
+            <a:pPr marL="0" lvl="0" indent="0" algn="l" rtl="0">
               <a:spcBef>
                 <a:spcPts val="0"/>
               </a:spcBef>
@@ -6628,9 +6659,6 @@
               </a:spcAft>
               <a:buNone/>
             </a:pPr>
-            <a:r>
-              <a:t/>
-            </a:r>
             <a:endParaRPr/>
           </a:p>
         </p:txBody>
@@ -6638,7 +6666,9 @@
       <p:sp>
         <p:nvSpPr>
           <p:cNvPr id="74" name="Google Shape;74;p7"/>
-          <p:cNvSpPr txBox="1"/>
+          <p:cNvSpPr txBox="1">
+            <a:spLocks noGrp="1"/>
+          </p:cNvSpPr>
           <p:nvPr>
             <p:ph type="title"/>
           </p:nvPr>
@@ -6653,7 +6683,7 @@
           </a:prstGeom>
         </p:spPr>
         <p:txBody>
-          <a:bodyPr anchorCtr="0" anchor="t" bIns="91425" lIns="91425" spcFirstLastPara="1" rIns="91425" wrap="square" tIns="91425">
+          <a:bodyPr spcFirstLastPara="1" wrap="square" lIns="91425" tIns="91425" rIns="91425" bIns="91425" anchor="t" anchorCtr="0">
             <a:normAutofit/>
           </a:bodyPr>
           <a:lstStyle>
@@ -6757,15 +6787,19 @@
               <a:defRPr sz="3000"/>
             </a:lvl9pPr>
           </a:lstStyle>
-          <a:p/>
+          <a:p>
+            <a:endParaRPr/>
+          </a:p>
         </p:txBody>
       </p:sp>
       <p:sp>
         <p:nvSpPr>
           <p:cNvPr id="75" name="Google Shape;75;p7"/>
-          <p:cNvSpPr txBox="1"/>
+          <p:cNvSpPr txBox="1">
+            <a:spLocks noGrp="1"/>
+          </p:cNvSpPr>
           <p:nvPr>
-            <p:ph idx="1" type="body"/>
+            <p:ph type="body" idx="1"/>
           </p:nvPr>
         </p:nvSpPr>
         <p:spPr>
@@ -6778,11 +6812,11 @@
           </a:prstGeom>
         </p:spPr>
         <p:txBody>
-          <a:bodyPr anchorCtr="0" anchor="t" bIns="91425" lIns="91425" spcFirstLastPara="1" rIns="91425" wrap="square" tIns="91425">
+          <a:bodyPr spcFirstLastPara="1" wrap="square" lIns="91425" tIns="91425" rIns="91425" bIns="91425" anchor="t" anchorCtr="0">
             <a:normAutofit/>
           </a:bodyPr>
           <a:lstStyle>
-            <a:lvl1pPr indent="-311150" lvl="0" marL="457200">
+            <a:lvl1pPr marL="457200" lvl="0" indent="-311150">
               <a:spcBef>
                 <a:spcPts val="0"/>
               </a:spcBef>
@@ -6793,7 +6827,7 @@
               <a:buChar char="●"/>
               <a:defRPr/>
             </a:lvl1pPr>
-            <a:lvl2pPr indent="-298450" lvl="1" marL="914400">
+            <a:lvl2pPr marL="914400" lvl="1" indent="-298450">
               <a:spcBef>
                 <a:spcPts val="0"/>
               </a:spcBef>
@@ -6804,7 +6838,7 @@
               <a:buChar char="○"/>
               <a:defRPr/>
             </a:lvl2pPr>
-            <a:lvl3pPr indent="-298450" lvl="2" marL="1371600">
+            <a:lvl3pPr marL="1371600" lvl="2" indent="-298450">
               <a:spcBef>
                 <a:spcPts val="0"/>
               </a:spcBef>
@@ -6815,7 +6849,7 @@
               <a:buChar char="■"/>
               <a:defRPr/>
             </a:lvl3pPr>
-            <a:lvl4pPr indent="-298450" lvl="3" marL="1828800">
+            <a:lvl4pPr marL="1828800" lvl="3" indent="-298450">
               <a:spcBef>
                 <a:spcPts val="0"/>
               </a:spcBef>
@@ -6826,7 +6860,7 @@
               <a:buChar char="●"/>
               <a:defRPr/>
             </a:lvl4pPr>
-            <a:lvl5pPr indent="-298450" lvl="4" marL="2286000">
+            <a:lvl5pPr marL="2286000" lvl="4" indent="-298450">
               <a:spcBef>
                 <a:spcPts val="0"/>
               </a:spcBef>
@@ -6837,7 +6871,7 @@
               <a:buChar char="○"/>
               <a:defRPr/>
             </a:lvl5pPr>
-            <a:lvl6pPr indent="-298450" lvl="5" marL="2743200">
+            <a:lvl6pPr marL="2743200" lvl="5" indent="-298450">
               <a:spcBef>
                 <a:spcPts val="0"/>
               </a:spcBef>
@@ -6848,7 +6882,7 @@
               <a:buChar char="■"/>
               <a:defRPr/>
             </a:lvl6pPr>
-            <a:lvl7pPr indent="-298450" lvl="6" marL="3200400">
+            <a:lvl7pPr marL="3200400" lvl="6" indent="-298450">
               <a:spcBef>
                 <a:spcPts val="0"/>
               </a:spcBef>
@@ -6859,7 +6893,7 @@
               <a:buChar char="●"/>
               <a:defRPr/>
             </a:lvl7pPr>
-            <a:lvl8pPr indent="-298450" lvl="7" marL="3657600">
+            <a:lvl8pPr marL="3657600" lvl="7" indent="-298450">
               <a:spcBef>
                 <a:spcPts val="0"/>
               </a:spcBef>
@@ -6870,7 +6904,7 @@
               <a:buChar char="○"/>
               <a:defRPr/>
             </a:lvl8pPr>
-            <a:lvl9pPr indent="-298450" lvl="8" marL="4114800">
+            <a:lvl9pPr marL="4114800" lvl="8" indent="-298450">
               <a:spcBef>
                 <a:spcPts val="0"/>
               </a:spcBef>
@@ -6882,15 +6916,19 @@
               <a:defRPr/>
             </a:lvl9pPr>
           </a:lstStyle>
-          <a:p/>
+          <a:p>
+            <a:endParaRPr/>
+          </a:p>
         </p:txBody>
       </p:sp>
       <p:sp>
         <p:nvSpPr>
           <p:cNvPr id="76" name="Google Shape;76;p7"/>
-          <p:cNvSpPr txBox="1"/>
+          <p:cNvSpPr txBox="1">
+            <a:spLocks noGrp="1"/>
+          </p:cNvSpPr>
           <p:nvPr>
-            <p:ph idx="12" type="sldNum"/>
+            <p:ph type="sldNum" idx="12"/>
           </p:nvPr>
         </p:nvSpPr>
         <p:spPr>
@@ -6903,7 +6941,7 @@
           </a:prstGeom>
         </p:spPr>
         <p:txBody>
-          <a:bodyPr anchorCtr="0" anchor="ctr" bIns="91425" lIns="91425" spcFirstLastPara="1" rIns="91425" wrap="square" tIns="91425">
+          <a:bodyPr spcFirstLastPara="1" wrap="square" lIns="91425" tIns="91425" rIns="91425" bIns="91425" anchor="ctr" anchorCtr="0">
             <a:normAutofit/>
           </a:bodyPr>
           <a:lstStyle>
@@ -6945,7 +6983,7 @@
             </a:lvl9pPr>
           </a:lstStyle>
           <a:p>
-            <a:pPr indent="0" lvl="0" marL="0" rtl="0" algn="r">
+            <a:pPr marL="0" lvl="0" indent="0" algn="r" rtl="0">
               <a:spcBef>
                 <a:spcPts val="0"/>
               </a:spcBef>
@@ -6971,18 +7009,19 @@
 </file>
 
 <file path=ppt/slideLayouts/slideLayout7.xml><?xml version="1.0" encoding="utf-8"?>
-<p:sldLayout xmlns:a="http://schemas.openxmlformats.org/drawingml/2006/main" xmlns:r="http://schemas.openxmlformats.org/officeDocument/2006/relationships" xmlns:mc="http://schemas.openxmlformats.org/markup-compatibility/2006" xmlns:mv="urn:schemas-microsoft-com:mac:vml" xmlns:p="http://schemas.openxmlformats.org/presentationml/2006/main" xmlns:c="http://schemas.openxmlformats.org/drawingml/2006/chart" xmlns:dgm="http://schemas.openxmlformats.org/drawingml/2006/diagram" xmlns:o="urn:schemas-microsoft-com:office:office" xmlns:v="urn:schemas-microsoft-com:vml" xmlns:pvml="urn:schemas-microsoft-com:office:powerpoint" xmlns:com="http://schemas.openxmlformats.org/drawingml/2006/compatibility" xmlns:p14="http://schemas.microsoft.com/office/powerpoint/2010/main" xmlns:p15="http://schemas.microsoft.com/office/powerpoint/2012/main" xmlns:ahyp="http://schemas.microsoft.com/office/drawing/2018/hyperlinkcolor" matchingName="Main point">
+<p:sldLayout xmlns:a="http://schemas.openxmlformats.org/drawingml/2006/main" xmlns:r="http://schemas.openxmlformats.org/officeDocument/2006/relationships" xmlns:p="http://schemas.openxmlformats.org/presentationml/2006/main" matchingName="Main point">
   <p:cSld name="MAIN_POINT">
     <p:bg>
       <p:bgPr>
         <a:solidFill>
           <a:schemeClr val="accent1"/>
         </a:solidFill>
+        <a:effectLst/>
       </p:bgPr>
     </p:bg>
     <p:spTree>
       <p:nvGrpSpPr>
-        <p:cNvPr id="77" name="Shape 77"/>
+        <p:cNvPr id="1" name="Shape 77"/>
         <p:cNvGrpSpPr/>
         <p:nvPr/>
       </p:nvGrpSpPr>
@@ -7016,12 +7055,12 @@
           </a:ln>
         </p:spPr>
         <p:txBody>
-          <a:bodyPr anchorCtr="0" anchor="ctr" bIns="91425" lIns="91425" spcFirstLastPara="1" rIns="91425" wrap="square" tIns="91425">
+          <a:bodyPr spcFirstLastPara="1" wrap="square" lIns="91425" tIns="91425" rIns="91425" bIns="91425" anchor="ctr" anchorCtr="0">
             <a:noAutofit/>
           </a:bodyPr>
           <a:lstStyle/>
           <a:p>
-            <a:pPr indent="0" lvl="0" marL="0" rtl="0" algn="l">
+            <a:pPr marL="0" lvl="0" indent="0" algn="l" rtl="0">
               <a:spcBef>
                 <a:spcPts val="0"/>
               </a:spcBef>
@@ -7030,9 +7069,6 @@
               </a:spcAft>
               <a:buNone/>
             </a:pPr>
-            <a:r>
-              <a:t/>
-            </a:r>
             <a:endParaRPr/>
           </a:p>
         </p:txBody>
@@ -7059,12 +7095,12 @@
           </a:ln>
         </p:spPr>
         <p:txBody>
-          <a:bodyPr anchorCtr="0" anchor="ctr" bIns="91425" lIns="91425" spcFirstLastPara="1" rIns="91425" wrap="square" tIns="91425">
+          <a:bodyPr spcFirstLastPara="1" wrap="square" lIns="91425" tIns="91425" rIns="91425" bIns="91425" anchor="ctr" anchorCtr="0">
             <a:noAutofit/>
           </a:bodyPr>
           <a:lstStyle/>
           <a:p>
-            <a:pPr indent="0" lvl="0" marL="0" rtl="0" algn="l">
+            <a:pPr marL="0" lvl="0" indent="0" algn="l" rtl="0">
               <a:spcBef>
                 <a:spcPts val="0"/>
               </a:spcBef>
@@ -7073,9 +7109,6 @@
               </a:spcAft>
               <a:buNone/>
             </a:pPr>
-            <a:r>
-              <a:t/>
-            </a:r>
             <a:endParaRPr/>
           </a:p>
         </p:txBody>
@@ -7107,7 +7140,7 @@
             </a:xfrm>
             <a:prstGeom prst="parallelogram">
               <a:avLst>
-                <a:gd fmla="val 153193" name="adj"/>
+                <a:gd name="adj" fmla="val 153193"/>
               </a:avLst>
             </a:prstGeom>
             <a:solidFill>
@@ -7118,12 +7151,12 @@
             </a:ln>
           </p:spPr>
           <p:txBody>
-            <a:bodyPr anchorCtr="0" anchor="ctr" bIns="91425" lIns="91425" spcFirstLastPara="1" rIns="91425" wrap="square" tIns="91425">
+            <a:bodyPr spcFirstLastPara="1" wrap="square" lIns="91425" tIns="91425" rIns="91425" bIns="91425" anchor="ctr" anchorCtr="0">
               <a:noAutofit/>
             </a:bodyPr>
             <a:lstStyle/>
             <a:p>
-              <a:pPr indent="0" lvl="0" marL="0" rtl="0" algn="l">
+              <a:pPr marL="0" lvl="0" indent="0" algn="l" rtl="0">
                 <a:spcBef>
                   <a:spcPts val="0"/>
                 </a:spcBef>
@@ -7132,9 +7165,6 @@
                 </a:spcAft>
                 <a:buNone/>
               </a:pPr>
-              <a:r>
-                <a:t/>
-              </a:r>
               <a:endParaRPr/>
             </a:p>
           </p:txBody>
@@ -7152,7 +7182,7 @@
             </a:xfrm>
             <a:prstGeom prst="parallelogram">
               <a:avLst>
-                <a:gd fmla="val 153193" name="adj"/>
+                <a:gd name="adj" fmla="val 153193"/>
               </a:avLst>
             </a:prstGeom>
             <a:solidFill>
@@ -7163,12 +7193,12 @@
             </a:ln>
           </p:spPr>
           <p:txBody>
-            <a:bodyPr anchorCtr="0" anchor="ctr" bIns="91425" lIns="91425" spcFirstLastPara="1" rIns="91425" wrap="square" tIns="91425">
+            <a:bodyPr spcFirstLastPara="1" wrap="square" lIns="91425" tIns="91425" rIns="91425" bIns="91425" anchor="ctr" anchorCtr="0">
               <a:noAutofit/>
             </a:bodyPr>
             <a:lstStyle/>
             <a:p>
-              <a:pPr indent="0" lvl="0" marL="0" rtl="0" algn="l">
+              <a:pPr marL="0" lvl="0" indent="0" algn="l" rtl="0">
                 <a:spcBef>
                   <a:spcPts val="0"/>
                 </a:spcBef>
@@ -7177,9 +7207,6 @@
                 </a:spcAft>
                 <a:buNone/>
               </a:pPr>
-              <a:r>
-                <a:t/>
-              </a:r>
               <a:endParaRPr/>
             </a:p>
           </p:txBody>
@@ -7197,7 +7224,7 @@
             </a:xfrm>
             <a:prstGeom prst="parallelogram">
               <a:avLst>
-                <a:gd fmla="val 153193" name="adj"/>
+                <a:gd name="adj" fmla="val 153193"/>
               </a:avLst>
             </a:prstGeom>
             <a:solidFill>
@@ -7208,12 +7235,12 @@
             </a:ln>
           </p:spPr>
           <p:txBody>
-            <a:bodyPr anchorCtr="0" anchor="ctr" bIns="91425" lIns="91425" spcFirstLastPara="1" rIns="91425" wrap="square" tIns="91425">
+            <a:bodyPr spcFirstLastPara="1" wrap="square" lIns="91425" tIns="91425" rIns="91425" bIns="91425" anchor="ctr" anchorCtr="0">
               <a:noAutofit/>
             </a:bodyPr>
             <a:lstStyle/>
             <a:p>
-              <a:pPr indent="0" lvl="0" marL="0" rtl="0" algn="l">
+              <a:pPr marL="0" lvl="0" indent="0" algn="l" rtl="0">
                 <a:spcBef>
                   <a:spcPts val="0"/>
                 </a:spcBef>
@@ -7222,9 +7249,6 @@
                 </a:spcAft>
                 <a:buNone/>
               </a:pPr>
-              <a:r>
-                <a:t/>
-              </a:r>
               <a:endParaRPr/>
             </a:p>
           </p:txBody>
@@ -7251,7 +7275,7 @@
             <a:noFill/>
           </a:ln>
           <a:effectLst>
-            <a:outerShdw blurRad="228600" sx="101000" rotWithShape="0" algn="ctr" sy="101000">
+            <a:outerShdw blurRad="228600" sx="101000" sy="101000" algn="ctr" rotWithShape="0">
               <a:srgbClr val="000000">
                 <a:alpha val="40000"/>
               </a:srgbClr>
@@ -7259,12 +7283,12 @@
           </a:effectLst>
         </p:spPr>
         <p:txBody>
-          <a:bodyPr anchorCtr="0" anchor="ctr" bIns="91425" lIns="91425" spcFirstLastPara="1" rIns="91425" wrap="square" tIns="91425">
+          <a:bodyPr spcFirstLastPara="1" wrap="square" lIns="91425" tIns="91425" rIns="91425" bIns="91425" anchor="ctr" anchorCtr="0">
             <a:noAutofit/>
           </a:bodyPr>
           <a:lstStyle/>
           <a:p>
-            <a:pPr indent="0" lvl="0" marL="0" rtl="0" algn="l">
+            <a:pPr marL="0" lvl="0" indent="0" algn="l" rtl="0">
               <a:spcBef>
                 <a:spcPts val="0"/>
               </a:spcBef>
@@ -7273,9 +7297,6 @@
               </a:spcAft>
               <a:buNone/>
             </a:pPr>
-            <a:r>
-              <a:t/>
-            </a:r>
             <a:endParaRPr/>
           </a:p>
         </p:txBody>
@@ -7307,7 +7328,7 @@
             </a:xfrm>
             <a:prstGeom prst="parallelogram">
               <a:avLst>
-                <a:gd fmla="val 158024" name="adj"/>
+                <a:gd name="adj" fmla="val 158024"/>
               </a:avLst>
             </a:prstGeom>
             <a:solidFill>
@@ -7318,12 +7339,12 @@
             </a:ln>
           </p:spPr>
           <p:txBody>
-            <a:bodyPr anchorCtr="0" anchor="ctr" bIns="91425" lIns="91425" spcFirstLastPara="1" rIns="91425" wrap="square" tIns="91425">
+            <a:bodyPr spcFirstLastPara="1" wrap="square" lIns="91425" tIns="91425" rIns="91425" bIns="91425" anchor="ctr" anchorCtr="0">
               <a:noAutofit/>
             </a:bodyPr>
             <a:lstStyle/>
             <a:p>
-              <a:pPr indent="0" lvl="0" marL="0" rtl="0" algn="l">
+              <a:pPr marL="0" lvl="0" indent="0" algn="l" rtl="0">
                 <a:spcBef>
                   <a:spcPts val="0"/>
                 </a:spcBef>
@@ -7332,9 +7353,6 @@
                 </a:spcAft>
                 <a:buNone/>
               </a:pPr>
-              <a:r>
-                <a:t/>
-              </a:r>
               <a:endParaRPr/>
             </a:p>
           </p:txBody>
@@ -7352,7 +7370,7 @@
             </a:xfrm>
             <a:prstGeom prst="parallelogram">
               <a:avLst>
-                <a:gd fmla="val 158024" name="adj"/>
+                <a:gd name="adj" fmla="val 158024"/>
               </a:avLst>
             </a:prstGeom>
             <a:solidFill>
@@ -7363,12 +7381,12 @@
             </a:ln>
           </p:spPr>
           <p:txBody>
-            <a:bodyPr anchorCtr="0" anchor="ctr" bIns="91425" lIns="91425" spcFirstLastPara="1" rIns="91425" wrap="square" tIns="91425">
+            <a:bodyPr spcFirstLastPara="1" wrap="square" lIns="91425" tIns="91425" rIns="91425" bIns="91425" anchor="ctr" anchorCtr="0">
               <a:noAutofit/>
             </a:bodyPr>
             <a:lstStyle/>
             <a:p>
-              <a:pPr indent="0" lvl="0" marL="0" rtl="0" algn="l">
+              <a:pPr marL="0" lvl="0" indent="0" algn="l" rtl="0">
                 <a:spcBef>
                   <a:spcPts val="0"/>
                 </a:spcBef>
@@ -7377,9 +7395,6 @@
                 </a:spcAft>
                 <a:buNone/>
               </a:pPr>
-              <a:r>
-                <a:t/>
-              </a:r>
               <a:endParaRPr/>
             </a:p>
           </p:txBody>
@@ -7397,7 +7412,7 @@
             </a:xfrm>
             <a:prstGeom prst="parallelogram">
               <a:avLst>
-                <a:gd fmla="val 158024" name="adj"/>
+                <a:gd name="adj" fmla="val 158024"/>
               </a:avLst>
             </a:prstGeom>
             <a:solidFill>
@@ -7408,12 +7423,12 @@
             </a:ln>
           </p:spPr>
           <p:txBody>
-            <a:bodyPr anchorCtr="0" anchor="ctr" bIns="91425" lIns="91425" spcFirstLastPara="1" rIns="91425" wrap="square" tIns="91425">
+            <a:bodyPr spcFirstLastPara="1" wrap="square" lIns="91425" tIns="91425" rIns="91425" bIns="91425" anchor="ctr" anchorCtr="0">
               <a:noAutofit/>
             </a:bodyPr>
             <a:lstStyle/>
             <a:p>
-              <a:pPr indent="0" lvl="0" marL="0" rtl="0" algn="l">
+              <a:pPr marL="0" lvl="0" indent="0" algn="l" rtl="0">
                 <a:spcBef>
                   <a:spcPts val="0"/>
                 </a:spcBef>
@@ -7422,9 +7437,6 @@
                 </a:spcAft>
                 <a:buNone/>
               </a:pPr>
-              <a:r>
-                <a:t/>
-              </a:r>
               <a:endParaRPr/>
             </a:p>
           </p:txBody>
@@ -7457,7 +7469,7 @@
             </a:xfrm>
             <a:prstGeom prst="parallelogram">
               <a:avLst>
-                <a:gd fmla="val 158024" name="adj"/>
+                <a:gd name="adj" fmla="val 158024"/>
               </a:avLst>
             </a:prstGeom>
             <a:solidFill>
@@ -7468,12 +7480,12 @@
             </a:ln>
           </p:spPr>
           <p:txBody>
-            <a:bodyPr anchorCtr="0" anchor="ctr" bIns="91425" lIns="91425" spcFirstLastPara="1" rIns="91425" wrap="square" tIns="91425">
+            <a:bodyPr spcFirstLastPara="1" wrap="square" lIns="91425" tIns="91425" rIns="91425" bIns="91425" anchor="ctr" anchorCtr="0">
               <a:noAutofit/>
             </a:bodyPr>
             <a:lstStyle/>
             <a:p>
-              <a:pPr indent="0" lvl="0" marL="0" rtl="0" algn="l">
+              <a:pPr marL="0" lvl="0" indent="0" algn="l" rtl="0">
                 <a:spcBef>
                   <a:spcPts val="0"/>
                 </a:spcBef>
@@ -7482,9 +7494,6 @@
                 </a:spcAft>
                 <a:buNone/>
               </a:pPr>
-              <a:r>
-                <a:t/>
-              </a:r>
               <a:endParaRPr/>
             </a:p>
           </p:txBody>
@@ -7502,7 +7511,7 @@
             </a:xfrm>
             <a:prstGeom prst="parallelogram">
               <a:avLst>
-                <a:gd fmla="val 158024" name="adj"/>
+                <a:gd name="adj" fmla="val 158024"/>
               </a:avLst>
             </a:prstGeom>
             <a:solidFill>
@@ -7513,12 +7522,12 @@
             </a:ln>
           </p:spPr>
           <p:txBody>
-            <a:bodyPr anchorCtr="0" anchor="ctr" bIns="91425" lIns="91425" spcFirstLastPara="1" rIns="91425" wrap="square" tIns="91425">
+            <a:bodyPr spcFirstLastPara="1" wrap="square" lIns="91425" tIns="91425" rIns="91425" bIns="91425" anchor="ctr" anchorCtr="0">
               <a:noAutofit/>
             </a:bodyPr>
             <a:lstStyle/>
             <a:p>
-              <a:pPr indent="0" lvl="0" marL="0" rtl="0" algn="l">
+              <a:pPr marL="0" lvl="0" indent="0" algn="l" rtl="0">
                 <a:spcBef>
                   <a:spcPts val="0"/>
                 </a:spcBef>
@@ -7527,9 +7536,6 @@
                 </a:spcAft>
                 <a:buNone/>
               </a:pPr>
-              <a:r>
-                <a:t/>
-              </a:r>
               <a:endParaRPr/>
             </a:p>
           </p:txBody>
@@ -7547,7 +7553,7 @@
             </a:xfrm>
             <a:prstGeom prst="parallelogram">
               <a:avLst>
-                <a:gd fmla="val 158024" name="adj"/>
+                <a:gd name="adj" fmla="val 158024"/>
               </a:avLst>
             </a:prstGeom>
             <a:solidFill>
@@ -7558,12 +7564,12 @@
             </a:ln>
           </p:spPr>
           <p:txBody>
-            <a:bodyPr anchorCtr="0" anchor="ctr" bIns="91425" lIns="91425" spcFirstLastPara="1" rIns="91425" wrap="square" tIns="91425">
+            <a:bodyPr spcFirstLastPara="1" wrap="square" lIns="91425" tIns="91425" rIns="91425" bIns="91425" anchor="ctr" anchorCtr="0">
               <a:noAutofit/>
             </a:bodyPr>
             <a:lstStyle/>
             <a:p>
-              <a:pPr indent="0" lvl="0" marL="0" rtl="0" algn="l">
+              <a:pPr marL="0" lvl="0" indent="0" algn="l" rtl="0">
                 <a:spcBef>
                   <a:spcPts val="0"/>
                 </a:spcBef>
@@ -7572,9 +7578,6 @@
                 </a:spcAft>
                 <a:buNone/>
               </a:pPr>
-              <a:r>
-                <a:t/>
-              </a:r>
               <a:endParaRPr/>
             </a:p>
           </p:txBody>
@@ -7583,7 +7586,9 @@
       <p:sp>
         <p:nvSpPr>
           <p:cNvPr id="93" name="Google Shape;93;p8"/>
-          <p:cNvSpPr txBox="1"/>
+          <p:cNvSpPr txBox="1">
+            <a:spLocks noGrp="1"/>
+          </p:cNvSpPr>
           <p:nvPr>
             <p:ph type="title"/>
           </p:nvPr>
@@ -7598,7 +7603,7 @@
           </a:prstGeom>
         </p:spPr>
         <p:txBody>
-          <a:bodyPr anchorCtr="0" anchor="ctr" bIns="91425" lIns="91425" spcFirstLastPara="1" rIns="91425" wrap="square" tIns="91425">
+          <a:bodyPr spcFirstLastPara="1" wrap="square" lIns="91425" tIns="91425" rIns="91425" bIns="91425" anchor="ctr" anchorCtr="0">
             <a:normAutofit/>
           </a:bodyPr>
           <a:lstStyle>
@@ -7702,15 +7707,19 @@
               <a:defRPr sz="3200"/>
             </a:lvl9pPr>
           </a:lstStyle>
-          <a:p/>
+          <a:p>
+            <a:endParaRPr/>
+          </a:p>
         </p:txBody>
       </p:sp>
       <p:sp>
         <p:nvSpPr>
           <p:cNvPr id="94" name="Google Shape;94;p8"/>
-          <p:cNvSpPr txBox="1"/>
+          <p:cNvSpPr txBox="1">
+            <a:spLocks noGrp="1"/>
+          </p:cNvSpPr>
           <p:nvPr>
-            <p:ph idx="12" type="sldNum"/>
+            <p:ph type="sldNum" idx="12"/>
           </p:nvPr>
         </p:nvSpPr>
         <p:spPr>
@@ -7723,7 +7732,7 @@
           </a:prstGeom>
         </p:spPr>
         <p:txBody>
-          <a:bodyPr anchorCtr="0" anchor="ctr" bIns="91425" lIns="91425" spcFirstLastPara="1" rIns="91425" wrap="square" tIns="91425">
+          <a:bodyPr spcFirstLastPara="1" wrap="square" lIns="91425" tIns="91425" rIns="91425" bIns="91425" anchor="ctr" anchorCtr="0">
             <a:normAutofit/>
           </a:bodyPr>
           <a:lstStyle>
@@ -7765,7 +7774,7 @@
             </a:lvl9pPr>
           </a:lstStyle>
           <a:p>
-            <a:pPr indent="0" lvl="0" marL="0" rtl="0" algn="r">
+            <a:pPr marL="0" lvl="0" indent="0" algn="r" rtl="0">
               <a:spcBef>
                 <a:spcPts val="0"/>
               </a:spcBef>
@@ -7791,18 +7800,19 @@
 </file>
 
 <file path=ppt/slideLayouts/slideLayout8.xml><?xml version="1.0" encoding="utf-8"?>
-<p:sldLayout xmlns:a="http://schemas.openxmlformats.org/drawingml/2006/main" xmlns:r="http://schemas.openxmlformats.org/officeDocument/2006/relationships" xmlns:mc="http://schemas.openxmlformats.org/markup-compatibility/2006" xmlns:mv="urn:schemas-microsoft-com:mac:vml" xmlns:p="http://schemas.openxmlformats.org/presentationml/2006/main" xmlns:c="http://schemas.openxmlformats.org/drawingml/2006/chart" xmlns:dgm="http://schemas.openxmlformats.org/drawingml/2006/diagram" xmlns:o="urn:schemas-microsoft-com:office:office" xmlns:v="urn:schemas-microsoft-com:vml" xmlns:pvml="urn:schemas-microsoft-com:office:powerpoint" xmlns:com="http://schemas.openxmlformats.org/drawingml/2006/compatibility" xmlns:p14="http://schemas.microsoft.com/office/powerpoint/2010/main" xmlns:p15="http://schemas.microsoft.com/office/powerpoint/2012/main" xmlns:ahyp="http://schemas.microsoft.com/office/drawing/2018/hyperlinkcolor" matchingName="Section title and description">
+<p:sldLayout xmlns:a="http://schemas.openxmlformats.org/drawingml/2006/main" xmlns:r="http://schemas.openxmlformats.org/officeDocument/2006/relationships" xmlns:p="http://schemas.openxmlformats.org/presentationml/2006/main" matchingName="Section title and description">
   <p:cSld name="SECTION_TITLE_AND_DESCRIPTION">
     <p:bg>
       <p:bgPr>
         <a:solidFill>
           <a:schemeClr val="dk2"/>
         </a:solidFill>
+        <a:effectLst/>
       </p:bgPr>
     </p:bg>
     <p:spTree>
       <p:nvGrpSpPr>
-        <p:cNvPr id="95" name="Shape 95"/>
+        <p:cNvPr id="1" name="Shape 95"/>
         <p:cNvGrpSpPr/>
         <p:nvPr/>
       </p:nvGrpSpPr>
@@ -7836,12 +7846,12 @@
           </a:ln>
         </p:spPr>
         <p:txBody>
-          <a:bodyPr anchorCtr="0" anchor="ctr" bIns="91425" lIns="91425" spcFirstLastPara="1" rIns="91425" wrap="square" tIns="91425">
+          <a:bodyPr spcFirstLastPara="1" wrap="square" lIns="91425" tIns="91425" rIns="91425" bIns="91425" anchor="ctr" anchorCtr="0">
             <a:noAutofit/>
           </a:bodyPr>
           <a:lstStyle/>
           <a:p>
-            <a:pPr indent="0" lvl="0" marL="0" rtl="0" algn="l">
+            <a:pPr marL="0" lvl="0" indent="0" algn="l" rtl="0">
               <a:spcBef>
                 <a:spcPts val="0"/>
               </a:spcBef>
@@ -7850,9 +7860,6 @@
               </a:spcAft>
               <a:buNone/>
             </a:pPr>
-            <a:r>
-              <a:t/>
-            </a:r>
             <a:endParaRPr/>
           </a:p>
         </p:txBody>
@@ -7879,12 +7886,12 @@
           </a:ln>
         </p:spPr>
         <p:txBody>
-          <a:bodyPr anchorCtr="0" anchor="ctr" bIns="91425" lIns="91425" spcFirstLastPara="1" rIns="91425" wrap="square" tIns="91425">
+          <a:bodyPr spcFirstLastPara="1" wrap="square" lIns="91425" tIns="91425" rIns="91425" bIns="91425" anchor="ctr" anchorCtr="0">
             <a:noAutofit/>
           </a:bodyPr>
           <a:lstStyle/>
           <a:p>
-            <a:pPr indent="0" lvl="0" marL="0" rtl="0" algn="l">
+            <a:pPr marL="0" lvl="0" indent="0" algn="l" rtl="0">
               <a:spcBef>
                 <a:spcPts val="0"/>
               </a:spcBef>
@@ -7893,9 +7900,6 @@
               </a:spcAft>
               <a:buNone/>
             </a:pPr>
-            <a:r>
-              <a:t/>
-            </a:r>
             <a:endParaRPr/>
           </a:p>
         </p:txBody>
@@ -7921,7 +7925,7 @@
             <a:noFill/>
           </a:ln>
           <a:effectLst>
-            <a:outerShdw blurRad="228600" sx="101000" rotWithShape="0" algn="ctr" sy="101000">
+            <a:outerShdw blurRad="228600" sx="101000" sy="101000" algn="ctr" rotWithShape="0">
               <a:srgbClr val="000000">
                 <a:alpha val="40000"/>
               </a:srgbClr>
@@ -7929,12 +7933,12 @@
           </a:effectLst>
         </p:spPr>
         <p:txBody>
-          <a:bodyPr anchorCtr="0" anchor="ctr" bIns="91425" lIns="91425" spcFirstLastPara="1" rIns="91425" wrap="square" tIns="91425">
+          <a:bodyPr spcFirstLastPara="1" wrap="square" lIns="91425" tIns="91425" rIns="91425" bIns="91425" anchor="ctr" anchorCtr="0">
             <a:noAutofit/>
           </a:bodyPr>
           <a:lstStyle/>
           <a:p>
-            <a:pPr indent="0" lvl="0" marL="0" rtl="0" algn="l">
+            <a:pPr marL="0" lvl="0" indent="0" algn="l" rtl="0">
               <a:spcBef>
                 <a:spcPts val="0"/>
               </a:spcBef>
@@ -7943,9 +7947,6 @@
               </a:spcAft>
               <a:buNone/>
             </a:pPr>
-            <a:r>
-              <a:t/>
-            </a:r>
             <a:endParaRPr/>
           </a:p>
         </p:txBody>
@@ -7953,7 +7954,9 @@
       <p:sp>
         <p:nvSpPr>
           <p:cNvPr id="99" name="Google Shape;99;p9"/>
-          <p:cNvSpPr txBox="1"/>
+          <p:cNvSpPr txBox="1">
+            <a:spLocks noGrp="1"/>
+          </p:cNvSpPr>
           <p:nvPr>
             <p:ph type="title"/>
           </p:nvPr>
@@ -7968,7 +7971,7 @@
           </a:prstGeom>
         </p:spPr>
         <p:txBody>
-          <a:bodyPr anchorCtr="0" anchor="t" bIns="91425" lIns="91425" spcFirstLastPara="1" rIns="91425" wrap="square" tIns="91425">
+          <a:bodyPr spcFirstLastPara="1" wrap="square" lIns="91425" tIns="91425" rIns="91425" bIns="91425" anchor="t" anchorCtr="0">
             <a:normAutofit/>
           </a:bodyPr>
           <a:lstStyle>
@@ -8072,15 +8075,19 @@
               <a:defRPr sz="3000"/>
             </a:lvl9pPr>
           </a:lstStyle>
-          <a:p/>
+          <a:p>
+            <a:endParaRPr/>
+          </a:p>
         </p:txBody>
       </p:sp>
       <p:sp>
         <p:nvSpPr>
           <p:cNvPr id="100" name="Google Shape;100;p9"/>
-          <p:cNvSpPr txBox="1"/>
+          <p:cNvSpPr txBox="1">
+            <a:spLocks noGrp="1"/>
+          </p:cNvSpPr>
           <p:nvPr>
-            <p:ph idx="1" type="subTitle"/>
+            <p:ph type="subTitle" idx="1"/>
           </p:nvPr>
         </p:nvSpPr>
         <p:spPr>
@@ -8093,7 +8100,7 @@
           </a:prstGeom>
         </p:spPr>
         <p:txBody>
-          <a:bodyPr anchorCtr="0" anchor="t" bIns="91425" lIns="91425" spcFirstLastPara="1" rIns="91425" wrap="square" tIns="91425">
+          <a:bodyPr spcFirstLastPara="1" wrap="square" lIns="91425" tIns="91425" rIns="91425" bIns="91425" anchor="t" anchorCtr="0">
             <a:normAutofit/>
           </a:bodyPr>
           <a:lstStyle>
@@ -8287,15 +8294,19 @@
               </a:defRPr>
             </a:lvl9pPr>
           </a:lstStyle>
-          <a:p/>
+          <a:p>
+            <a:endParaRPr/>
+          </a:p>
         </p:txBody>
       </p:sp>
       <p:sp>
         <p:nvSpPr>
           <p:cNvPr id="101" name="Google Shape;101;p9"/>
-          <p:cNvSpPr txBox="1"/>
+          <p:cNvSpPr txBox="1">
+            <a:spLocks noGrp="1"/>
+          </p:cNvSpPr>
           <p:nvPr>
-            <p:ph idx="2" type="body"/>
+            <p:ph type="body" idx="2"/>
           </p:nvPr>
         </p:nvSpPr>
         <p:spPr>
@@ -8308,11 +8319,11 @@
           </a:prstGeom>
         </p:spPr>
         <p:txBody>
-          <a:bodyPr anchorCtr="0" anchor="t" bIns="91425" lIns="91425" spcFirstLastPara="1" rIns="91425" wrap="square" tIns="91425">
+          <a:bodyPr spcFirstLastPara="1" wrap="square" lIns="91425" tIns="91425" rIns="91425" bIns="91425" anchor="t" anchorCtr="0">
             <a:normAutofit/>
           </a:bodyPr>
           <a:lstStyle>
-            <a:lvl1pPr indent="-311150" lvl="0" marL="457200">
+            <a:lvl1pPr marL="457200" lvl="0" indent="-311150">
               <a:spcBef>
                 <a:spcPts val="0"/>
               </a:spcBef>
@@ -8323,7 +8334,7 @@
               <a:buChar char="●"/>
               <a:defRPr/>
             </a:lvl1pPr>
-            <a:lvl2pPr indent="-298450" lvl="1" marL="914400">
+            <a:lvl2pPr marL="914400" lvl="1" indent="-298450">
               <a:spcBef>
                 <a:spcPts val="0"/>
               </a:spcBef>
@@ -8334,7 +8345,7 @@
               <a:buChar char="○"/>
               <a:defRPr/>
             </a:lvl2pPr>
-            <a:lvl3pPr indent="-298450" lvl="2" marL="1371600">
+            <a:lvl3pPr marL="1371600" lvl="2" indent="-298450">
               <a:spcBef>
                 <a:spcPts val="0"/>
               </a:spcBef>
@@ -8345,7 +8356,7 @@
               <a:buChar char="■"/>
               <a:defRPr/>
             </a:lvl3pPr>
-            <a:lvl4pPr indent="-298450" lvl="3" marL="1828800">
+            <a:lvl4pPr marL="1828800" lvl="3" indent="-298450">
               <a:spcBef>
                 <a:spcPts val="0"/>
               </a:spcBef>
@@ -8356,7 +8367,7 @@
               <a:buChar char="●"/>
               <a:defRPr/>
             </a:lvl4pPr>
-            <a:lvl5pPr indent="-298450" lvl="4" marL="2286000">
+            <a:lvl5pPr marL="2286000" lvl="4" indent="-298450">
               <a:spcBef>
                 <a:spcPts val="0"/>
               </a:spcBef>
@@ -8367,7 +8378,7 @@
               <a:buChar char="○"/>
               <a:defRPr/>
             </a:lvl5pPr>
-            <a:lvl6pPr indent="-298450" lvl="5" marL="2743200">
+            <a:lvl6pPr marL="2743200" lvl="5" indent="-298450">
               <a:spcBef>
                 <a:spcPts val="0"/>
               </a:spcBef>
@@ -8378,7 +8389,7 @@
               <a:buChar char="■"/>
               <a:defRPr/>
             </a:lvl6pPr>
-            <a:lvl7pPr indent="-298450" lvl="6" marL="3200400">
+            <a:lvl7pPr marL="3200400" lvl="6" indent="-298450">
               <a:spcBef>
                 <a:spcPts val="0"/>
               </a:spcBef>
@@ -8389,7 +8400,7 @@
               <a:buChar char="●"/>
               <a:defRPr/>
             </a:lvl7pPr>
-            <a:lvl8pPr indent="-298450" lvl="7" marL="3657600">
+            <a:lvl8pPr marL="3657600" lvl="7" indent="-298450">
               <a:spcBef>
                 <a:spcPts val="0"/>
               </a:spcBef>
@@ -8400,7 +8411,7 @@
               <a:buChar char="○"/>
               <a:defRPr/>
             </a:lvl8pPr>
-            <a:lvl9pPr indent="-298450" lvl="8" marL="4114800">
+            <a:lvl9pPr marL="4114800" lvl="8" indent="-298450">
               <a:spcBef>
                 <a:spcPts val="0"/>
               </a:spcBef>
@@ -8412,15 +8423,19 @@
               <a:defRPr/>
             </a:lvl9pPr>
           </a:lstStyle>
-          <a:p/>
+          <a:p>
+            <a:endParaRPr/>
+          </a:p>
         </p:txBody>
       </p:sp>
       <p:sp>
         <p:nvSpPr>
           <p:cNvPr id="102" name="Google Shape;102;p9"/>
-          <p:cNvSpPr txBox="1"/>
+          <p:cNvSpPr txBox="1">
+            <a:spLocks noGrp="1"/>
+          </p:cNvSpPr>
           <p:nvPr>
-            <p:ph idx="12" type="sldNum"/>
+            <p:ph type="sldNum" idx="12"/>
           </p:nvPr>
         </p:nvSpPr>
         <p:spPr>
@@ -8433,7 +8448,7 @@
           </a:prstGeom>
         </p:spPr>
         <p:txBody>
-          <a:bodyPr anchorCtr="0" anchor="ctr" bIns="91425" lIns="91425" spcFirstLastPara="1" rIns="91425" wrap="square" tIns="91425">
+          <a:bodyPr spcFirstLastPara="1" wrap="square" lIns="91425" tIns="91425" rIns="91425" bIns="91425" anchor="ctr" anchorCtr="0">
             <a:normAutofit/>
           </a:bodyPr>
           <a:lstStyle>
@@ -8475,7 +8490,7 @@
             </a:lvl9pPr>
           </a:lstStyle>
           <a:p>
-            <a:pPr indent="0" lvl="0" marL="0" rtl="0" algn="r">
+            <a:pPr marL="0" lvl="0" indent="0" algn="r" rtl="0">
               <a:spcBef>
                 <a:spcPts val="0"/>
               </a:spcBef>
@@ -8501,18 +8516,19 @@
 </file>
 
 <file path=ppt/slideLayouts/slideLayout9.xml><?xml version="1.0" encoding="utf-8"?>
-<p:sldLayout xmlns:a="http://schemas.openxmlformats.org/drawingml/2006/main" xmlns:r="http://schemas.openxmlformats.org/officeDocument/2006/relationships" xmlns:mc="http://schemas.openxmlformats.org/markup-compatibility/2006" xmlns:mv="urn:schemas-microsoft-com:mac:vml" xmlns:p="http://schemas.openxmlformats.org/presentationml/2006/main" xmlns:c="http://schemas.openxmlformats.org/drawingml/2006/chart" xmlns:dgm="http://schemas.openxmlformats.org/drawingml/2006/diagram" xmlns:o="urn:schemas-microsoft-com:office:office" xmlns:v="urn:schemas-microsoft-com:vml" xmlns:pvml="urn:schemas-microsoft-com:office:powerpoint" xmlns:com="http://schemas.openxmlformats.org/drawingml/2006/compatibility" xmlns:p14="http://schemas.microsoft.com/office/powerpoint/2010/main" xmlns:p15="http://schemas.microsoft.com/office/powerpoint/2012/main" xmlns:ahyp="http://schemas.microsoft.com/office/drawing/2018/hyperlinkcolor" matchingName="Caption">
+<p:sldLayout xmlns:a="http://schemas.openxmlformats.org/drawingml/2006/main" xmlns:r="http://schemas.openxmlformats.org/officeDocument/2006/relationships" xmlns:p="http://schemas.openxmlformats.org/presentationml/2006/main" matchingName="Caption">
   <p:cSld name="CAPTION_ONLY">
     <p:bg>
       <p:bgPr>
         <a:solidFill>
           <a:schemeClr val="accent1"/>
         </a:solidFill>
+        <a:effectLst/>
       </p:bgPr>
     </p:bg>
     <p:spTree>
       <p:nvGrpSpPr>
-        <p:cNvPr id="103" name="Shape 103"/>
+        <p:cNvPr id="1" name="Shape 103"/>
         <p:cNvGrpSpPr/>
         <p:nvPr/>
       </p:nvGrpSpPr>
@@ -8546,12 +8562,12 @@
           </a:ln>
         </p:spPr>
         <p:txBody>
-          <a:bodyPr anchorCtr="0" anchor="ctr" bIns="91425" lIns="91425" spcFirstLastPara="1" rIns="91425" wrap="square" tIns="91425">
+          <a:bodyPr spcFirstLastPara="1" wrap="square" lIns="91425" tIns="91425" rIns="91425" bIns="91425" anchor="ctr" anchorCtr="0">
             <a:noAutofit/>
           </a:bodyPr>
           <a:lstStyle/>
           <a:p>
-            <a:pPr indent="0" lvl="0" marL="0" rtl="0" algn="l">
+            <a:pPr marL="0" lvl="0" indent="0" algn="l" rtl="0">
               <a:spcBef>
                 <a:spcPts val="0"/>
               </a:spcBef>
@@ -8560,9 +8576,6 @@
               </a:spcAft>
               <a:buNone/>
             </a:pPr>
-            <a:r>
-              <a:t/>
-            </a:r>
             <a:endParaRPr/>
           </a:p>
         </p:txBody>
@@ -8589,12 +8602,12 @@
           </a:ln>
         </p:spPr>
         <p:txBody>
-          <a:bodyPr anchorCtr="0" anchor="ctr" bIns="91425" lIns="91425" spcFirstLastPara="1" rIns="91425" wrap="square" tIns="91425">
+          <a:bodyPr spcFirstLastPara="1" wrap="square" lIns="91425" tIns="91425" rIns="91425" bIns="91425" anchor="ctr" anchorCtr="0">
             <a:noAutofit/>
           </a:bodyPr>
           <a:lstStyle/>
           <a:p>
-            <a:pPr indent="0" lvl="0" marL="0" rtl="0" algn="l">
+            <a:pPr marL="0" lvl="0" indent="0" algn="l" rtl="0">
               <a:spcBef>
                 <a:spcPts val="0"/>
               </a:spcBef>
@@ -8603,9 +8616,6 @@
               </a:spcAft>
               <a:buNone/>
             </a:pPr>
-            <a:r>
-              <a:t/>
-            </a:r>
             <a:endParaRPr/>
           </a:p>
         </p:txBody>
@@ -8631,7 +8641,7 @@
             <a:noFill/>
           </a:ln>
           <a:effectLst>
-            <a:outerShdw blurRad="228600" sx="101000" rotWithShape="0" algn="ctr" sy="101000">
+            <a:outerShdw blurRad="228600" sx="101000" sy="101000" algn="ctr" rotWithShape="0">
               <a:srgbClr val="000000">
                 <a:alpha val="40000"/>
               </a:srgbClr>
@@ -8639,12 +8649,12 @@
           </a:effectLst>
         </p:spPr>
         <p:txBody>
-          <a:bodyPr anchorCtr="0" anchor="ctr" bIns="91425" lIns="91425" spcFirstLastPara="1" rIns="91425" wrap="square" tIns="91425">
+          <a:bodyPr spcFirstLastPara="1" wrap="square" lIns="91425" tIns="91425" rIns="91425" bIns="91425" anchor="ctr" anchorCtr="0">
             <a:noAutofit/>
           </a:bodyPr>
           <a:lstStyle/>
           <a:p>
-            <a:pPr indent="0" lvl="0" marL="0" rtl="0" algn="l">
+            <a:pPr marL="0" lvl="0" indent="0" algn="l" rtl="0">
               <a:spcBef>
                 <a:spcPts val="0"/>
               </a:spcBef>
@@ -8653,9 +8663,6 @@
               </a:spcAft>
               <a:buNone/>
             </a:pPr>
-            <a:r>
-              <a:t/>
-            </a:r>
             <a:endParaRPr/>
           </a:p>
         </p:txBody>
@@ -8663,9 +8670,11 @@
       <p:sp>
         <p:nvSpPr>
           <p:cNvPr id="107" name="Google Shape;107;p10"/>
-          <p:cNvSpPr txBox="1"/>
+          <p:cNvSpPr txBox="1">
+            <a:spLocks noGrp="1"/>
+          </p:cNvSpPr>
           <p:nvPr>
-            <p:ph idx="1" type="body"/>
+            <p:ph type="body" idx="1"/>
           </p:nvPr>
         </p:nvSpPr>
         <p:spPr>
@@ -8678,11 +8687,11 @@
           </a:prstGeom>
         </p:spPr>
         <p:txBody>
-          <a:bodyPr anchorCtr="0" anchor="b" bIns="91425" lIns="91425" spcFirstLastPara="1" rIns="91425" wrap="square" tIns="91425">
+          <a:bodyPr spcFirstLastPara="1" wrap="square" lIns="91425" tIns="91425" rIns="91425" bIns="91425" anchor="b" anchorCtr="0">
             <a:normAutofit/>
           </a:bodyPr>
           <a:lstStyle>
-            <a:lvl1pPr indent="-228600" lvl="0" marL="457200">
+            <a:lvl1pPr marL="457200" lvl="0" indent="-228600">
               <a:lnSpc>
                 <a:spcPct val="100000"/>
               </a:lnSpc>
@@ -8697,15 +8706,19 @@
               <a:defRPr/>
             </a:lvl1pPr>
           </a:lstStyle>
-          <a:p/>
+          <a:p>
+            <a:endParaRPr/>
+          </a:p>
         </p:txBody>
       </p:sp>
       <p:sp>
         <p:nvSpPr>
           <p:cNvPr id="108" name="Google Shape;108;p10"/>
-          <p:cNvSpPr txBox="1"/>
+          <p:cNvSpPr txBox="1">
+            <a:spLocks noGrp="1"/>
+          </p:cNvSpPr>
           <p:nvPr>
-            <p:ph idx="12" type="sldNum"/>
+            <p:ph type="sldNum" idx="12"/>
           </p:nvPr>
         </p:nvSpPr>
         <p:spPr>
@@ -8718,7 +8731,7 @@
           </a:prstGeom>
         </p:spPr>
         <p:txBody>
-          <a:bodyPr anchorCtr="0" anchor="ctr" bIns="91425" lIns="91425" spcFirstLastPara="1" rIns="91425" wrap="square" tIns="91425">
+          <a:bodyPr spcFirstLastPara="1" wrap="square" lIns="91425" tIns="91425" rIns="91425" bIns="91425" anchor="ctr" anchorCtr="0">
             <a:normAutofit/>
           </a:bodyPr>
           <a:lstStyle>
@@ -8760,7 +8773,7 @@
             </a:lvl9pPr>
           </a:lstStyle>
           <a:p>
-            <a:pPr indent="0" lvl="0" marL="0" rtl="0" algn="r">
+            <a:pPr marL="0" lvl="0" indent="0" algn="r" rtl="0">
               <a:spcBef>
                 <a:spcPts val="0"/>
               </a:spcBef>
@@ -8786,18 +8799,19 @@
 </file>
 
 <file path=ppt/slideMasters/slideMaster1.xml><?xml version="1.0" encoding="utf-8"?>
-<p:sldMaster xmlns:a="http://schemas.openxmlformats.org/drawingml/2006/main" xmlns:r="http://schemas.openxmlformats.org/officeDocument/2006/relationships" xmlns:mc="http://schemas.openxmlformats.org/markup-compatibility/2006" xmlns:mv="urn:schemas-microsoft-com:mac:vml" xmlns:p="http://schemas.openxmlformats.org/presentationml/2006/main" xmlns:c="http://schemas.openxmlformats.org/drawingml/2006/chart" xmlns:dgm="http://schemas.openxmlformats.org/drawingml/2006/diagram" xmlns:o="urn:schemas-microsoft-com:office:office" xmlns:v="urn:schemas-microsoft-com:vml" xmlns:pvml="urn:schemas-microsoft-com:office:powerpoint" xmlns:com="http://schemas.openxmlformats.org/drawingml/2006/compatibility" xmlns:p14="http://schemas.microsoft.com/office/powerpoint/2010/main" xmlns:p15="http://schemas.microsoft.com/office/powerpoint/2012/main" xmlns:ahyp="http://schemas.microsoft.com/office/drawing/2018/hyperlinkcolor">
+<p:sldMaster xmlns:a="http://schemas.openxmlformats.org/drawingml/2006/main" xmlns:r="http://schemas.openxmlformats.org/officeDocument/2006/relationships" xmlns:p="http://schemas.openxmlformats.org/presentationml/2006/main">
   <p:cSld name="shift">
     <p:bg>
       <p:bgPr>
         <a:solidFill>
           <a:schemeClr val="dk1"/>
         </a:solidFill>
+        <a:effectLst/>
       </p:bgPr>
     </p:bg>
     <p:spTree>
       <p:nvGrpSpPr>
-        <p:cNvPr id="5" name="Shape 5"/>
+        <p:cNvPr id="1" name="Shape 5"/>
         <p:cNvGrpSpPr/>
         <p:nvPr/>
       </p:nvGrpSpPr>
@@ -8812,7 +8826,9 @@
       <p:sp>
         <p:nvSpPr>
           <p:cNvPr id="6" name="Google Shape;6;p1"/>
-          <p:cNvSpPr txBox="1"/>
+          <p:cNvSpPr txBox="1">
+            <a:spLocks noGrp="1"/>
+          </p:cNvSpPr>
           <p:nvPr>
             <p:ph type="title"/>
           </p:nvPr>
@@ -8831,7 +8847,7 @@
           </a:ln>
         </p:spPr>
         <p:txBody>
-          <a:bodyPr anchorCtr="0" anchor="t" bIns="91425" lIns="91425" spcFirstLastPara="1" rIns="91425" wrap="square" tIns="91425">
+          <a:bodyPr spcFirstLastPara="1" wrap="square" lIns="91425" tIns="91425" rIns="91425" bIns="91425" anchor="t" anchorCtr="0">
             <a:normAutofit/>
           </a:bodyPr>
           <a:lstStyle>
@@ -9043,15 +9059,19 @@
               </a:defRPr>
             </a:lvl9pPr>
           </a:lstStyle>
-          <a:p/>
+          <a:p>
+            <a:endParaRPr/>
+          </a:p>
         </p:txBody>
       </p:sp>
       <p:sp>
         <p:nvSpPr>
           <p:cNvPr id="7" name="Google Shape;7;p1"/>
-          <p:cNvSpPr txBox="1"/>
+          <p:cNvSpPr txBox="1">
+            <a:spLocks noGrp="1"/>
+          </p:cNvSpPr>
           <p:nvPr>
-            <p:ph idx="1" type="body"/>
+            <p:ph type="body" idx="1"/>
           </p:nvPr>
         </p:nvSpPr>
         <p:spPr>
@@ -9068,11 +9088,11 @@
           </a:ln>
         </p:spPr>
         <p:txBody>
-          <a:bodyPr anchorCtr="0" anchor="t" bIns="91425" lIns="91425" spcFirstLastPara="1" rIns="91425" wrap="square" tIns="91425">
+          <a:bodyPr spcFirstLastPara="1" wrap="square" lIns="91425" tIns="91425" rIns="91425" bIns="91425" anchor="t" anchorCtr="0">
             <a:normAutofit/>
           </a:bodyPr>
           <a:lstStyle>
-            <a:lvl1pPr indent="-311150" lvl="0" marL="457200">
+            <a:lvl1pPr marL="457200" lvl="0" indent="-311150">
               <a:lnSpc>
                 <a:spcPct val="115000"/>
               </a:lnSpc>
@@ -9098,7 +9118,7 @@
                 <a:sym typeface="Calibri"/>
               </a:defRPr>
             </a:lvl1pPr>
-            <a:lvl2pPr indent="-298450" lvl="1" marL="914400">
+            <a:lvl2pPr marL="914400" lvl="1" indent="-298450">
               <a:lnSpc>
                 <a:spcPct val="115000"/>
               </a:lnSpc>
@@ -9124,7 +9144,7 @@
                 <a:sym typeface="Calibri"/>
               </a:defRPr>
             </a:lvl2pPr>
-            <a:lvl3pPr indent="-298450" lvl="2" marL="1371600">
+            <a:lvl3pPr marL="1371600" lvl="2" indent="-298450">
               <a:lnSpc>
                 <a:spcPct val="115000"/>
               </a:lnSpc>
@@ -9150,7 +9170,7 @@
                 <a:sym typeface="Calibri"/>
               </a:defRPr>
             </a:lvl3pPr>
-            <a:lvl4pPr indent="-298450" lvl="3" marL="1828800">
+            <a:lvl4pPr marL="1828800" lvl="3" indent="-298450">
               <a:lnSpc>
                 <a:spcPct val="115000"/>
               </a:lnSpc>
@@ -9176,7 +9196,7 @@
                 <a:sym typeface="Calibri"/>
               </a:defRPr>
             </a:lvl4pPr>
-            <a:lvl5pPr indent="-298450" lvl="4" marL="2286000">
+            <a:lvl5pPr marL="2286000" lvl="4" indent="-298450">
               <a:lnSpc>
                 <a:spcPct val="115000"/>
               </a:lnSpc>
@@ -9202,7 +9222,7 @@
                 <a:sym typeface="Calibri"/>
               </a:defRPr>
             </a:lvl5pPr>
-            <a:lvl6pPr indent="-298450" lvl="5" marL="2743200">
+            <a:lvl6pPr marL="2743200" lvl="5" indent="-298450">
               <a:lnSpc>
                 <a:spcPct val="115000"/>
               </a:lnSpc>
@@ -9228,7 +9248,7 @@
                 <a:sym typeface="Calibri"/>
               </a:defRPr>
             </a:lvl6pPr>
-            <a:lvl7pPr indent="-298450" lvl="6" marL="3200400">
+            <a:lvl7pPr marL="3200400" lvl="6" indent="-298450">
               <a:lnSpc>
                 <a:spcPct val="115000"/>
               </a:lnSpc>
@@ -9254,7 +9274,7 @@
                 <a:sym typeface="Calibri"/>
               </a:defRPr>
             </a:lvl7pPr>
-            <a:lvl8pPr indent="-298450" lvl="7" marL="3657600">
+            <a:lvl8pPr marL="3657600" lvl="7" indent="-298450">
               <a:lnSpc>
                 <a:spcPct val="115000"/>
               </a:lnSpc>
@@ -9280,7 +9300,7 @@
                 <a:sym typeface="Calibri"/>
               </a:defRPr>
             </a:lvl8pPr>
-            <a:lvl9pPr indent="-298450" lvl="8" marL="4114800">
+            <a:lvl9pPr marL="4114800" lvl="8" indent="-298450">
               <a:lnSpc>
                 <a:spcPct val="115000"/>
               </a:lnSpc>
@@ -9307,15 +9327,19 @@
               </a:defRPr>
             </a:lvl9pPr>
           </a:lstStyle>
-          <a:p/>
+          <a:p>
+            <a:endParaRPr/>
+          </a:p>
         </p:txBody>
       </p:sp>
       <p:sp>
         <p:nvSpPr>
           <p:cNvPr id="8" name="Google Shape;8;p1"/>
-          <p:cNvSpPr txBox="1"/>
+          <p:cNvSpPr txBox="1">
+            <a:spLocks noGrp="1"/>
+          </p:cNvSpPr>
           <p:nvPr>
-            <p:ph idx="12" type="sldNum"/>
+            <p:ph type="sldNum" idx="12"/>
           </p:nvPr>
         </p:nvSpPr>
         <p:spPr>
@@ -9332,7 +9356,7 @@
           </a:ln>
         </p:spPr>
         <p:txBody>
-          <a:bodyPr anchorCtr="0" anchor="ctr" bIns="91425" lIns="91425" spcFirstLastPara="1" rIns="91425" wrap="square" tIns="91425">
+          <a:bodyPr spcFirstLastPara="1" wrap="square" lIns="91425" tIns="91425" rIns="91425" bIns="91425" anchor="ctr" anchorCtr="0">
             <a:normAutofit/>
           </a:bodyPr>
           <a:lstStyle>
@@ -9446,7 +9470,7 @@
             </a:lvl9pPr>
           </a:lstStyle>
           <a:p>
-            <a:pPr indent="0" lvl="0" marL="0" rtl="0" algn="r">
+            <a:pPr marL="0" lvl="0" indent="0" algn="r" rtl="0">
               <a:spcBef>
                 <a:spcPts val="0"/>
               </a:spcBef>
@@ -9465,7 +9489,7 @@
       </p:sp>
     </p:spTree>
   </p:cSld>
-  <p:clrMap accent1="accent1" accent2="accent2" accent3="accent3" accent4="accent4" accent5="accent5" accent6="accent6" bg1="lt1" bg2="dk2" tx1="dk1" tx2="lt2" folHlink="folHlink" hlink="hlink"/>
+  <p:clrMap bg1="lt1" tx1="dk1" bg2="dk2" tx2="lt2" accent1="accent1" accent2="accent2" accent3="accent3" accent4="accent4" accent5="accent5" accent6="accent6" hlink="hlink" folHlink="folHlink"/>
   <p:sldLayoutIdLst>
     <p:sldLayoutId id="2147483648" r:id="rId1"/>
     <p:sldLayoutId id="2147483649" r:id="rId2"/>
@@ -9479,10 +9503,10 @@
     <p:sldLayoutId id="2147483657" r:id="rId10"/>
     <p:sldLayoutId id="2147483658" r:id="rId11"/>
   </p:sldLayoutIdLst>
-  <p:hf dt="0" ftr="0" hdr="0" sldNum="0"/>
+  <p:hf sldNum="0" hdr="0" ftr="0" dt="0"/>
   <p:txStyles>
     <p:titleStyle>
-      <a:defPPr lvl="0" marR="0" rtl="0" algn="l">
+      <a:defPPr marR="0" lvl="0" algn="l" rtl="0">
         <a:lnSpc>
           <a:spcPct val="100000"/>
         </a:lnSpc>
@@ -9493,7 +9517,7 @@
           <a:spcPts val="0"/>
         </a:spcAft>
       </a:defPPr>
-      <a:lvl1pPr lvl="0" marR="0" rtl="0" algn="l">
+      <a:lvl1pPr marR="0" lvl="0" algn="l" rtl="0">
         <a:lnSpc>
           <a:spcPct val="100000"/>
         </a:lnSpc>
@@ -9507,7 +9531,7 @@
           <a:srgbClr val="000000"/>
         </a:buClr>
         <a:buFont typeface="Arial"/>
-        <a:defRPr b="0" i="0" sz="1400" u="none" cap="none" strike="noStrike">
+        <a:defRPr sz="1400" b="0" i="0" u="none" strike="noStrike" cap="none">
           <a:solidFill>
             <a:srgbClr val="000000"/>
           </a:solidFill>
@@ -9517,7 +9541,7 @@
           <a:sym typeface="Arial"/>
         </a:defRPr>
       </a:lvl1pPr>
-      <a:lvl2pPr lvl="1" marR="0" rtl="0" algn="l">
+      <a:lvl2pPr marR="0" lvl="1" algn="l" rtl="0">
         <a:lnSpc>
           <a:spcPct val="100000"/>
         </a:lnSpc>
@@ -9531,7 +9555,7 @@
           <a:srgbClr val="000000"/>
         </a:buClr>
         <a:buFont typeface="Arial"/>
-        <a:defRPr b="0" i="0" sz="1400" u="none" cap="none" strike="noStrike">
+        <a:defRPr sz="1400" b="0" i="0" u="none" strike="noStrike" cap="none">
           <a:solidFill>
             <a:srgbClr val="000000"/>
           </a:solidFill>
@@ -9541,7 +9565,7 @@
           <a:sym typeface="Arial"/>
         </a:defRPr>
       </a:lvl2pPr>
-      <a:lvl3pPr lvl="2" marR="0" rtl="0" algn="l">
+      <a:lvl3pPr marR="0" lvl="2" algn="l" rtl="0">
         <a:lnSpc>
           <a:spcPct val="100000"/>
         </a:lnSpc>
@@ -9555,7 +9579,7 @@
           <a:srgbClr val="000000"/>
         </a:buClr>
         <a:buFont typeface="Arial"/>
-        <a:defRPr b="0" i="0" sz="1400" u="none" cap="none" strike="noStrike">
+        <a:defRPr sz="1400" b="0" i="0" u="none" strike="noStrike" cap="none">
           <a:solidFill>
             <a:srgbClr val="000000"/>
           </a:solidFill>
@@ -9565,7 +9589,7 @@
           <a:sym typeface="Arial"/>
         </a:defRPr>
       </a:lvl3pPr>
-      <a:lvl4pPr lvl="3" marR="0" rtl="0" algn="l">
+      <a:lvl4pPr marR="0" lvl="3" algn="l" rtl="0">
         <a:lnSpc>
           <a:spcPct val="100000"/>
         </a:lnSpc>
@@ -9579,7 +9603,7 @@
           <a:srgbClr val="000000"/>
         </a:buClr>
         <a:buFont typeface="Arial"/>
-        <a:defRPr b="0" i="0" sz="1400" u="none" cap="none" strike="noStrike">
+        <a:defRPr sz="1400" b="0" i="0" u="none" strike="noStrike" cap="none">
           <a:solidFill>
             <a:srgbClr val="000000"/>
           </a:solidFill>
@@ -9589,7 +9613,7 @@
           <a:sym typeface="Arial"/>
         </a:defRPr>
       </a:lvl4pPr>
-      <a:lvl5pPr lvl="4" marR="0" rtl="0" algn="l">
+      <a:lvl5pPr marR="0" lvl="4" algn="l" rtl="0">
         <a:lnSpc>
           <a:spcPct val="100000"/>
         </a:lnSpc>
@@ -9603,7 +9627,7 @@
           <a:srgbClr val="000000"/>
         </a:buClr>
         <a:buFont typeface="Arial"/>
-        <a:defRPr b="0" i="0" sz="1400" u="none" cap="none" strike="noStrike">
+        <a:defRPr sz="1400" b="0" i="0" u="none" strike="noStrike" cap="none">
           <a:solidFill>
             <a:srgbClr val="000000"/>
           </a:solidFill>
@@ -9613,7 +9637,7 @@
           <a:sym typeface="Arial"/>
         </a:defRPr>
       </a:lvl5pPr>
-      <a:lvl6pPr lvl="5" marR="0" rtl="0" algn="l">
+      <a:lvl6pPr marR="0" lvl="5" algn="l" rtl="0">
         <a:lnSpc>
           <a:spcPct val="100000"/>
         </a:lnSpc>
@@ -9627,7 +9651,7 @@
           <a:srgbClr val="000000"/>
         </a:buClr>
         <a:buFont typeface="Arial"/>
-        <a:defRPr b="0" i="0" sz="1400" u="none" cap="none" strike="noStrike">
+        <a:defRPr sz="1400" b="0" i="0" u="none" strike="noStrike" cap="none">
           <a:solidFill>
             <a:srgbClr val="000000"/>
           </a:solidFill>
@@ -9637,7 +9661,7 @@
           <a:sym typeface="Arial"/>
         </a:defRPr>
       </a:lvl6pPr>
-      <a:lvl7pPr lvl="6" marR="0" rtl="0" algn="l">
+      <a:lvl7pPr marR="0" lvl="6" algn="l" rtl="0">
         <a:lnSpc>
           <a:spcPct val="100000"/>
         </a:lnSpc>
@@ -9651,7 +9675,7 @@
           <a:srgbClr val="000000"/>
         </a:buClr>
         <a:buFont typeface="Arial"/>
-        <a:defRPr b="0" i="0" sz="1400" u="none" cap="none" strike="noStrike">
+        <a:defRPr sz="1400" b="0" i="0" u="none" strike="noStrike" cap="none">
           <a:solidFill>
             <a:srgbClr val="000000"/>
           </a:solidFill>
@@ -9661,7 +9685,7 @@
           <a:sym typeface="Arial"/>
         </a:defRPr>
       </a:lvl7pPr>
-      <a:lvl8pPr lvl="7" marR="0" rtl="0" algn="l">
+      <a:lvl8pPr marR="0" lvl="7" algn="l" rtl="0">
         <a:lnSpc>
           <a:spcPct val="100000"/>
         </a:lnSpc>
@@ -9675,7 +9699,7 @@
           <a:srgbClr val="000000"/>
         </a:buClr>
         <a:buFont typeface="Arial"/>
-        <a:defRPr b="0" i="0" sz="1400" u="none" cap="none" strike="noStrike">
+        <a:defRPr sz="1400" b="0" i="0" u="none" strike="noStrike" cap="none">
           <a:solidFill>
             <a:srgbClr val="000000"/>
           </a:solidFill>
@@ -9685,7 +9709,7 @@
           <a:sym typeface="Arial"/>
         </a:defRPr>
       </a:lvl8pPr>
-      <a:lvl9pPr lvl="8" marR="0" rtl="0" algn="l">
+      <a:lvl9pPr marR="0" lvl="8" algn="l" rtl="0">
         <a:lnSpc>
           <a:spcPct val="100000"/>
         </a:lnSpc>
@@ -9699,7 +9723,7 @@
           <a:srgbClr val="000000"/>
         </a:buClr>
         <a:buFont typeface="Arial"/>
-        <a:defRPr b="0" i="0" sz="1400" u="none" cap="none" strike="noStrike">
+        <a:defRPr sz="1400" b="0" i="0" u="none" strike="noStrike" cap="none">
           <a:solidFill>
             <a:srgbClr val="000000"/>
           </a:solidFill>
@@ -9711,7 +9735,7 @@
       </a:lvl9pPr>
     </p:titleStyle>
     <p:bodyStyle>
-      <a:defPPr lvl="0" marR="0" rtl="0" algn="l">
+      <a:defPPr marR="0" lvl="0" algn="l" rtl="0">
         <a:lnSpc>
           <a:spcPct val="100000"/>
         </a:lnSpc>
@@ -9722,7 +9746,7 @@
           <a:spcPts val="0"/>
         </a:spcAft>
       </a:defPPr>
-      <a:lvl1pPr lvl="0" marR="0" rtl="0" algn="l">
+      <a:lvl1pPr marR="0" lvl="0" algn="l" rtl="0">
         <a:lnSpc>
           <a:spcPct val="100000"/>
         </a:lnSpc>
@@ -9736,7 +9760,7 @@
           <a:srgbClr val="000000"/>
         </a:buClr>
         <a:buFont typeface="Arial"/>
-        <a:defRPr b="0" i="0" sz="1400" u="none" cap="none" strike="noStrike">
+        <a:defRPr sz="1400" b="0" i="0" u="none" strike="noStrike" cap="none">
           <a:solidFill>
             <a:srgbClr val="000000"/>
           </a:solidFill>
@@ -9746,7 +9770,7 @@
           <a:sym typeface="Arial"/>
         </a:defRPr>
       </a:lvl1pPr>
-      <a:lvl2pPr lvl="1" marR="0" rtl="0" algn="l">
+      <a:lvl2pPr marR="0" lvl="1" algn="l" rtl="0">
         <a:lnSpc>
           <a:spcPct val="100000"/>
         </a:lnSpc>
@@ -9760,7 +9784,7 @@
           <a:srgbClr val="000000"/>
         </a:buClr>
         <a:buFont typeface="Arial"/>
-        <a:defRPr b="0" i="0" sz="1400" u="none" cap="none" strike="noStrike">
+        <a:defRPr sz="1400" b="0" i="0" u="none" strike="noStrike" cap="none">
           <a:solidFill>
             <a:srgbClr val="000000"/>
           </a:solidFill>
@@ -9770,7 +9794,7 @@
           <a:sym typeface="Arial"/>
         </a:defRPr>
       </a:lvl2pPr>
-      <a:lvl3pPr lvl="2" marR="0" rtl="0" algn="l">
+      <a:lvl3pPr marR="0" lvl="2" algn="l" rtl="0">
         <a:lnSpc>
           <a:spcPct val="100000"/>
         </a:lnSpc>
@@ -9784,7 +9808,7 @@
           <a:srgbClr val="000000"/>
         </a:buClr>
         <a:buFont typeface="Arial"/>
-        <a:defRPr b="0" i="0" sz="1400" u="none" cap="none" strike="noStrike">
+        <a:defRPr sz="1400" b="0" i="0" u="none" strike="noStrike" cap="none">
           <a:solidFill>
             <a:srgbClr val="000000"/>
           </a:solidFill>
@@ -9794,7 +9818,7 @@
           <a:sym typeface="Arial"/>
         </a:defRPr>
       </a:lvl3pPr>
-      <a:lvl4pPr lvl="3" marR="0" rtl="0" algn="l">
+      <a:lvl4pPr marR="0" lvl="3" algn="l" rtl="0">
         <a:lnSpc>
           <a:spcPct val="100000"/>
         </a:lnSpc>
@@ -9808,7 +9832,7 @@
           <a:srgbClr val="000000"/>
         </a:buClr>
         <a:buFont typeface="Arial"/>
-        <a:defRPr b="0" i="0" sz="1400" u="none" cap="none" strike="noStrike">
+        <a:defRPr sz="1400" b="0" i="0" u="none" strike="noStrike" cap="none">
           <a:solidFill>
             <a:srgbClr val="000000"/>
           </a:solidFill>
@@ -9818,7 +9842,7 @@
           <a:sym typeface="Arial"/>
         </a:defRPr>
       </a:lvl4pPr>
-      <a:lvl5pPr lvl="4" marR="0" rtl="0" algn="l">
+      <a:lvl5pPr marR="0" lvl="4" algn="l" rtl="0">
         <a:lnSpc>
           <a:spcPct val="100000"/>
         </a:lnSpc>
@@ -9832,7 +9856,7 @@
           <a:srgbClr val="000000"/>
         </a:buClr>
         <a:buFont typeface="Arial"/>
-        <a:defRPr b="0" i="0" sz="1400" u="none" cap="none" strike="noStrike">
+        <a:defRPr sz="1400" b="0" i="0" u="none" strike="noStrike" cap="none">
           <a:solidFill>
             <a:srgbClr val="000000"/>
           </a:solidFill>
@@ -9842,7 +9866,7 @@
           <a:sym typeface="Arial"/>
         </a:defRPr>
       </a:lvl5pPr>
-      <a:lvl6pPr lvl="5" marR="0" rtl="0" algn="l">
+      <a:lvl6pPr marR="0" lvl="5" algn="l" rtl="0">
         <a:lnSpc>
           <a:spcPct val="100000"/>
         </a:lnSpc>
@@ -9856,7 +9880,7 @@
           <a:srgbClr val="000000"/>
         </a:buClr>
         <a:buFont typeface="Arial"/>
-        <a:defRPr b="0" i="0" sz="1400" u="none" cap="none" strike="noStrike">
+        <a:defRPr sz="1400" b="0" i="0" u="none" strike="noStrike" cap="none">
           <a:solidFill>
             <a:srgbClr val="000000"/>
           </a:solidFill>
@@ -9866,7 +9890,7 @@
           <a:sym typeface="Arial"/>
         </a:defRPr>
       </a:lvl6pPr>
-      <a:lvl7pPr lvl="6" marR="0" rtl="0" algn="l">
+      <a:lvl7pPr marR="0" lvl="6" algn="l" rtl="0">
         <a:lnSpc>
           <a:spcPct val="100000"/>
         </a:lnSpc>
@@ -9880,7 +9904,7 @@
           <a:srgbClr val="000000"/>
         </a:buClr>
         <a:buFont typeface="Arial"/>
-        <a:defRPr b="0" i="0" sz="1400" u="none" cap="none" strike="noStrike">
+        <a:defRPr sz="1400" b="0" i="0" u="none" strike="noStrike" cap="none">
           <a:solidFill>
             <a:srgbClr val="000000"/>
           </a:solidFill>
@@ -9890,7 +9914,7 @@
           <a:sym typeface="Arial"/>
         </a:defRPr>
       </a:lvl7pPr>
-      <a:lvl8pPr lvl="7" marR="0" rtl="0" algn="l">
+      <a:lvl8pPr marR="0" lvl="7" algn="l" rtl="0">
         <a:lnSpc>
           <a:spcPct val="100000"/>
         </a:lnSpc>
@@ -9904,7 +9928,7 @@
           <a:srgbClr val="000000"/>
         </a:buClr>
         <a:buFont typeface="Arial"/>
-        <a:defRPr b="0" i="0" sz="1400" u="none" cap="none" strike="noStrike">
+        <a:defRPr sz="1400" b="0" i="0" u="none" strike="noStrike" cap="none">
           <a:solidFill>
             <a:srgbClr val="000000"/>
           </a:solidFill>
@@ -9914,7 +9938,7 @@
           <a:sym typeface="Arial"/>
         </a:defRPr>
       </a:lvl8pPr>
-      <a:lvl9pPr lvl="8" marR="0" rtl="0" algn="l">
+      <a:lvl9pPr marR="0" lvl="8" algn="l" rtl="0">
         <a:lnSpc>
           <a:spcPct val="100000"/>
         </a:lnSpc>
@@ -9928,7 +9952,7 @@
           <a:srgbClr val="000000"/>
         </a:buClr>
         <a:buFont typeface="Arial"/>
-        <a:defRPr b="0" i="0" sz="1400" u="none" cap="none" strike="noStrike">
+        <a:defRPr sz="1400" b="0" i="0" u="none" strike="noStrike" cap="none">
           <a:solidFill>
             <a:srgbClr val="000000"/>
           </a:solidFill>
@@ -9940,7 +9964,7 @@
       </a:lvl9pPr>
     </p:bodyStyle>
     <p:otherStyle>
-      <a:defPPr lvl="0" marR="0" rtl="0" algn="l">
+      <a:defPPr marR="0" lvl="0" algn="l" rtl="0">
         <a:lnSpc>
           <a:spcPct val="100000"/>
         </a:lnSpc>
@@ -9951,7 +9975,7 @@
           <a:spcPts val="0"/>
         </a:spcAft>
       </a:defPPr>
-      <a:lvl1pPr lvl="0" marR="0" rtl="0" algn="l">
+      <a:lvl1pPr marR="0" lvl="0" algn="l" rtl="0">
         <a:lnSpc>
           <a:spcPct val="100000"/>
         </a:lnSpc>
@@ -9965,7 +9989,7 @@
           <a:srgbClr val="000000"/>
         </a:buClr>
         <a:buFont typeface="Arial"/>
-        <a:defRPr b="0" i="0" sz="1400" u="none" cap="none" strike="noStrike">
+        <a:defRPr sz="1400" b="0" i="0" u="none" strike="noStrike" cap="none">
           <a:solidFill>
             <a:srgbClr val="000000"/>
           </a:solidFill>
@@ -9975,7 +9999,7 @@
           <a:sym typeface="Arial"/>
         </a:defRPr>
       </a:lvl1pPr>
-      <a:lvl2pPr lvl="1" marR="0" rtl="0" algn="l">
+      <a:lvl2pPr marR="0" lvl="1" algn="l" rtl="0">
         <a:lnSpc>
           <a:spcPct val="100000"/>
         </a:lnSpc>
@@ -9989,7 +10013,7 @@
           <a:srgbClr val="000000"/>
         </a:buClr>
         <a:buFont typeface="Arial"/>
-        <a:defRPr b="0" i="0" sz="1400" u="none" cap="none" strike="noStrike">
+        <a:defRPr sz="1400" b="0" i="0" u="none" strike="noStrike" cap="none">
           <a:solidFill>
             <a:srgbClr val="000000"/>
           </a:solidFill>
@@ -9999,7 +10023,7 @@
           <a:sym typeface="Arial"/>
         </a:defRPr>
       </a:lvl2pPr>
-      <a:lvl3pPr lvl="2" marR="0" rtl="0" algn="l">
+      <a:lvl3pPr marR="0" lvl="2" algn="l" rtl="0">
         <a:lnSpc>
           <a:spcPct val="100000"/>
         </a:lnSpc>
@@ -10013,7 +10037,7 @@
           <a:srgbClr val="000000"/>
         </a:buClr>
         <a:buFont typeface="Arial"/>
-        <a:defRPr b="0" i="0" sz="1400" u="none" cap="none" strike="noStrike">
+        <a:defRPr sz="1400" b="0" i="0" u="none" strike="noStrike" cap="none">
           <a:solidFill>
             <a:srgbClr val="000000"/>
           </a:solidFill>
@@ -10023,7 +10047,7 @@
           <a:sym typeface="Arial"/>
         </a:defRPr>
       </a:lvl3pPr>
-      <a:lvl4pPr lvl="3" marR="0" rtl="0" algn="l">
+      <a:lvl4pPr marR="0" lvl="3" algn="l" rtl="0">
         <a:lnSpc>
           <a:spcPct val="100000"/>
         </a:lnSpc>
@@ -10037,7 +10061,7 @@
           <a:srgbClr val="000000"/>
         </a:buClr>
         <a:buFont typeface="Arial"/>
-        <a:defRPr b="0" i="0" sz="1400" u="none" cap="none" strike="noStrike">
+        <a:defRPr sz="1400" b="0" i="0" u="none" strike="noStrike" cap="none">
           <a:solidFill>
             <a:srgbClr val="000000"/>
           </a:solidFill>
@@ -10047,7 +10071,7 @@
           <a:sym typeface="Arial"/>
         </a:defRPr>
       </a:lvl4pPr>
-      <a:lvl5pPr lvl="4" marR="0" rtl="0" algn="l">
+      <a:lvl5pPr marR="0" lvl="4" algn="l" rtl="0">
         <a:lnSpc>
           <a:spcPct val="100000"/>
         </a:lnSpc>
@@ -10061,7 +10085,7 @@
           <a:srgbClr val="000000"/>
         </a:buClr>
         <a:buFont typeface="Arial"/>
-        <a:defRPr b="0" i="0" sz="1400" u="none" cap="none" strike="noStrike">
+        <a:defRPr sz="1400" b="0" i="0" u="none" strike="noStrike" cap="none">
           <a:solidFill>
             <a:srgbClr val="000000"/>
           </a:solidFill>
@@ -10071,7 +10095,7 @@
           <a:sym typeface="Arial"/>
         </a:defRPr>
       </a:lvl5pPr>
-      <a:lvl6pPr lvl="5" marR="0" rtl="0" algn="l">
+      <a:lvl6pPr marR="0" lvl="5" algn="l" rtl="0">
         <a:lnSpc>
           <a:spcPct val="100000"/>
         </a:lnSpc>
@@ -10085,7 +10109,7 @@
           <a:srgbClr val="000000"/>
         </a:buClr>
         <a:buFont typeface="Arial"/>
-        <a:defRPr b="0" i="0" sz="1400" u="none" cap="none" strike="noStrike">
+        <a:defRPr sz="1400" b="0" i="0" u="none" strike="noStrike" cap="none">
           <a:solidFill>
             <a:srgbClr val="000000"/>
           </a:solidFill>
@@ -10095,7 +10119,7 @@
           <a:sym typeface="Arial"/>
         </a:defRPr>
       </a:lvl6pPr>
-      <a:lvl7pPr lvl="6" marR="0" rtl="0" algn="l">
+      <a:lvl7pPr marR="0" lvl="6" algn="l" rtl="0">
         <a:lnSpc>
           <a:spcPct val="100000"/>
         </a:lnSpc>
@@ -10109,7 +10133,7 @@
           <a:srgbClr val="000000"/>
         </a:buClr>
         <a:buFont typeface="Arial"/>
-        <a:defRPr b="0" i="0" sz="1400" u="none" cap="none" strike="noStrike">
+        <a:defRPr sz="1400" b="0" i="0" u="none" strike="noStrike" cap="none">
           <a:solidFill>
             <a:srgbClr val="000000"/>
           </a:solidFill>
@@ -10119,7 +10143,7 @@
           <a:sym typeface="Arial"/>
         </a:defRPr>
       </a:lvl7pPr>
-      <a:lvl8pPr lvl="7" marR="0" rtl="0" algn="l">
+      <a:lvl8pPr marR="0" lvl="7" algn="l" rtl="0">
         <a:lnSpc>
           <a:spcPct val="100000"/>
         </a:lnSpc>
@@ -10133,7 +10157,7 @@
           <a:srgbClr val="000000"/>
         </a:buClr>
         <a:buFont typeface="Arial"/>
-        <a:defRPr b="0" i="0" sz="1400" u="none" cap="none" strike="noStrike">
+        <a:defRPr sz="1400" b="0" i="0" u="none" strike="noStrike" cap="none">
           <a:solidFill>
             <a:srgbClr val="000000"/>
           </a:solidFill>
@@ -10143,7 +10167,7 @@
           <a:sym typeface="Arial"/>
         </a:defRPr>
       </a:lvl8pPr>
-      <a:lvl9pPr lvl="8" marR="0" rtl="0" algn="l">
+      <a:lvl9pPr marR="0" lvl="8" algn="l" rtl="0">
         <a:lnSpc>
           <a:spcPct val="100000"/>
         </a:lnSpc>
@@ -10157,7 +10181,7 @@
           <a:srgbClr val="000000"/>
         </a:buClr>
         <a:buFont typeface="Arial"/>
-        <a:defRPr b="0" i="0" sz="1400" u="none" cap="none" strike="noStrike">
+        <a:defRPr sz="1400" b="0" i="0" u="none" strike="noStrike" cap="none">
           <a:solidFill>
             <a:srgbClr val="000000"/>
           </a:solidFill>
@@ -10173,11 +10197,11 @@
 </file>
 
 <file path=ppt/slides/slide1.xml><?xml version="1.0" encoding="utf-8"?>
-<p:sld xmlns:a="http://schemas.openxmlformats.org/drawingml/2006/main" xmlns:r="http://schemas.openxmlformats.org/officeDocument/2006/relationships" xmlns:mc="http://schemas.openxmlformats.org/markup-compatibility/2006" xmlns:mv="urn:schemas-microsoft-com:mac:vml" xmlns:p="http://schemas.openxmlformats.org/presentationml/2006/main" xmlns:c="http://schemas.openxmlformats.org/drawingml/2006/chart" xmlns:dgm="http://schemas.openxmlformats.org/drawingml/2006/diagram" xmlns:o="urn:schemas-microsoft-com:office:office" xmlns:v="urn:schemas-microsoft-com:vml" xmlns:pvml="urn:schemas-microsoft-com:office:powerpoint" xmlns:com="http://schemas.openxmlformats.org/drawingml/2006/compatibility" xmlns:p14="http://schemas.microsoft.com/office/powerpoint/2010/main" xmlns:p15="http://schemas.microsoft.com/office/powerpoint/2012/main" xmlns:ahyp="http://schemas.microsoft.com/office/drawing/2018/hyperlinkcolor">
+<p:sld xmlns:a="http://schemas.openxmlformats.org/drawingml/2006/main" xmlns:r="http://schemas.openxmlformats.org/officeDocument/2006/relationships" xmlns:p="http://schemas.openxmlformats.org/presentationml/2006/main">
   <p:cSld>
     <p:spTree>
       <p:nvGrpSpPr>
-        <p:cNvPr id="127" name="Shape 127"/>
+        <p:cNvPr id="1" name="Shape 127"/>
         <p:cNvGrpSpPr/>
         <p:nvPr/>
       </p:nvGrpSpPr>
@@ -10192,7 +10216,9 @@
       <p:sp>
         <p:nvSpPr>
           <p:cNvPr id="128" name="Google Shape;128;p13"/>
-          <p:cNvSpPr txBox="1"/>
+          <p:cNvSpPr txBox="1">
+            <a:spLocks noGrp="1"/>
+          </p:cNvSpPr>
           <p:nvPr>
             <p:ph type="ctrTitle"/>
           </p:nvPr>
@@ -10207,12 +10233,12 @@
           </a:prstGeom>
         </p:spPr>
         <p:txBody>
-          <a:bodyPr anchorCtr="0" anchor="ctr" bIns="91425" lIns="91425" spcFirstLastPara="1" rIns="91425" wrap="square" tIns="91425">
+          <a:bodyPr spcFirstLastPara="1" wrap="square" lIns="91425" tIns="91425" rIns="91425" bIns="91425" anchor="ctr" anchorCtr="0">
             <a:normAutofit/>
           </a:bodyPr>
           <a:lstStyle/>
           <a:p>
-            <a:pPr indent="0" lvl="0" marL="0" rtl="0" algn="ctr">
+            <a:pPr marL="0" lvl="0" indent="0" algn="ctr" rtl="0">
               <a:spcBef>
                 <a:spcPts val="0"/>
               </a:spcBef>
@@ -10248,9 +10274,11 @@
       <p:sp>
         <p:nvSpPr>
           <p:cNvPr id="129" name="Google Shape;129;p13"/>
-          <p:cNvSpPr txBox="1"/>
+          <p:cNvSpPr txBox="1">
+            <a:spLocks noGrp="1"/>
+          </p:cNvSpPr>
           <p:nvPr>
-            <p:ph idx="1" type="subTitle"/>
+            <p:ph type="subTitle" idx="1"/>
           </p:nvPr>
         </p:nvSpPr>
         <p:spPr>
@@ -10263,12 +10291,12 @@
           </a:prstGeom>
         </p:spPr>
         <p:txBody>
-          <a:bodyPr anchorCtr="0" anchor="t" bIns="91425" lIns="91425" spcFirstLastPara="1" rIns="91425" wrap="square" tIns="91425">
+          <a:bodyPr spcFirstLastPara="1" wrap="square" lIns="91425" tIns="91425" rIns="91425" bIns="91425" anchor="t" anchorCtr="0">
             <a:normAutofit fontScale="85000" lnSpcReduction="20000"/>
           </a:bodyPr>
           <a:lstStyle/>
           <a:p>
-            <a:pPr indent="0" lvl="0" marL="0" rtl="0" algn="ctr">
+            <a:pPr marL="0" lvl="0" indent="0" algn="ctr" rtl="0">
               <a:spcBef>
                 <a:spcPts val="0"/>
               </a:spcBef>
@@ -10284,7 +10312,7 @@
             <a:endParaRPr/>
           </a:p>
           <a:p>
-            <a:pPr indent="0" lvl="0" marL="0" rtl="0" algn="ctr">
+            <a:pPr marL="0" lvl="0" indent="0" algn="ctr" rtl="0">
               <a:spcBef>
                 <a:spcPts val="0"/>
               </a:spcBef>
@@ -10310,11 +10338,11 @@
 </file>
 
 <file path=ppt/slides/slide10.xml><?xml version="1.0" encoding="utf-8"?>
-<p:sld xmlns:a="http://schemas.openxmlformats.org/drawingml/2006/main" xmlns:r="http://schemas.openxmlformats.org/officeDocument/2006/relationships" xmlns:mc="http://schemas.openxmlformats.org/markup-compatibility/2006" xmlns:mv="urn:schemas-microsoft-com:mac:vml" xmlns:p="http://schemas.openxmlformats.org/presentationml/2006/main" xmlns:c="http://schemas.openxmlformats.org/drawingml/2006/chart" xmlns:dgm="http://schemas.openxmlformats.org/drawingml/2006/diagram" xmlns:o="urn:schemas-microsoft-com:office:office" xmlns:v="urn:schemas-microsoft-com:vml" xmlns:pvml="urn:schemas-microsoft-com:office:powerpoint" xmlns:com="http://schemas.openxmlformats.org/drawingml/2006/compatibility" xmlns:p14="http://schemas.microsoft.com/office/powerpoint/2010/main" xmlns:p15="http://schemas.microsoft.com/office/powerpoint/2012/main" xmlns:ahyp="http://schemas.microsoft.com/office/drawing/2018/hyperlinkcolor">
+<p:sld xmlns:a="http://schemas.openxmlformats.org/drawingml/2006/main" xmlns:r="http://schemas.openxmlformats.org/officeDocument/2006/relationships" xmlns:p="http://schemas.openxmlformats.org/presentationml/2006/main">
   <p:cSld>
     <p:spTree>
       <p:nvGrpSpPr>
-        <p:cNvPr id="184" name="Shape 184"/>
+        <p:cNvPr id="1" name="Shape 184"/>
         <p:cNvGrpSpPr/>
         <p:nvPr/>
       </p:nvGrpSpPr>
@@ -10329,7 +10357,9 @@
       <p:sp>
         <p:nvSpPr>
           <p:cNvPr id="185" name="Google Shape;185;p22"/>
-          <p:cNvSpPr txBox="1"/>
+          <p:cNvSpPr txBox="1">
+            <a:spLocks noGrp="1"/>
+          </p:cNvSpPr>
           <p:nvPr>
             <p:ph type="title"/>
           </p:nvPr>
@@ -10344,12 +10374,12 @@
           </a:prstGeom>
         </p:spPr>
         <p:txBody>
-          <a:bodyPr anchorCtr="0" anchor="t" bIns="91425" lIns="91425" spcFirstLastPara="1" rIns="91425" wrap="square" tIns="91425">
+          <a:bodyPr spcFirstLastPara="1" wrap="square" lIns="91425" tIns="91425" rIns="91425" bIns="91425" anchor="t" anchorCtr="0">
             <a:normAutofit/>
           </a:bodyPr>
           <a:lstStyle/>
           <a:p>
-            <a:pPr indent="0" lvl="0" marL="0" rtl="0" algn="l">
+            <a:pPr marL="0" lvl="0" indent="0" algn="l" rtl="0">
               <a:spcBef>
                 <a:spcPts val="0"/>
               </a:spcBef>
@@ -10459,11 +10489,11 @@
 </file>
 
 <file path=ppt/slides/slide11.xml><?xml version="1.0" encoding="utf-8"?>
-<p:sld xmlns:a="http://schemas.openxmlformats.org/drawingml/2006/main" xmlns:r="http://schemas.openxmlformats.org/officeDocument/2006/relationships" xmlns:mc="http://schemas.openxmlformats.org/markup-compatibility/2006" xmlns:mv="urn:schemas-microsoft-com:mac:vml" xmlns:p="http://schemas.openxmlformats.org/presentationml/2006/main" xmlns:c="http://schemas.openxmlformats.org/drawingml/2006/chart" xmlns:dgm="http://schemas.openxmlformats.org/drawingml/2006/diagram" xmlns:o="urn:schemas-microsoft-com:office:office" xmlns:v="urn:schemas-microsoft-com:vml" xmlns:pvml="urn:schemas-microsoft-com:office:powerpoint" xmlns:com="http://schemas.openxmlformats.org/drawingml/2006/compatibility" xmlns:p14="http://schemas.microsoft.com/office/powerpoint/2010/main" xmlns:p15="http://schemas.microsoft.com/office/powerpoint/2012/main" xmlns:ahyp="http://schemas.microsoft.com/office/drawing/2018/hyperlinkcolor">
+<p:sld xmlns:a="http://schemas.openxmlformats.org/drawingml/2006/main" xmlns:r="http://schemas.openxmlformats.org/officeDocument/2006/relationships" xmlns:p="http://schemas.openxmlformats.org/presentationml/2006/main">
   <p:cSld>
     <p:spTree>
       <p:nvGrpSpPr>
-        <p:cNvPr id="192" name="Shape 192"/>
+        <p:cNvPr id="1" name="Shape 192"/>
         <p:cNvGrpSpPr/>
         <p:nvPr/>
       </p:nvGrpSpPr>
@@ -10478,7 +10508,9 @@
       <p:sp>
         <p:nvSpPr>
           <p:cNvPr id="193" name="Google Shape;193;p23"/>
-          <p:cNvSpPr txBox="1"/>
+          <p:cNvSpPr txBox="1">
+            <a:spLocks noGrp="1"/>
+          </p:cNvSpPr>
           <p:nvPr>
             <p:ph type="title"/>
           </p:nvPr>
@@ -10493,12 +10525,12 @@
           </a:prstGeom>
         </p:spPr>
         <p:txBody>
-          <a:bodyPr anchorCtr="0" anchor="t" bIns="91425" lIns="91425" spcFirstLastPara="1" rIns="91425" wrap="square" tIns="91425">
+          <a:bodyPr spcFirstLastPara="1" wrap="square" lIns="91425" tIns="91425" rIns="91425" bIns="91425" anchor="t" anchorCtr="0">
             <a:normAutofit/>
           </a:bodyPr>
           <a:lstStyle/>
           <a:p>
-            <a:pPr indent="0" lvl="0" marL="0" rtl="0" algn="l">
+            <a:pPr marL="0" lvl="0" indent="0" algn="l" rtl="0">
               <a:spcBef>
                 <a:spcPts val="0"/>
               </a:spcBef>
@@ -10518,9 +10550,11 @@
       <p:sp>
         <p:nvSpPr>
           <p:cNvPr id="194" name="Google Shape;194;p23"/>
-          <p:cNvSpPr txBox="1"/>
+          <p:cNvSpPr txBox="1">
+            <a:spLocks noGrp="1"/>
+          </p:cNvSpPr>
           <p:nvPr>
-            <p:ph idx="1" type="body"/>
+            <p:ph type="body" idx="1"/>
           </p:nvPr>
         </p:nvSpPr>
         <p:spPr>
@@ -10533,12 +10567,12 @@
           </a:prstGeom>
         </p:spPr>
         <p:txBody>
-          <a:bodyPr anchorCtr="0" anchor="t" bIns="91425" lIns="91425" spcFirstLastPara="1" rIns="91425" wrap="square" tIns="91425">
+          <a:bodyPr spcFirstLastPara="1" wrap="square" lIns="91425" tIns="91425" rIns="91425" bIns="91425" anchor="t" anchorCtr="0">
             <a:normAutofit/>
           </a:bodyPr>
           <a:lstStyle/>
           <a:p>
-            <a:pPr indent="-301625" lvl="0" marL="457200" rtl="0" algn="l">
+            <a:pPr marL="457200" lvl="0" indent="-301625" algn="l" rtl="0">
               <a:spcBef>
                 <a:spcPts val="0"/>
               </a:spcBef>
@@ -10581,7 +10615,7 @@
             </a:endParaRPr>
           </a:p>
           <a:p>
-            <a:pPr indent="-301625" lvl="0" marL="457200" rtl="0" algn="l">
+            <a:pPr marL="457200" lvl="0" indent="-301625" algn="l" rtl="0">
               <a:spcBef>
                 <a:spcPts val="0"/>
               </a:spcBef>
@@ -10613,7 +10647,7 @@
             <a:endParaRPr/>
           </a:p>
           <a:p>
-            <a:pPr indent="-311150" lvl="0" marL="457200" rtl="0" algn="l">
+            <a:pPr marL="457200" lvl="0" indent="-311150" algn="l" rtl="0">
               <a:spcBef>
                 <a:spcPts val="0"/>
               </a:spcBef>
@@ -10656,7 +10690,7 @@
             </a:endParaRPr>
           </a:p>
           <a:p>
-            <a:pPr indent="0" lvl="0" marL="457200" rtl="0" algn="l">
+            <a:pPr marL="457200" lvl="0" indent="0" algn="l" rtl="0">
               <a:spcBef>
                 <a:spcPts val="1200"/>
               </a:spcBef>
@@ -10665,9 +10699,6 @@
               </a:spcAft>
               <a:buNone/>
             </a:pPr>
-            <a:r>
-              <a:t/>
-            </a:r>
             <a:endParaRPr sz="1150">
               <a:solidFill>
                 <a:srgbClr val="212529"/>
@@ -10692,11 +10723,11 @@
 </file>
 
 <file path=ppt/slides/slide12.xml><?xml version="1.0" encoding="utf-8"?>
-<p:sld xmlns:a="http://schemas.openxmlformats.org/drawingml/2006/main" xmlns:r="http://schemas.openxmlformats.org/officeDocument/2006/relationships" xmlns:mc="http://schemas.openxmlformats.org/markup-compatibility/2006" xmlns:mv="urn:schemas-microsoft-com:mac:vml" xmlns:p="http://schemas.openxmlformats.org/presentationml/2006/main" xmlns:c="http://schemas.openxmlformats.org/drawingml/2006/chart" xmlns:dgm="http://schemas.openxmlformats.org/drawingml/2006/diagram" xmlns:o="urn:schemas-microsoft-com:office:office" xmlns:v="urn:schemas-microsoft-com:vml" xmlns:pvml="urn:schemas-microsoft-com:office:powerpoint" xmlns:com="http://schemas.openxmlformats.org/drawingml/2006/compatibility" xmlns:p14="http://schemas.microsoft.com/office/powerpoint/2010/main" xmlns:p15="http://schemas.microsoft.com/office/powerpoint/2012/main" xmlns:ahyp="http://schemas.microsoft.com/office/drawing/2018/hyperlinkcolor">
+<p:sld xmlns:a="http://schemas.openxmlformats.org/drawingml/2006/main" xmlns:r="http://schemas.openxmlformats.org/officeDocument/2006/relationships" xmlns:p="http://schemas.openxmlformats.org/presentationml/2006/main">
   <p:cSld>
     <p:spTree>
       <p:nvGrpSpPr>
-        <p:cNvPr id="198" name="Shape 198"/>
+        <p:cNvPr id="1" name="Shape 198"/>
         <p:cNvGrpSpPr/>
         <p:nvPr/>
       </p:nvGrpSpPr>
@@ -10711,7 +10742,9 @@
       <p:sp>
         <p:nvSpPr>
           <p:cNvPr id="199" name="Google Shape;199;p24"/>
-          <p:cNvSpPr txBox="1"/>
+          <p:cNvSpPr txBox="1">
+            <a:spLocks noGrp="1"/>
+          </p:cNvSpPr>
           <p:nvPr>
             <p:ph type="title"/>
           </p:nvPr>
@@ -10726,12 +10759,12 @@
           </a:prstGeom>
         </p:spPr>
         <p:txBody>
-          <a:bodyPr anchorCtr="0" anchor="t" bIns="91425" lIns="91425" spcFirstLastPara="1" rIns="91425" wrap="square" tIns="91425">
+          <a:bodyPr spcFirstLastPara="1" wrap="square" lIns="91425" tIns="91425" rIns="91425" bIns="91425" anchor="t" anchorCtr="0">
             <a:normAutofit/>
           </a:bodyPr>
           <a:lstStyle/>
           <a:p>
-            <a:pPr indent="0" lvl="0" marL="0" rtl="0" algn="ctr">
+            <a:pPr marL="0" lvl="0" indent="0" algn="ctr" rtl="0">
               <a:spcBef>
                 <a:spcPts val="0"/>
               </a:spcBef>
@@ -10757,11 +10790,11 @@
 </file>
 
 <file path=ppt/slides/slide13.xml><?xml version="1.0" encoding="utf-8"?>
-<p:sld xmlns:a="http://schemas.openxmlformats.org/drawingml/2006/main" xmlns:r="http://schemas.openxmlformats.org/officeDocument/2006/relationships" xmlns:mc="http://schemas.openxmlformats.org/markup-compatibility/2006" xmlns:mv="urn:schemas-microsoft-com:mac:vml" xmlns:p="http://schemas.openxmlformats.org/presentationml/2006/main" xmlns:c="http://schemas.openxmlformats.org/drawingml/2006/chart" xmlns:dgm="http://schemas.openxmlformats.org/drawingml/2006/diagram" xmlns:o="urn:schemas-microsoft-com:office:office" xmlns:v="urn:schemas-microsoft-com:vml" xmlns:pvml="urn:schemas-microsoft-com:office:powerpoint" xmlns:com="http://schemas.openxmlformats.org/drawingml/2006/compatibility" xmlns:p14="http://schemas.microsoft.com/office/powerpoint/2010/main" xmlns:p15="http://schemas.microsoft.com/office/powerpoint/2012/main" xmlns:ahyp="http://schemas.microsoft.com/office/drawing/2018/hyperlinkcolor">
+<p:sld xmlns:a="http://schemas.openxmlformats.org/drawingml/2006/main" xmlns:r="http://schemas.openxmlformats.org/officeDocument/2006/relationships" xmlns:p="http://schemas.openxmlformats.org/presentationml/2006/main">
   <p:cSld>
     <p:spTree>
       <p:nvGrpSpPr>
-        <p:cNvPr id="203" name="Shape 203"/>
+        <p:cNvPr id="1" name="Shape 203"/>
         <p:cNvGrpSpPr/>
         <p:nvPr/>
       </p:nvGrpSpPr>
@@ -10776,7 +10809,9 @@
       <p:sp>
         <p:nvSpPr>
           <p:cNvPr id="204" name="Google Shape;204;p25"/>
-          <p:cNvSpPr txBox="1"/>
+          <p:cNvSpPr txBox="1">
+            <a:spLocks noGrp="1"/>
+          </p:cNvSpPr>
           <p:nvPr>
             <p:ph type="title"/>
           </p:nvPr>
@@ -10791,12 +10826,12 @@
           </a:prstGeom>
         </p:spPr>
         <p:txBody>
-          <a:bodyPr anchorCtr="0" anchor="t" bIns="91425" lIns="91425" spcFirstLastPara="1" rIns="91425" wrap="square" tIns="91425">
+          <a:bodyPr spcFirstLastPara="1" wrap="square" lIns="91425" tIns="91425" rIns="91425" bIns="91425" anchor="t" anchorCtr="0">
             <a:normAutofit/>
           </a:bodyPr>
           <a:lstStyle/>
           <a:p>
-            <a:pPr indent="0" lvl="0" marL="0" rtl="0" algn="l">
+            <a:pPr marL="0" lvl="0" indent="0" algn="l" rtl="0">
               <a:spcBef>
                 <a:spcPts val="0"/>
               </a:spcBef>
@@ -10816,9 +10851,11 @@
       <p:sp>
         <p:nvSpPr>
           <p:cNvPr id="205" name="Google Shape;205;p25"/>
-          <p:cNvSpPr txBox="1"/>
+          <p:cNvSpPr txBox="1">
+            <a:spLocks noGrp="1"/>
+          </p:cNvSpPr>
           <p:nvPr>
-            <p:ph idx="1" type="body"/>
+            <p:ph type="body" idx="1"/>
           </p:nvPr>
         </p:nvSpPr>
         <p:spPr>
@@ -10831,12 +10868,12 @@
           </a:prstGeom>
         </p:spPr>
         <p:txBody>
-          <a:bodyPr anchorCtr="0" anchor="t" bIns="91425" lIns="91425" spcFirstLastPara="1" rIns="91425" wrap="square" tIns="91425">
+          <a:bodyPr spcFirstLastPara="1" wrap="square" lIns="91425" tIns="91425" rIns="91425" bIns="91425" anchor="t" anchorCtr="0">
             <a:normAutofit/>
           </a:bodyPr>
           <a:lstStyle/>
           <a:p>
-            <a:pPr indent="-311150" lvl="0" marL="457200" rtl="0" algn="l">
+            <a:pPr marL="457200" lvl="0" indent="-311150" algn="l" rtl="0">
               <a:spcBef>
                 <a:spcPts val="0"/>
               </a:spcBef>
@@ -10853,7 +10890,7 @@
             <a:endParaRPr/>
           </a:p>
           <a:p>
-            <a:pPr indent="-311150" lvl="0" marL="457200" rtl="0" algn="l">
+            <a:pPr marL="457200" lvl="0" indent="-311150" algn="l" rtl="0">
               <a:spcBef>
                 <a:spcPts val="0"/>
               </a:spcBef>
@@ -10870,7 +10907,7 @@
             <a:endParaRPr/>
           </a:p>
           <a:p>
-            <a:pPr indent="-311150" lvl="0" marL="457200" rtl="0" algn="l">
+            <a:pPr marL="457200" lvl="0" indent="-311150" algn="l" rtl="0">
               <a:spcBef>
                 <a:spcPts val="0"/>
               </a:spcBef>
@@ -10887,7 +10924,7 @@
             <a:endParaRPr/>
           </a:p>
           <a:p>
-            <a:pPr indent="-311150" lvl="0" marL="457200" rtl="0" algn="l">
+            <a:pPr marL="457200" lvl="0" indent="-311150" algn="l" rtl="0">
               <a:spcBef>
                 <a:spcPts val="0"/>
               </a:spcBef>
@@ -10899,20 +10936,12 @@
             </a:pPr>
             <a:r>
               <a:rPr lang="en"/>
-              <a:t>What we will and </a:t>
-            </a:r>
-            <a:r>
-              <a:rPr lang="en"/>
-              <a:t>won't</a:t>
-            </a:r>
-            <a:r>
-              <a:rPr lang="en"/>
-              <a:t> use going forwards</a:t>
+              <a:t>What we will and won't use going forwards</a:t>
             </a:r>
             <a:endParaRPr/>
           </a:p>
           <a:p>
-            <a:pPr indent="0" lvl="0" marL="0" rtl="0" algn="l">
+            <a:pPr marL="0" lvl="0" indent="0" algn="l" rtl="0">
               <a:spcBef>
                 <a:spcPts val="1200"/>
               </a:spcBef>
@@ -10921,9 +10950,6 @@
               </a:spcAft>
               <a:buNone/>
             </a:pPr>
-            <a:r>
-              <a:t/>
-            </a:r>
             <a:endParaRPr/>
           </a:p>
         </p:txBody>
@@ -10937,11 +10963,11 @@
 </file>
 
 <file path=ppt/slides/slide14.xml><?xml version="1.0" encoding="utf-8"?>
-<p:sld xmlns:a="http://schemas.openxmlformats.org/drawingml/2006/main" xmlns:r="http://schemas.openxmlformats.org/officeDocument/2006/relationships" xmlns:mc="http://schemas.openxmlformats.org/markup-compatibility/2006" xmlns:mv="urn:schemas-microsoft-com:mac:vml" xmlns:p="http://schemas.openxmlformats.org/presentationml/2006/main" xmlns:c="http://schemas.openxmlformats.org/drawingml/2006/chart" xmlns:dgm="http://schemas.openxmlformats.org/drawingml/2006/diagram" xmlns:o="urn:schemas-microsoft-com:office:office" xmlns:v="urn:schemas-microsoft-com:vml" xmlns:pvml="urn:schemas-microsoft-com:office:powerpoint" xmlns:com="http://schemas.openxmlformats.org/drawingml/2006/compatibility" xmlns:p14="http://schemas.microsoft.com/office/powerpoint/2010/main" xmlns:p15="http://schemas.microsoft.com/office/powerpoint/2012/main" xmlns:ahyp="http://schemas.microsoft.com/office/drawing/2018/hyperlinkcolor">
+<p:sld xmlns:a="http://schemas.openxmlformats.org/drawingml/2006/main" xmlns:r="http://schemas.openxmlformats.org/officeDocument/2006/relationships" xmlns:p="http://schemas.openxmlformats.org/presentationml/2006/main">
   <p:cSld>
     <p:spTree>
       <p:nvGrpSpPr>
-        <p:cNvPr id="209" name="Shape 209"/>
+        <p:cNvPr id="1" name="Shape 209"/>
         <p:cNvGrpSpPr/>
         <p:nvPr/>
       </p:nvGrpSpPr>
@@ -10956,7 +10982,9 @@
       <p:sp>
         <p:nvSpPr>
           <p:cNvPr id="210" name="Google Shape;210;p26"/>
-          <p:cNvSpPr txBox="1"/>
+          <p:cNvSpPr txBox="1">
+            <a:spLocks noGrp="1"/>
+          </p:cNvSpPr>
           <p:nvPr>
             <p:ph type="title"/>
           </p:nvPr>
@@ -10971,12 +10999,12 @@
           </a:prstGeom>
         </p:spPr>
         <p:txBody>
-          <a:bodyPr anchorCtr="0" anchor="t" bIns="91425" lIns="91425" spcFirstLastPara="1" rIns="91425" wrap="square" tIns="91425">
+          <a:bodyPr spcFirstLastPara="1" wrap="square" lIns="91425" tIns="91425" rIns="91425" bIns="91425" anchor="t" anchorCtr="0">
             <a:normAutofit/>
           </a:bodyPr>
           <a:lstStyle/>
           <a:p>
-            <a:pPr indent="0" lvl="0" marL="0" rtl="0" algn="ctr">
+            <a:pPr marL="0" lvl="0" indent="0" algn="ctr" rtl="0">
               <a:spcBef>
                 <a:spcPts val="0"/>
               </a:spcBef>
@@ -11002,11 +11030,11 @@
 </file>
 
 <file path=ppt/slides/slide2.xml><?xml version="1.0" encoding="utf-8"?>
-<p:sld xmlns:a="http://schemas.openxmlformats.org/drawingml/2006/main" xmlns:r="http://schemas.openxmlformats.org/officeDocument/2006/relationships" xmlns:mc="http://schemas.openxmlformats.org/markup-compatibility/2006" xmlns:mv="urn:schemas-microsoft-com:mac:vml" xmlns:p="http://schemas.openxmlformats.org/presentationml/2006/main" xmlns:c="http://schemas.openxmlformats.org/drawingml/2006/chart" xmlns:dgm="http://schemas.openxmlformats.org/drawingml/2006/diagram" xmlns:o="urn:schemas-microsoft-com:office:office" xmlns:v="urn:schemas-microsoft-com:vml" xmlns:pvml="urn:schemas-microsoft-com:office:powerpoint" xmlns:com="http://schemas.openxmlformats.org/drawingml/2006/compatibility" xmlns:p14="http://schemas.microsoft.com/office/powerpoint/2010/main" xmlns:p15="http://schemas.microsoft.com/office/powerpoint/2012/main" xmlns:ahyp="http://schemas.microsoft.com/office/drawing/2018/hyperlinkcolor">
+<p:sld xmlns:a="http://schemas.openxmlformats.org/drawingml/2006/main" xmlns:r="http://schemas.openxmlformats.org/officeDocument/2006/relationships" xmlns:p="http://schemas.openxmlformats.org/presentationml/2006/main">
   <p:cSld>
     <p:spTree>
       <p:nvGrpSpPr>
-        <p:cNvPr id="133" name="Shape 133"/>
+        <p:cNvPr id="1" name="Shape 133"/>
         <p:cNvGrpSpPr/>
         <p:nvPr/>
       </p:nvGrpSpPr>
@@ -11021,7 +11049,9 @@
       <p:sp>
         <p:nvSpPr>
           <p:cNvPr id="134" name="Google Shape;134;p14"/>
-          <p:cNvSpPr txBox="1"/>
+          <p:cNvSpPr txBox="1">
+            <a:spLocks noGrp="1"/>
+          </p:cNvSpPr>
           <p:nvPr>
             <p:ph type="title"/>
           </p:nvPr>
@@ -11036,12 +11066,12 @@
           </a:prstGeom>
         </p:spPr>
         <p:txBody>
-          <a:bodyPr anchorCtr="0" anchor="t" bIns="91425" lIns="91425" spcFirstLastPara="1" rIns="91425" wrap="square" tIns="91425">
+          <a:bodyPr spcFirstLastPara="1" wrap="square" lIns="91425" tIns="91425" rIns="91425" bIns="91425" anchor="t" anchorCtr="0">
             <a:normAutofit/>
           </a:bodyPr>
           <a:lstStyle/>
           <a:p>
-            <a:pPr indent="0" lvl="0" marL="0" rtl="0" algn="l">
+            <a:pPr marL="0" lvl="0" indent="0" algn="l" rtl="0">
               <a:spcBef>
                 <a:spcPts val="0"/>
               </a:spcBef>
@@ -11095,11 +11125,11 @@
 </file>
 
 <file path=ppt/slides/slide3.xml><?xml version="1.0" encoding="utf-8"?>
-<p:sld xmlns:a="http://schemas.openxmlformats.org/drawingml/2006/main" xmlns:r="http://schemas.openxmlformats.org/officeDocument/2006/relationships" xmlns:mc="http://schemas.openxmlformats.org/markup-compatibility/2006" xmlns:mv="urn:schemas-microsoft-com:mac:vml" xmlns:p="http://schemas.openxmlformats.org/presentationml/2006/main" xmlns:c="http://schemas.openxmlformats.org/drawingml/2006/chart" xmlns:dgm="http://schemas.openxmlformats.org/drawingml/2006/diagram" xmlns:o="urn:schemas-microsoft-com:office:office" xmlns:v="urn:schemas-microsoft-com:vml" xmlns:pvml="urn:schemas-microsoft-com:office:powerpoint" xmlns:com="http://schemas.openxmlformats.org/drawingml/2006/compatibility" xmlns:p14="http://schemas.microsoft.com/office/powerpoint/2010/main" xmlns:p15="http://schemas.microsoft.com/office/powerpoint/2012/main" xmlns:ahyp="http://schemas.microsoft.com/office/drawing/2018/hyperlinkcolor">
+<p:sld xmlns:a="http://schemas.openxmlformats.org/drawingml/2006/main" xmlns:r="http://schemas.openxmlformats.org/officeDocument/2006/relationships" xmlns:p="http://schemas.openxmlformats.org/presentationml/2006/main">
   <p:cSld>
     <p:spTree>
       <p:nvGrpSpPr>
-        <p:cNvPr id="139" name="Shape 139"/>
+        <p:cNvPr id="1" name="Shape 139"/>
         <p:cNvGrpSpPr/>
         <p:nvPr/>
       </p:nvGrpSpPr>
@@ -11114,7 +11144,9 @@
       <p:sp>
         <p:nvSpPr>
           <p:cNvPr id="140" name="Google Shape;140;p15"/>
-          <p:cNvSpPr txBox="1"/>
+          <p:cNvSpPr txBox="1">
+            <a:spLocks noGrp="1"/>
+          </p:cNvSpPr>
           <p:nvPr>
             <p:ph type="title"/>
           </p:nvPr>
@@ -11129,12 +11161,12 @@
           </a:prstGeom>
         </p:spPr>
         <p:txBody>
-          <a:bodyPr anchorCtr="0" anchor="t" bIns="91425" lIns="91425" spcFirstLastPara="1" rIns="91425" wrap="square" tIns="91425">
+          <a:bodyPr spcFirstLastPara="1" wrap="square" lIns="91425" tIns="91425" rIns="91425" bIns="91425" anchor="t" anchorCtr="0">
             <a:normAutofit/>
           </a:bodyPr>
           <a:lstStyle/>
           <a:p>
-            <a:pPr indent="0" lvl="0" marL="0" rtl="0" algn="l">
+            <a:pPr marL="0" lvl="0" indent="0" algn="l" rtl="0">
               <a:spcBef>
                 <a:spcPts val="0"/>
               </a:spcBef>
@@ -11154,9 +11186,11 @@
       <p:sp>
         <p:nvSpPr>
           <p:cNvPr id="141" name="Google Shape;141;p15"/>
-          <p:cNvSpPr txBox="1"/>
+          <p:cNvSpPr txBox="1">
+            <a:spLocks noGrp="1"/>
+          </p:cNvSpPr>
           <p:nvPr>
-            <p:ph idx="1" type="body"/>
+            <p:ph type="body" idx="1"/>
           </p:nvPr>
         </p:nvSpPr>
         <p:spPr>
@@ -11169,12 +11203,12 @@
           </a:prstGeom>
         </p:spPr>
         <p:txBody>
-          <a:bodyPr anchorCtr="0" anchor="t" bIns="91425" lIns="91425" spcFirstLastPara="1" rIns="91425" wrap="square" tIns="91425">
+          <a:bodyPr spcFirstLastPara="1" wrap="square" lIns="91425" tIns="91425" rIns="91425" bIns="91425" anchor="t" anchorCtr="0">
             <a:normAutofit lnSpcReduction="20000"/>
           </a:bodyPr>
           <a:lstStyle/>
           <a:p>
-            <a:pPr indent="0" lvl="0" marL="0" rtl="0" algn="l">
+            <a:pPr marL="0" lvl="0" indent="0" algn="l" rtl="0">
               <a:spcBef>
                 <a:spcPts val="0"/>
               </a:spcBef>
@@ -11198,7 +11232,7 @@
             </a:endParaRPr>
           </a:p>
           <a:p>
-            <a:pPr indent="0" lvl="0" marL="0" rtl="0" algn="l">
+            <a:pPr marL="0" lvl="0" indent="0" algn="l" rtl="0">
               <a:spcBef>
                 <a:spcPts val="1200"/>
               </a:spcBef>
@@ -11214,7 +11248,7 @@
             <a:endParaRPr/>
           </a:p>
           <a:p>
-            <a:pPr indent="-311150" lvl="0" marL="457200" rtl="0" algn="l">
+            <a:pPr marL="457200" lvl="0" indent="-311150" algn="l" rtl="0">
               <a:spcBef>
                 <a:spcPts val="1200"/>
               </a:spcBef>
@@ -11231,7 +11265,7 @@
             <a:endParaRPr/>
           </a:p>
           <a:p>
-            <a:pPr indent="-311150" lvl="0" marL="457200" rtl="0" algn="l">
+            <a:pPr marL="457200" lvl="0" indent="-311150" algn="l" rtl="0">
               <a:spcBef>
                 <a:spcPts val="0"/>
               </a:spcBef>
@@ -11256,7 +11290,7 @@
             <a:endParaRPr/>
           </a:p>
           <a:p>
-            <a:pPr indent="0" lvl="0" marL="0" rtl="0" algn="l">
+            <a:pPr marL="0" lvl="0" indent="0" algn="l" rtl="0">
               <a:spcBef>
                 <a:spcPts val="1200"/>
               </a:spcBef>
@@ -11280,7 +11314,7 @@
             </a:endParaRPr>
           </a:p>
           <a:p>
-            <a:pPr indent="0" lvl="0" marL="0" rtl="0" algn="l">
+            <a:pPr marL="0" lvl="0" indent="0" algn="l" rtl="0">
               <a:spcBef>
                 <a:spcPts val="1200"/>
               </a:spcBef>
@@ -11296,7 +11330,7 @@
             <a:endParaRPr/>
           </a:p>
           <a:p>
-            <a:pPr indent="0" lvl="0" marL="0" rtl="0" algn="l">
+            <a:pPr marL="0" lvl="0" indent="0" algn="l" rtl="0">
               <a:spcBef>
                 <a:spcPts val="1200"/>
               </a:spcBef>
@@ -11305,13 +11339,10 @@
               </a:spcAft>
               <a:buNone/>
             </a:pPr>
-            <a:r>
-              <a:t/>
-            </a:r>
             <a:endParaRPr/>
           </a:p>
           <a:p>
-            <a:pPr indent="0" lvl="0" marL="0" rtl="0" algn="l">
+            <a:pPr marL="0" lvl="0" indent="0" algn="l" rtl="0">
               <a:spcBef>
                 <a:spcPts val="1200"/>
               </a:spcBef>
@@ -11320,9 +11351,6 @@
               </a:spcAft>
               <a:buNone/>
             </a:pPr>
-            <a:r>
-              <a:t/>
-            </a:r>
             <a:endParaRPr/>
           </a:p>
         </p:txBody>
@@ -11336,11 +11364,11 @@
 </file>
 
 <file path=ppt/slides/slide4.xml><?xml version="1.0" encoding="utf-8"?>
-<p:sld xmlns:a="http://schemas.openxmlformats.org/drawingml/2006/main" xmlns:r="http://schemas.openxmlformats.org/officeDocument/2006/relationships" xmlns:mc="http://schemas.openxmlformats.org/markup-compatibility/2006" xmlns:mv="urn:schemas-microsoft-com:mac:vml" xmlns:p="http://schemas.openxmlformats.org/presentationml/2006/main" xmlns:c="http://schemas.openxmlformats.org/drawingml/2006/chart" xmlns:dgm="http://schemas.openxmlformats.org/drawingml/2006/diagram" xmlns:o="urn:schemas-microsoft-com:office:office" xmlns:v="urn:schemas-microsoft-com:vml" xmlns:pvml="urn:schemas-microsoft-com:office:powerpoint" xmlns:com="http://schemas.openxmlformats.org/drawingml/2006/compatibility" xmlns:p14="http://schemas.microsoft.com/office/powerpoint/2010/main" xmlns:p15="http://schemas.microsoft.com/office/powerpoint/2012/main" xmlns:ahyp="http://schemas.microsoft.com/office/drawing/2018/hyperlinkcolor">
+<p:sld xmlns:a="http://schemas.openxmlformats.org/drawingml/2006/main" xmlns:r="http://schemas.openxmlformats.org/officeDocument/2006/relationships" xmlns:p="http://schemas.openxmlformats.org/presentationml/2006/main">
   <p:cSld>
     <p:spTree>
       <p:nvGrpSpPr>
-        <p:cNvPr id="145" name="Shape 145"/>
+        <p:cNvPr id="1" name="Shape 145"/>
         <p:cNvGrpSpPr/>
         <p:nvPr/>
       </p:nvGrpSpPr>
@@ -11355,7 +11383,9 @@
       <p:sp>
         <p:nvSpPr>
           <p:cNvPr id="146" name="Google Shape;146;p16"/>
-          <p:cNvSpPr txBox="1"/>
+          <p:cNvSpPr txBox="1">
+            <a:spLocks noGrp="1"/>
+          </p:cNvSpPr>
           <p:nvPr>
             <p:ph type="title"/>
           </p:nvPr>
@@ -11370,160 +11400,113 @@
           </a:prstGeom>
         </p:spPr>
         <p:txBody>
-          <a:bodyPr anchorCtr="0" anchor="t" bIns="91425" lIns="91425" spcFirstLastPara="1" rIns="91425" wrap="square" tIns="91425">
+          <a:bodyPr spcFirstLastPara="1" wrap="square" lIns="91425" tIns="91425" rIns="91425" bIns="91425" anchor="t" anchorCtr="0">
             <a:normAutofit/>
           </a:bodyPr>
           <a:lstStyle/>
           <a:p>
-            <a:pPr indent="0" lvl="0" marL="0" rtl="0" algn="l">
-              <a:spcBef>
-                <a:spcPts val="0"/>
-              </a:spcBef>
-              <a:spcAft>
-                <a:spcPts val="0"/>
-              </a:spcAft>
-              <a:buNone/>
-            </a:pPr>
             <a:r>
-              <a:rPr lang="en"/>
-              <a:t>   Why                 What               Who</a:t>
+              <a:rPr lang="en" dirty="0"/>
+              <a:t>   Why</a:t>
             </a:r>
-            <a:endParaRPr/>
+            <a:endParaRPr dirty="0"/>
           </a:p>
         </p:txBody>
       </p:sp>
       <p:sp>
         <p:nvSpPr>
           <p:cNvPr id="147" name="Google Shape;147;p16"/>
-          <p:cNvSpPr txBox="1"/>
+          <p:cNvSpPr txBox="1">
+            <a:spLocks noGrp="1"/>
+          </p:cNvSpPr>
           <p:nvPr>
-            <p:ph idx="1" type="body"/>
+            <p:ph type="body" idx="1"/>
           </p:nvPr>
         </p:nvSpPr>
         <p:spPr>
           <a:xfrm>
-            <a:off x="852150" y="1627725"/>
-            <a:ext cx="1750200" cy="2448000"/>
+            <a:off x="820896" y="1632190"/>
+            <a:ext cx="6679388" cy="2448000"/>
           </a:xfrm>
           <a:prstGeom prst="rect">
             <a:avLst/>
           </a:prstGeom>
         </p:spPr>
         <p:txBody>
-          <a:bodyPr anchorCtr="0" anchor="t" bIns="91425" lIns="91425" spcFirstLastPara="1" rIns="91425" wrap="square" tIns="91425">
+          <a:bodyPr spcFirstLastPara="1" wrap="square" lIns="91425" tIns="91425" rIns="91425" bIns="91425" anchor="t" anchorCtr="0">
             <a:normAutofit/>
           </a:bodyPr>
           <a:lstStyle/>
           <a:p>
-            <a:pPr indent="0" lvl="0" marL="0" rtl="0" algn="l">
-              <a:spcBef>
-                <a:spcPts val="0"/>
-              </a:spcBef>
-              <a:spcAft>
-                <a:spcPts val="0"/>
-              </a:spcAft>
-              <a:buNone/>
+            <a:pPr marL="285750" indent="-285750">
+              <a:lnSpc>
+                <a:spcPct val="114999"/>
+              </a:lnSpc>
             </a:pPr>
             <a:r>
-              <a:rPr lang="en"/>
-              <a:t>Provide a more enjoyable educational experience!</a:t>
+              <a:rPr lang="en" dirty="0">
+                <a:solidFill>
+                  <a:schemeClr val="bg2"/>
+                </a:solidFill>
+              </a:rPr>
+              <a:t>To create a more enjoyable learning environment for math in school</a:t>
             </a:r>
-            <a:endParaRPr/>
+            <a:endParaRPr lang="en" sz="1700" dirty="0">
+              <a:solidFill>
+                <a:schemeClr val="bg2"/>
+              </a:solidFill>
+            </a:endParaRPr>
           </a:p>
           <a:p>
-            <a:pPr indent="0" lvl="0" marL="0" rtl="0" algn="l">
-              <a:spcBef>
-                <a:spcPts val="1200"/>
-              </a:spcBef>
-              <a:spcAft>
-                <a:spcPts val="1200"/>
-              </a:spcAft>
-              <a:buNone/>
+            <a:pPr marL="285750" indent="-285750">
+              <a:lnSpc>
+                <a:spcPct val="114999"/>
+              </a:lnSpc>
             </a:pPr>
             <a:r>
-              <a:t/>
+              <a:rPr lang="en" dirty="0">
+                <a:solidFill>
+                  <a:schemeClr val="bg2"/>
+                </a:solidFill>
+              </a:rPr>
+              <a:t>To provide a resource for students to learn outside of school</a:t>
             </a:r>
-            <a:endParaRPr/>
           </a:p>
-        </p:txBody>
-      </p:sp>
-      <p:sp>
-        <p:nvSpPr>
-          <p:cNvPr id="148" name="Google Shape;148;p16"/>
-          <p:cNvSpPr txBox="1"/>
-          <p:nvPr>
-            <p:ph idx="1" type="body"/>
-          </p:nvPr>
-        </p:nvSpPr>
-        <p:spPr>
-          <a:xfrm>
-            <a:off x="3281625" y="1627725"/>
-            <a:ext cx="1750200" cy="2448000"/>
-          </a:xfrm>
-          <a:prstGeom prst="rect">
-            <a:avLst/>
-          </a:prstGeom>
-        </p:spPr>
-        <p:txBody>
-          <a:bodyPr anchorCtr="0" anchor="t" bIns="91425" lIns="91425" spcFirstLastPara="1" rIns="91425" wrap="square" tIns="91425">
-            <a:normAutofit/>
-          </a:bodyPr>
-          <a:lstStyle/>
           <a:p>
-            <a:pPr indent="0" lvl="0" marL="0" rtl="0" algn="l">
-              <a:spcBef>
-                <a:spcPts val="0"/>
-              </a:spcBef>
-              <a:spcAft>
-                <a:spcPts val="1200"/>
-              </a:spcAft>
-              <a:buNone/>
+            <a:pPr marL="285750" indent="-285750">
+              <a:lnSpc>
+                <a:spcPct val="114999"/>
+              </a:lnSpc>
             </a:pPr>
             <a:r>
-              <a:rPr lang="en"/>
-              <a:t>Dynamic and quickly generated math problems</a:t>
+              <a:rPr lang="en" dirty="0">
+                <a:solidFill>
+                  <a:schemeClr val="bg2"/>
+                </a:solidFill>
+              </a:rPr>
+              <a:t>To be an option for teachers to create variety in their math classes</a:t>
             </a:r>
-            <a:endParaRPr/>
           </a:p>
-        </p:txBody>
-      </p:sp>
-      <p:sp>
-        <p:nvSpPr>
-          <p:cNvPr id="149" name="Google Shape;149;p16"/>
-          <p:cNvSpPr txBox="1"/>
-          <p:nvPr>
-            <p:ph idx="1" type="body"/>
-          </p:nvPr>
-        </p:nvSpPr>
-        <p:spPr>
-          <a:xfrm>
-            <a:off x="5810150" y="1627725"/>
-            <a:ext cx="1750200" cy="2448000"/>
-          </a:xfrm>
-          <a:prstGeom prst="rect">
-            <a:avLst/>
-          </a:prstGeom>
-        </p:spPr>
-        <p:txBody>
-          <a:bodyPr anchorCtr="0" anchor="t" bIns="91425" lIns="91425" spcFirstLastPara="1" rIns="91425" wrap="square" tIns="91425">
-            <a:normAutofit/>
-          </a:bodyPr>
-          <a:lstStyle/>
           <a:p>
-            <a:pPr indent="0" lvl="0" marL="0" rtl="0" algn="l">
-              <a:spcBef>
-                <a:spcPts val="0"/>
-              </a:spcBef>
-              <a:spcAft>
+            <a:pPr marL="0" indent="0">
+              <a:lnSpc>
+                <a:spcPct val="114999"/>
+              </a:lnSpc>
+              <a:buNone/>
+            </a:pPr>
+            <a:endParaRPr lang="en" sz="1700" dirty="0"/>
+          </a:p>
+          <a:p>
+            <a:pPr marL="0" indent="0">
+              <a:spcBef>
                 <a:spcPts val="1200"/>
+              </a:spcBef>
+              <a:spcAft>
+                <a:spcPts val="1200"/>
               </a:spcAft>
               <a:buNone/>
             </a:pPr>
-            <a:r>
-              <a:rPr lang="en"/>
-              <a:t>Elementary level students and teachers</a:t>
-            </a:r>
-            <a:endParaRPr/>
+            <a:endParaRPr lang="en-US"/>
           </a:p>
         </p:txBody>
       </p:sp>
@@ -11536,11 +11519,11 @@
 </file>
 
 <file path=ppt/slides/slide5.xml><?xml version="1.0" encoding="utf-8"?>
-<p:sld xmlns:a="http://schemas.openxmlformats.org/drawingml/2006/main" xmlns:r="http://schemas.openxmlformats.org/officeDocument/2006/relationships" xmlns:mc="http://schemas.openxmlformats.org/markup-compatibility/2006" xmlns:mv="urn:schemas-microsoft-com:mac:vml" xmlns:p="http://schemas.openxmlformats.org/presentationml/2006/main" xmlns:c="http://schemas.openxmlformats.org/drawingml/2006/chart" xmlns:dgm="http://schemas.openxmlformats.org/drawingml/2006/diagram" xmlns:o="urn:schemas-microsoft-com:office:office" xmlns:v="urn:schemas-microsoft-com:vml" xmlns:pvml="urn:schemas-microsoft-com:office:powerpoint" xmlns:com="http://schemas.openxmlformats.org/drawingml/2006/compatibility" xmlns:p14="http://schemas.microsoft.com/office/powerpoint/2010/main" xmlns:p15="http://schemas.microsoft.com/office/powerpoint/2012/main" xmlns:ahyp="http://schemas.microsoft.com/office/drawing/2018/hyperlinkcolor">
+<p:sld xmlns:a="http://schemas.openxmlformats.org/drawingml/2006/main" xmlns:r="http://schemas.openxmlformats.org/officeDocument/2006/relationships" xmlns:p="http://schemas.openxmlformats.org/presentationml/2006/main">
   <p:cSld>
     <p:spTree>
       <p:nvGrpSpPr>
-        <p:cNvPr id="153" name="Shape 153"/>
+        <p:cNvPr id="1" name="Shape 153"/>
         <p:cNvGrpSpPr/>
         <p:nvPr/>
       </p:nvGrpSpPr>
@@ -11555,7 +11538,9 @@
       <p:sp>
         <p:nvSpPr>
           <p:cNvPr id="154" name="Google Shape;154;p17"/>
-          <p:cNvSpPr txBox="1"/>
+          <p:cNvSpPr txBox="1">
+            <a:spLocks noGrp="1"/>
+          </p:cNvSpPr>
           <p:nvPr>
             <p:ph type="title"/>
           </p:nvPr>
@@ -11570,12 +11555,12 @@
           </a:prstGeom>
         </p:spPr>
         <p:txBody>
-          <a:bodyPr anchorCtr="0" anchor="t" bIns="91425" lIns="91425" spcFirstLastPara="1" rIns="91425" wrap="square" tIns="91425">
+          <a:bodyPr spcFirstLastPara="1" wrap="square" lIns="91425" tIns="91425" rIns="91425" bIns="91425" anchor="t" anchorCtr="0">
             <a:normAutofit/>
           </a:bodyPr>
           <a:lstStyle/>
           <a:p>
-            <a:pPr indent="0" lvl="0" marL="0" rtl="0" algn="ctr">
+            <a:pPr marL="0" lvl="0" indent="0" algn="ctr" rtl="0">
               <a:spcBef>
                 <a:spcPts val="0"/>
               </a:spcBef>
@@ -11601,11 +11586,11 @@
 </file>
 
 <file path=ppt/slides/slide6.xml><?xml version="1.0" encoding="utf-8"?>
-<p:sld xmlns:a="http://schemas.openxmlformats.org/drawingml/2006/main" xmlns:r="http://schemas.openxmlformats.org/officeDocument/2006/relationships" xmlns:mc="http://schemas.openxmlformats.org/markup-compatibility/2006" xmlns:mv="urn:schemas-microsoft-com:mac:vml" xmlns:p="http://schemas.openxmlformats.org/presentationml/2006/main" xmlns:c="http://schemas.openxmlformats.org/drawingml/2006/chart" xmlns:dgm="http://schemas.openxmlformats.org/drawingml/2006/diagram" xmlns:o="urn:schemas-microsoft-com:office:office" xmlns:v="urn:schemas-microsoft-com:vml" xmlns:pvml="urn:schemas-microsoft-com:office:powerpoint" xmlns:com="http://schemas.openxmlformats.org/drawingml/2006/compatibility" xmlns:p14="http://schemas.microsoft.com/office/powerpoint/2010/main" xmlns:p15="http://schemas.microsoft.com/office/powerpoint/2012/main" xmlns:ahyp="http://schemas.microsoft.com/office/drawing/2018/hyperlinkcolor">
+<p:sld xmlns:a="http://schemas.openxmlformats.org/drawingml/2006/main" xmlns:r="http://schemas.openxmlformats.org/officeDocument/2006/relationships" xmlns:p="http://schemas.openxmlformats.org/presentationml/2006/main">
   <p:cSld>
     <p:spTree>
       <p:nvGrpSpPr>
-        <p:cNvPr id="158" name="Shape 158"/>
+        <p:cNvPr id="1" name="Shape 158"/>
         <p:cNvGrpSpPr/>
         <p:nvPr/>
       </p:nvGrpSpPr>
@@ -11620,7 +11605,9 @@
       <p:sp>
         <p:nvSpPr>
           <p:cNvPr id="159" name="Google Shape;159;p18"/>
-          <p:cNvSpPr txBox="1"/>
+          <p:cNvSpPr txBox="1">
+            <a:spLocks noGrp="1"/>
+          </p:cNvSpPr>
           <p:nvPr>
             <p:ph type="title"/>
           </p:nvPr>
@@ -11635,12 +11622,12 @@
           </a:prstGeom>
         </p:spPr>
         <p:txBody>
-          <a:bodyPr anchorCtr="0" anchor="t" bIns="91425" lIns="91425" spcFirstLastPara="1" rIns="91425" wrap="square" tIns="91425">
+          <a:bodyPr spcFirstLastPara="1" wrap="square" lIns="91425" tIns="91425" rIns="91425" bIns="91425" anchor="t" anchorCtr="0">
             <a:normAutofit/>
           </a:bodyPr>
           <a:lstStyle/>
           <a:p>
-            <a:pPr indent="0" lvl="0" marL="0" rtl="0" algn="l">
+            <a:pPr marL="0" lvl="0" indent="0" algn="l" rtl="0">
               <a:spcBef>
                 <a:spcPts val="0"/>
               </a:spcBef>
@@ -11722,11 +11709,11 @@
 </file>
 
 <file path=ppt/slides/slide7.xml><?xml version="1.0" encoding="utf-8"?>
-<p:sld xmlns:a="http://schemas.openxmlformats.org/drawingml/2006/main" xmlns:r="http://schemas.openxmlformats.org/officeDocument/2006/relationships" xmlns:mc="http://schemas.openxmlformats.org/markup-compatibility/2006" xmlns:mv="urn:schemas-microsoft-com:mac:vml" xmlns:p="http://schemas.openxmlformats.org/presentationml/2006/main" xmlns:c="http://schemas.openxmlformats.org/drawingml/2006/chart" xmlns:dgm="http://schemas.openxmlformats.org/drawingml/2006/diagram" xmlns:o="urn:schemas-microsoft-com:office:office" xmlns:v="urn:schemas-microsoft-com:vml" xmlns:pvml="urn:schemas-microsoft-com:office:powerpoint" xmlns:com="http://schemas.openxmlformats.org/drawingml/2006/compatibility" xmlns:p14="http://schemas.microsoft.com/office/powerpoint/2010/main" xmlns:p15="http://schemas.microsoft.com/office/powerpoint/2012/main" xmlns:ahyp="http://schemas.microsoft.com/office/drawing/2018/hyperlinkcolor">
+<p:sld xmlns:a="http://schemas.openxmlformats.org/drawingml/2006/main" xmlns:r="http://schemas.openxmlformats.org/officeDocument/2006/relationships" xmlns:p="http://schemas.openxmlformats.org/presentationml/2006/main">
   <p:cSld>
     <p:spTree>
       <p:nvGrpSpPr>
-        <p:cNvPr id="165" name="Shape 165"/>
+        <p:cNvPr id="1" name="Shape 165"/>
         <p:cNvGrpSpPr/>
         <p:nvPr/>
       </p:nvGrpSpPr>
@@ -11741,7 +11728,9 @@
       <p:sp>
         <p:nvSpPr>
           <p:cNvPr id="166" name="Google Shape;166;p19"/>
-          <p:cNvSpPr txBox="1"/>
+          <p:cNvSpPr txBox="1">
+            <a:spLocks noGrp="1"/>
+          </p:cNvSpPr>
           <p:nvPr>
             <p:ph type="title"/>
           </p:nvPr>
@@ -11756,12 +11745,12 @@
           </a:prstGeom>
         </p:spPr>
         <p:txBody>
-          <a:bodyPr anchorCtr="0" anchor="t" bIns="91425" lIns="91425" spcFirstLastPara="1" rIns="91425" wrap="square" tIns="91425">
+          <a:bodyPr spcFirstLastPara="1" wrap="square" lIns="91425" tIns="91425" rIns="91425" bIns="91425" anchor="t" anchorCtr="0">
             <a:normAutofit/>
           </a:bodyPr>
           <a:lstStyle/>
           <a:p>
-            <a:pPr indent="0" lvl="0" marL="0" rtl="0" algn="l">
+            <a:pPr marL="0" lvl="0" indent="0" algn="l" rtl="0">
               <a:spcBef>
                 <a:spcPts val="0"/>
               </a:spcBef>
@@ -11815,11 +11804,11 @@
 </file>
 
 <file path=ppt/slides/slide8.xml><?xml version="1.0" encoding="utf-8"?>
-<p:sld xmlns:a="http://schemas.openxmlformats.org/drawingml/2006/main" xmlns:r="http://schemas.openxmlformats.org/officeDocument/2006/relationships" xmlns:mc="http://schemas.openxmlformats.org/markup-compatibility/2006" xmlns:mv="urn:schemas-microsoft-com:mac:vml" xmlns:p="http://schemas.openxmlformats.org/presentationml/2006/main" xmlns:c="http://schemas.openxmlformats.org/drawingml/2006/chart" xmlns:dgm="http://schemas.openxmlformats.org/drawingml/2006/diagram" xmlns:o="urn:schemas-microsoft-com:office:office" xmlns:v="urn:schemas-microsoft-com:vml" xmlns:pvml="urn:schemas-microsoft-com:office:powerpoint" xmlns:com="http://schemas.openxmlformats.org/drawingml/2006/compatibility" xmlns:p14="http://schemas.microsoft.com/office/powerpoint/2010/main" xmlns:p15="http://schemas.microsoft.com/office/powerpoint/2012/main" xmlns:ahyp="http://schemas.microsoft.com/office/drawing/2018/hyperlinkcolor">
+<p:sld xmlns:a="http://schemas.openxmlformats.org/drawingml/2006/main" xmlns:r="http://schemas.openxmlformats.org/officeDocument/2006/relationships" xmlns:p="http://schemas.openxmlformats.org/presentationml/2006/main">
   <p:cSld>
     <p:spTree>
       <p:nvGrpSpPr>
-        <p:cNvPr id="171" name="Shape 171"/>
+        <p:cNvPr id="1" name="Shape 171"/>
         <p:cNvGrpSpPr/>
         <p:nvPr/>
       </p:nvGrpSpPr>
@@ -11834,7 +11823,9 @@
       <p:sp>
         <p:nvSpPr>
           <p:cNvPr id="172" name="Google Shape;172;p20"/>
-          <p:cNvSpPr txBox="1"/>
+          <p:cNvSpPr txBox="1">
+            <a:spLocks noGrp="1"/>
+          </p:cNvSpPr>
           <p:nvPr>
             <p:ph type="title"/>
           </p:nvPr>
@@ -11849,12 +11840,12 @@
           </a:prstGeom>
         </p:spPr>
         <p:txBody>
-          <a:bodyPr anchorCtr="0" anchor="t" bIns="91425" lIns="91425" spcFirstLastPara="1" rIns="91425" wrap="square" tIns="91425">
+          <a:bodyPr spcFirstLastPara="1" wrap="square" lIns="91425" tIns="91425" rIns="91425" bIns="91425" anchor="t" anchorCtr="0">
             <a:normAutofit/>
           </a:bodyPr>
           <a:lstStyle/>
           <a:p>
-            <a:pPr indent="0" lvl="0" marL="0" rtl="0" algn="l">
+            <a:pPr marL="0" lvl="0" indent="0" algn="l" rtl="0">
               <a:spcBef>
                 <a:spcPts val="0"/>
               </a:spcBef>
@@ -11936,11 +11927,11 @@
 </file>
 
 <file path=ppt/slides/slide9.xml><?xml version="1.0" encoding="utf-8"?>
-<p:sld xmlns:a="http://schemas.openxmlformats.org/drawingml/2006/main" xmlns:r="http://schemas.openxmlformats.org/officeDocument/2006/relationships" xmlns:mc="http://schemas.openxmlformats.org/markup-compatibility/2006" xmlns:mv="urn:schemas-microsoft-com:mac:vml" xmlns:p="http://schemas.openxmlformats.org/presentationml/2006/main" xmlns:c="http://schemas.openxmlformats.org/drawingml/2006/chart" xmlns:dgm="http://schemas.openxmlformats.org/drawingml/2006/diagram" xmlns:o="urn:schemas-microsoft-com:office:office" xmlns:v="urn:schemas-microsoft-com:vml" xmlns:pvml="urn:schemas-microsoft-com:office:powerpoint" xmlns:com="http://schemas.openxmlformats.org/drawingml/2006/compatibility" xmlns:p14="http://schemas.microsoft.com/office/powerpoint/2010/main" xmlns:p15="http://schemas.microsoft.com/office/powerpoint/2012/main" xmlns:ahyp="http://schemas.microsoft.com/office/drawing/2018/hyperlinkcolor">
+<p:sld xmlns:a="http://schemas.openxmlformats.org/drawingml/2006/main" xmlns:r="http://schemas.openxmlformats.org/officeDocument/2006/relationships" xmlns:p="http://schemas.openxmlformats.org/presentationml/2006/main">
   <p:cSld>
     <p:spTree>
       <p:nvGrpSpPr>
-        <p:cNvPr id="178" name="Shape 178"/>
+        <p:cNvPr id="1" name="Shape 178"/>
         <p:cNvGrpSpPr/>
         <p:nvPr/>
       </p:nvGrpSpPr>
@@ -11955,7 +11946,9 @@
       <p:sp>
         <p:nvSpPr>
           <p:cNvPr id="179" name="Google Shape;179;p21"/>
-          <p:cNvSpPr txBox="1"/>
+          <p:cNvSpPr txBox="1">
+            <a:spLocks noGrp="1"/>
+          </p:cNvSpPr>
           <p:nvPr>
             <p:ph type="title"/>
           </p:nvPr>
@@ -11970,12 +11963,12 @@
           </a:prstGeom>
         </p:spPr>
         <p:txBody>
-          <a:bodyPr anchorCtr="0" anchor="t" bIns="91425" lIns="91425" spcFirstLastPara="1" rIns="91425" wrap="square" tIns="91425">
+          <a:bodyPr spcFirstLastPara="1" wrap="square" lIns="91425" tIns="91425" rIns="91425" bIns="91425" anchor="t" anchorCtr="0">
             <a:normAutofit/>
           </a:bodyPr>
           <a:lstStyle/>
           <a:p>
-            <a:pPr indent="0" lvl="0" marL="0" rtl="0" algn="l">
+            <a:pPr marL="0" lvl="0" indent="0" algn="l" rtl="0">
               <a:spcBef>
                 <a:spcPts val="0"/>
               </a:spcBef>
@@ -12029,7 +12022,288 @@
 </file>
 
 <file path=ppt/theme/theme1.xml><?xml version="1.0" encoding="utf-8"?>
-<a:theme xmlns:a="http://schemas.openxmlformats.org/drawingml/2006/main" xmlns:r="http://schemas.openxmlformats.org/officeDocument/2006/relationships">
+<a:theme xmlns:a="http://schemas.openxmlformats.org/drawingml/2006/main" name="Shift">
+  <a:themeElements>
+    <a:clrScheme name="Shift">
+      <a:dk1>
+        <a:srgbClr val="FFFFFF"/>
+      </a:dk1>
+      <a:lt1>
+        <a:srgbClr val="AF7B51"/>
+      </a:lt1>
+      <a:dk2>
+        <a:srgbClr val="233A44"/>
+      </a:dk2>
+      <a:lt2>
+        <a:srgbClr val="D9D9D9"/>
+      </a:lt2>
+      <a:accent1>
+        <a:srgbClr val="00796B"/>
+      </a:accent1>
+      <a:accent2>
+        <a:srgbClr val="D9563F"/>
+      </a:accent2>
+      <a:accent3>
+        <a:srgbClr val="C4A15A"/>
+      </a:accent3>
+      <a:accent4>
+        <a:srgbClr val="14F597"/>
+      </a:accent4>
+      <a:accent5>
+        <a:srgbClr val="3D4594"/>
+      </a:accent5>
+      <a:accent6>
+        <a:srgbClr val="163EF5"/>
+      </a:accent6>
+      <a:hlink>
+        <a:srgbClr val="3D4594"/>
+      </a:hlink>
+      <a:folHlink>
+        <a:srgbClr val="3D4594"/>
+      </a:folHlink>
+    </a:clrScheme>
+    <a:fontScheme name="Office">
+      <a:majorFont>
+        <a:latin typeface="Arial"/>
+        <a:ea typeface=""/>
+        <a:cs typeface=""/>
+        <a:font script="Jpan" typeface="ＭＳ Ｐゴシック"/>
+        <a:font script="Hang" typeface="맑은 고딕"/>
+        <a:font script="Hans" typeface="宋体"/>
+        <a:font script="Hant" typeface="新細明體"/>
+        <a:font script="Arab" typeface="Times New Roman"/>
+        <a:font script="Hebr" typeface="Times New Roman"/>
+        <a:font script="Thai" typeface="Angsana New"/>
+        <a:font script="Ethi" typeface="Nyala"/>
+        <a:font script="Beng" typeface="Vrinda"/>
+        <a:font script="Gujr" typeface="Shruti"/>
+        <a:font script="Khmr" typeface="MoolBoran"/>
+        <a:font script="Knda" typeface="Tunga"/>
+        <a:font script="Guru" typeface="Raavi"/>
+        <a:font script="Cans" typeface="Euphemia"/>
+        <a:font script="Cher" typeface="Plantagenet Cherokee"/>
+        <a:font script="Yiii" typeface="Microsoft Yi Baiti"/>
+        <a:font script="Tibt" typeface="Microsoft Himalaya"/>
+        <a:font script="Thaa" typeface="MV Boli"/>
+        <a:font script="Deva" typeface="Mangal"/>
+        <a:font script="Telu" typeface="Gautami"/>
+        <a:font script="Taml" typeface="Latha"/>
+        <a:font script="Syrc" typeface="Estrangelo Edessa"/>
+        <a:font script="Orya" typeface="Kalinga"/>
+        <a:font script="Mlym" typeface="Kartika"/>
+        <a:font script="Laoo" typeface="DokChampa"/>
+        <a:font script="Sinh" typeface="Iskoola Pota"/>
+        <a:font script="Mong" typeface="Mongolian Baiti"/>
+        <a:font script="Viet" typeface="Times New Roman"/>
+        <a:font script="Uigh" typeface="Microsoft Uighur"/>
+        <a:font script="Geor" typeface="Sylfaen"/>
+      </a:majorFont>
+      <a:minorFont>
+        <a:latin typeface="Arial"/>
+        <a:ea typeface=""/>
+        <a:cs typeface=""/>
+        <a:font script="Jpan" typeface="ＭＳ Ｐゴシック"/>
+        <a:font script="Hang" typeface="맑은 고딕"/>
+        <a:font script="Hans" typeface="宋体"/>
+        <a:font script="Hant" typeface="新細明體"/>
+        <a:font script="Arab" typeface="Arial"/>
+        <a:font script="Hebr" typeface="Arial"/>
+        <a:font script="Thai" typeface="Cordia New"/>
+        <a:font script="Ethi" typeface="Nyala"/>
+        <a:font script="Beng" typeface="Vrinda"/>
+        <a:font script="Gujr" typeface="Shruti"/>
+        <a:font script="Khmr" typeface="DaunPenh"/>
+        <a:font script="Knda" typeface="Tunga"/>
+        <a:font script="Guru" typeface="Raavi"/>
+        <a:font script="Cans" typeface="Euphemia"/>
+        <a:font script="Cher" typeface="Plantagenet Cherokee"/>
+        <a:font script="Yiii" typeface="Microsoft Yi Baiti"/>
+        <a:font script="Tibt" typeface="Microsoft Himalaya"/>
+        <a:font script="Thaa" typeface="MV Boli"/>
+        <a:font script="Deva" typeface="Mangal"/>
+        <a:font script="Telu" typeface="Gautami"/>
+        <a:font script="Taml" typeface="Latha"/>
+        <a:font script="Syrc" typeface="Estrangelo Edessa"/>
+        <a:font script="Orya" typeface="Kalinga"/>
+        <a:font script="Mlym" typeface="Kartika"/>
+        <a:font script="Laoo" typeface="DokChampa"/>
+        <a:font script="Sinh" typeface="Iskoola Pota"/>
+        <a:font script="Mong" typeface="Mongolian Baiti"/>
+        <a:font script="Viet" typeface="Arial"/>
+        <a:font script="Uigh" typeface="Microsoft Uighur"/>
+        <a:font script="Geor" typeface="Sylfaen"/>
+      </a:minorFont>
+    </a:fontScheme>
+    <a:fmtScheme name="Office">
+      <a:fillStyleLst>
+        <a:solidFill>
+          <a:schemeClr val="phClr"/>
+        </a:solidFill>
+        <a:gradFill rotWithShape="1">
+          <a:gsLst>
+            <a:gs pos="0">
+              <a:schemeClr val="phClr">
+                <a:tint val="50000"/>
+                <a:satMod val="300000"/>
+              </a:schemeClr>
+            </a:gs>
+            <a:gs pos="35000">
+              <a:schemeClr val="phClr">
+                <a:tint val="37000"/>
+                <a:satMod val="300000"/>
+              </a:schemeClr>
+            </a:gs>
+            <a:gs pos="100000">
+              <a:schemeClr val="phClr">
+                <a:tint val="15000"/>
+                <a:satMod val="350000"/>
+              </a:schemeClr>
+            </a:gs>
+          </a:gsLst>
+          <a:lin ang="16200000" scaled="1"/>
+        </a:gradFill>
+        <a:gradFill rotWithShape="1">
+          <a:gsLst>
+            <a:gs pos="0">
+              <a:schemeClr val="phClr">
+                <a:tint val="100000"/>
+                <a:shade val="100000"/>
+                <a:satMod val="130000"/>
+              </a:schemeClr>
+            </a:gs>
+            <a:gs pos="100000">
+              <a:schemeClr val="phClr">
+                <a:tint val="50000"/>
+                <a:shade val="100000"/>
+                <a:satMod val="350000"/>
+              </a:schemeClr>
+            </a:gs>
+          </a:gsLst>
+          <a:lin ang="16200000" scaled="0"/>
+        </a:gradFill>
+      </a:fillStyleLst>
+      <a:lnStyleLst>
+        <a:ln w="9525" cap="flat" cmpd="sng" algn="ctr">
+          <a:solidFill>
+            <a:schemeClr val="phClr">
+              <a:shade val="95000"/>
+              <a:satMod val="105000"/>
+            </a:schemeClr>
+          </a:solidFill>
+          <a:prstDash val="solid"/>
+        </a:ln>
+        <a:ln w="25400" cap="flat" cmpd="sng" algn="ctr">
+          <a:solidFill>
+            <a:schemeClr val="phClr"/>
+          </a:solidFill>
+          <a:prstDash val="solid"/>
+        </a:ln>
+        <a:ln w="38100" cap="flat" cmpd="sng" algn="ctr">
+          <a:solidFill>
+            <a:schemeClr val="phClr"/>
+          </a:solidFill>
+          <a:prstDash val="solid"/>
+        </a:ln>
+      </a:lnStyleLst>
+      <a:effectStyleLst>
+        <a:effectStyle>
+          <a:effectLst>
+            <a:outerShdw blurRad="40000" dist="20000" dir="5400000" rotWithShape="0">
+              <a:srgbClr val="000000">
+                <a:alpha val="38000"/>
+              </a:srgbClr>
+            </a:outerShdw>
+          </a:effectLst>
+        </a:effectStyle>
+        <a:effectStyle>
+          <a:effectLst>
+            <a:outerShdw blurRad="40000" dist="23000" dir="5400000" rotWithShape="0">
+              <a:srgbClr val="000000">
+                <a:alpha val="35000"/>
+              </a:srgbClr>
+            </a:outerShdw>
+          </a:effectLst>
+        </a:effectStyle>
+        <a:effectStyle>
+          <a:effectLst>
+            <a:outerShdw blurRad="40000" dist="23000" dir="5400000" rotWithShape="0">
+              <a:srgbClr val="000000">
+                <a:alpha val="35000"/>
+              </a:srgbClr>
+            </a:outerShdw>
+          </a:effectLst>
+          <a:scene3d>
+            <a:camera prst="orthographicFront">
+              <a:rot lat="0" lon="0" rev="0"/>
+            </a:camera>
+            <a:lightRig rig="threePt" dir="t">
+              <a:rot lat="0" lon="0" rev="1200000"/>
+            </a:lightRig>
+          </a:scene3d>
+          <a:sp3d>
+            <a:bevelT w="63500" h="25400"/>
+          </a:sp3d>
+        </a:effectStyle>
+      </a:effectStyleLst>
+      <a:bgFillStyleLst>
+        <a:solidFill>
+          <a:schemeClr val="phClr"/>
+        </a:solidFill>
+        <a:gradFill rotWithShape="1">
+          <a:gsLst>
+            <a:gs pos="0">
+              <a:schemeClr val="phClr">
+                <a:tint val="40000"/>
+                <a:satMod val="350000"/>
+              </a:schemeClr>
+            </a:gs>
+            <a:gs pos="40000">
+              <a:schemeClr val="phClr">
+                <a:tint val="45000"/>
+                <a:shade val="99000"/>
+                <a:satMod val="350000"/>
+              </a:schemeClr>
+            </a:gs>
+            <a:gs pos="100000">
+              <a:schemeClr val="phClr">
+                <a:shade val="20000"/>
+                <a:satMod val="255000"/>
+              </a:schemeClr>
+            </a:gs>
+          </a:gsLst>
+          <a:path path="circle">
+            <a:fillToRect l="50000" t="-80000" r="50000" b="180000"/>
+          </a:path>
+        </a:gradFill>
+        <a:gradFill rotWithShape="1">
+          <a:gsLst>
+            <a:gs pos="0">
+              <a:schemeClr val="phClr">
+                <a:tint val="80000"/>
+                <a:satMod val="300000"/>
+              </a:schemeClr>
+            </a:gs>
+            <a:gs pos="100000">
+              <a:schemeClr val="phClr">
+                <a:shade val="30000"/>
+                <a:satMod val="200000"/>
+              </a:schemeClr>
+            </a:gs>
+          </a:gsLst>
+          <a:path path="circle">
+            <a:fillToRect l="50000" t="50000" r="50000" b="50000"/>
+          </a:path>
+        </a:gradFill>
+      </a:bgFillStyleLst>
+    </a:fmtScheme>
+  </a:themeElements>
+  <a:objectDefaults/>
+  <a:extraClrSchemeLst/>
+</a:theme>
+</file>
+
+<file path=ppt/theme/theme2.xml><?xml version="1.0" encoding="utf-8"?>
+<a:theme xmlns:a="http://schemas.openxmlformats.org/drawingml/2006/main">
   <a:themeElements>
     <a:clrScheme name="Default">
       <a:dk1>
@@ -12304,284 +12578,7 @@
       </a:bgFillStyleLst>
     </a:fmtScheme>
   </a:themeElements>
-</a:theme>
-</file>
-
-<file path=ppt/theme/theme2.xml><?xml version="1.0" encoding="utf-8"?>
-<a:theme xmlns:a="http://schemas.openxmlformats.org/drawingml/2006/main" xmlns:r="http://schemas.openxmlformats.org/officeDocument/2006/relationships" name="Shift">
-  <a:themeElements>
-    <a:clrScheme name="Shift">
-      <a:dk1>
-        <a:srgbClr val="FFFFFF"/>
-      </a:dk1>
-      <a:lt1>
-        <a:srgbClr val="AF7B51"/>
-      </a:lt1>
-      <a:dk2>
-        <a:srgbClr val="233A44"/>
-      </a:dk2>
-      <a:lt2>
-        <a:srgbClr val="D9D9D9"/>
-      </a:lt2>
-      <a:accent1>
-        <a:srgbClr val="00796B"/>
-      </a:accent1>
-      <a:accent2>
-        <a:srgbClr val="D9563F"/>
-      </a:accent2>
-      <a:accent3>
-        <a:srgbClr val="C4A15A"/>
-      </a:accent3>
-      <a:accent4>
-        <a:srgbClr val="14F597"/>
-      </a:accent4>
-      <a:accent5>
-        <a:srgbClr val="3D4594"/>
-      </a:accent5>
-      <a:accent6>
-        <a:srgbClr val="163EF5"/>
-      </a:accent6>
-      <a:hlink>
-        <a:srgbClr val="3D4594"/>
-      </a:hlink>
-      <a:folHlink>
-        <a:srgbClr val="3D4594"/>
-      </a:folHlink>
-    </a:clrScheme>
-    <a:fontScheme name="Office">
-      <a:majorFont>
-        <a:latin typeface="Arial"/>
-        <a:ea typeface=""/>
-        <a:cs typeface=""/>
-        <a:font script="Jpan" typeface="ＭＳ Ｐゴシック"/>
-        <a:font script="Hang" typeface="맑은 고딕"/>
-        <a:font script="Hans" typeface="宋体"/>
-        <a:font script="Hant" typeface="新細明體"/>
-        <a:font script="Arab" typeface="Times New Roman"/>
-        <a:font script="Hebr" typeface="Times New Roman"/>
-        <a:font script="Thai" typeface="Angsana New"/>
-        <a:font script="Ethi" typeface="Nyala"/>
-        <a:font script="Beng" typeface="Vrinda"/>
-        <a:font script="Gujr" typeface="Shruti"/>
-        <a:font script="Khmr" typeface="MoolBoran"/>
-        <a:font script="Knda" typeface="Tunga"/>
-        <a:font script="Guru" typeface="Raavi"/>
-        <a:font script="Cans" typeface="Euphemia"/>
-        <a:font script="Cher" typeface="Plantagenet Cherokee"/>
-        <a:font script="Yiii" typeface="Microsoft Yi Baiti"/>
-        <a:font script="Tibt" typeface="Microsoft Himalaya"/>
-        <a:font script="Thaa" typeface="MV Boli"/>
-        <a:font script="Deva" typeface="Mangal"/>
-        <a:font script="Telu" typeface="Gautami"/>
-        <a:font script="Taml" typeface="Latha"/>
-        <a:font script="Syrc" typeface="Estrangelo Edessa"/>
-        <a:font script="Orya" typeface="Kalinga"/>
-        <a:font script="Mlym" typeface="Kartika"/>
-        <a:font script="Laoo" typeface="DokChampa"/>
-        <a:font script="Sinh" typeface="Iskoola Pota"/>
-        <a:font script="Mong" typeface="Mongolian Baiti"/>
-        <a:font script="Viet" typeface="Times New Roman"/>
-        <a:font script="Uigh" typeface="Microsoft Uighur"/>
-        <a:font script="Geor" typeface="Sylfaen"/>
-      </a:majorFont>
-      <a:minorFont>
-        <a:latin typeface="Arial"/>
-        <a:ea typeface=""/>
-        <a:cs typeface=""/>
-        <a:font script="Jpan" typeface="ＭＳ Ｐゴシック"/>
-        <a:font script="Hang" typeface="맑은 고딕"/>
-        <a:font script="Hans" typeface="宋体"/>
-        <a:font script="Hant" typeface="新細明體"/>
-        <a:font script="Arab" typeface="Arial"/>
-        <a:font script="Hebr" typeface="Arial"/>
-        <a:font script="Thai" typeface="Cordia New"/>
-        <a:font script="Ethi" typeface="Nyala"/>
-        <a:font script="Beng" typeface="Vrinda"/>
-        <a:font script="Gujr" typeface="Shruti"/>
-        <a:font script="Khmr" typeface="DaunPenh"/>
-        <a:font script="Knda" typeface="Tunga"/>
-        <a:font script="Guru" typeface="Raavi"/>
-        <a:font script="Cans" typeface="Euphemia"/>
-        <a:font script="Cher" typeface="Plantagenet Cherokee"/>
-        <a:font script="Yiii" typeface="Microsoft Yi Baiti"/>
-        <a:font script="Tibt" typeface="Microsoft Himalaya"/>
-        <a:font script="Thaa" typeface="MV Boli"/>
-        <a:font script="Deva" typeface="Mangal"/>
-        <a:font script="Telu" typeface="Gautami"/>
-        <a:font script="Taml" typeface="Latha"/>
-        <a:font script="Syrc" typeface="Estrangelo Edessa"/>
-        <a:font script="Orya" typeface="Kalinga"/>
-        <a:font script="Mlym" typeface="Kartika"/>
-        <a:font script="Laoo" typeface="DokChampa"/>
-        <a:font script="Sinh" typeface="Iskoola Pota"/>
-        <a:font script="Mong" typeface="Mongolian Baiti"/>
-        <a:font script="Viet" typeface="Arial"/>
-        <a:font script="Uigh" typeface="Microsoft Uighur"/>
-        <a:font script="Geor" typeface="Sylfaen"/>
-      </a:minorFont>
-    </a:fontScheme>
-    <a:fmtScheme name="Office">
-      <a:fillStyleLst>
-        <a:solidFill>
-          <a:schemeClr val="phClr"/>
-        </a:solidFill>
-        <a:gradFill rotWithShape="1">
-          <a:gsLst>
-            <a:gs pos="0">
-              <a:schemeClr val="phClr">
-                <a:tint val="50000"/>
-                <a:satMod val="300000"/>
-              </a:schemeClr>
-            </a:gs>
-            <a:gs pos="35000">
-              <a:schemeClr val="phClr">
-                <a:tint val="37000"/>
-                <a:satMod val="300000"/>
-              </a:schemeClr>
-            </a:gs>
-            <a:gs pos="100000">
-              <a:schemeClr val="phClr">
-                <a:tint val="15000"/>
-                <a:satMod val="350000"/>
-              </a:schemeClr>
-            </a:gs>
-          </a:gsLst>
-          <a:lin ang="16200000" scaled="1"/>
-        </a:gradFill>
-        <a:gradFill rotWithShape="1">
-          <a:gsLst>
-            <a:gs pos="0">
-              <a:schemeClr val="phClr">
-                <a:tint val="100000"/>
-                <a:shade val="100000"/>
-                <a:satMod val="130000"/>
-              </a:schemeClr>
-            </a:gs>
-            <a:gs pos="100000">
-              <a:schemeClr val="phClr">
-                <a:tint val="50000"/>
-                <a:shade val="100000"/>
-                <a:satMod val="350000"/>
-              </a:schemeClr>
-            </a:gs>
-          </a:gsLst>
-          <a:lin ang="16200000" scaled="0"/>
-        </a:gradFill>
-      </a:fillStyleLst>
-      <a:lnStyleLst>
-        <a:ln w="9525" cap="flat" cmpd="sng" algn="ctr">
-          <a:solidFill>
-            <a:schemeClr val="phClr">
-              <a:shade val="95000"/>
-              <a:satMod val="105000"/>
-            </a:schemeClr>
-          </a:solidFill>
-          <a:prstDash val="solid"/>
-        </a:ln>
-        <a:ln w="25400" cap="flat" cmpd="sng" algn="ctr">
-          <a:solidFill>
-            <a:schemeClr val="phClr"/>
-          </a:solidFill>
-          <a:prstDash val="solid"/>
-        </a:ln>
-        <a:ln w="38100" cap="flat" cmpd="sng" algn="ctr">
-          <a:solidFill>
-            <a:schemeClr val="phClr"/>
-          </a:solidFill>
-          <a:prstDash val="solid"/>
-        </a:ln>
-      </a:lnStyleLst>
-      <a:effectStyleLst>
-        <a:effectStyle>
-          <a:effectLst>
-            <a:outerShdw blurRad="40000" dist="20000" dir="5400000" rotWithShape="0">
-              <a:srgbClr val="000000">
-                <a:alpha val="38000"/>
-              </a:srgbClr>
-            </a:outerShdw>
-          </a:effectLst>
-        </a:effectStyle>
-        <a:effectStyle>
-          <a:effectLst>
-            <a:outerShdw blurRad="40000" dist="23000" dir="5400000" rotWithShape="0">
-              <a:srgbClr val="000000">
-                <a:alpha val="35000"/>
-              </a:srgbClr>
-            </a:outerShdw>
-          </a:effectLst>
-        </a:effectStyle>
-        <a:effectStyle>
-          <a:effectLst>
-            <a:outerShdw blurRad="40000" dist="23000" dir="5400000" rotWithShape="0">
-              <a:srgbClr val="000000">
-                <a:alpha val="35000"/>
-              </a:srgbClr>
-            </a:outerShdw>
-          </a:effectLst>
-          <a:scene3d>
-            <a:camera prst="orthographicFront">
-              <a:rot lat="0" lon="0" rev="0"/>
-            </a:camera>
-            <a:lightRig rig="threePt" dir="t">
-              <a:rot lat="0" lon="0" rev="1200000"/>
-            </a:lightRig>
-          </a:scene3d>
-          <a:sp3d>
-            <a:bevelT w="63500" h="25400"/>
-          </a:sp3d>
-        </a:effectStyle>
-      </a:effectStyleLst>
-      <a:bgFillStyleLst>
-        <a:solidFill>
-          <a:schemeClr val="phClr"/>
-        </a:solidFill>
-        <a:gradFill rotWithShape="1">
-          <a:gsLst>
-            <a:gs pos="0">
-              <a:schemeClr val="phClr">
-                <a:tint val="40000"/>
-                <a:satMod val="350000"/>
-              </a:schemeClr>
-            </a:gs>
-            <a:gs pos="40000">
-              <a:schemeClr val="phClr">
-                <a:tint val="45000"/>
-                <a:shade val="99000"/>
-                <a:satMod val="350000"/>
-              </a:schemeClr>
-            </a:gs>
-            <a:gs pos="100000">
-              <a:schemeClr val="phClr">
-                <a:shade val="20000"/>
-                <a:satMod val="255000"/>
-              </a:schemeClr>
-            </a:gs>
-          </a:gsLst>
-          <a:path path="circle">
-            <a:fillToRect l="50000" t="-80000" r="50000" b="180000"/>
-          </a:path>
-        </a:gradFill>
-        <a:gradFill rotWithShape="1">
-          <a:gsLst>
-            <a:gs pos="0">
-              <a:schemeClr val="phClr">
-                <a:tint val="80000"/>
-                <a:satMod val="300000"/>
-              </a:schemeClr>
-            </a:gs>
-            <a:gs pos="100000">
-              <a:schemeClr val="phClr">
-                <a:shade val="30000"/>
-                <a:satMod val="200000"/>
-              </a:schemeClr>
-            </a:gs>
-          </a:gsLst>
-          <a:path path="circle">
-            <a:fillToRect l="50000" t="50000" r="50000" b="50000"/>
-          </a:path>
-        </a:gradFill>
-      </a:bgFillStyleLst>
-    </a:fmtScheme>
-  </a:themeElements>
+  <a:objectDefaults/>
+  <a:extraClrSchemeLst/>
 </a:theme>
 </file>